--- a/Working Documents/Committee Meeting.pptx
+++ b/Working Documents/Committee Meeting.pptx
@@ -4,6 +4,9 @@
   <p:sldMasterIdLst>
     <p:sldMasterId id="2147483648" r:id="rId1"/>
   </p:sldMasterIdLst>
+  <p:notesMasterIdLst>
+    <p:notesMasterId r:id="rId15"/>
+  </p:notesMasterIdLst>
   <p:sldIdLst>
     <p:sldId id="256" r:id="rId2"/>
     <p:sldId id="257" r:id="rId3"/>
@@ -11,8 +14,13 @@
     <p:sldId id="260" r:id="rId5"/>
     <p:sldId id="261" r:id="rId6"/>
     <p:sldId id="262" r:id="rId7"/>
-    <p:sldId id="263" r:id="rId8"/>
-    <p:sldId id="264" r:id="rId9"/>
+    <p:sldId id="265" r:id="rId8"/>
+    <p:sldId id="263" r:id="rId9"/>
+    <p:sldId id="266" r:id="rId10"/>
+    <p:sldId id="268" r:id="rId11"/>
+    <p:sldId id="269" r:id="rId12"/>
+    <p:sldId id="267" r:id="rId13"/>
+    <p:sldId id="264" r:id="rId14"/>
   </p:sldIdLst>
   <p:sldSz cx="12192000" cy="6858000"/>
   <p:notesSz cx="6858000" cy="9144000"/>
@@ -111,7 +119,1100 @@
       </a:defRPr>
     </a:lvl9pPr>
   </p:defaultTextStyle>
+  <p:extLst>
+    <p:ext uri="{EFAFB233-063F-42B5-8137-9DF3F51BA10A}">
+      <p15:sldGuideLst xmlns:p15="http://schemas.microsoft.com/office/powerpoint/2012/main"/>
+    </p:ext>
+  </p:extLst>
 </p:presentation>
+</file>
+
+<file path=ppt/notesMasters/notesMaster1.xml><?xml version="1.0" encoding="utf-8"?>
+<p:notesMaster xmlns:a="http://schemas.openxmlformats.org/drawingml/2006/main" xmlns:r="http://schemas.openxmlformats.org/officeDocument/2006/relationships" xmlns:p="http://schemas.openxmlformats.org/presentationml/2006/main">
+  <p:cSld>
+    <p:bg>
+      <p:bgRef idx="1001">
+        <a:schemeClr val="bg1"/>
+      </p:bgRef>
+    </p:bg>
+    <p:spTree>
+      <p:nvGrpSpPr>
+        <p:cNvPr id="1" name=""/>
+        <p:cNvGrpSpPr/>
+        <p:nvPr/>
+      </p:nvGrpSpPr>
+      <p:grpSpPr>
+        <a:xfrm>
+          <a:off x="0" y="0"/>
+          <a:ext cx="0" cy="0"/>
+          <a:chOff x="0" y="0"/>
+          <a:chExt cx="0" cy="0"/>
+        </a:xfrm>
+      </p:grpSpPr>
+      <p:sp>
+        <p:nvSpPr>
+          <p:cNvPr id="2" name="Header Placeholder 1"/>
+          <p:cNvSpPr>
+            <a:spLocks noGrp="1"/>
+          </p:cNvSpPr>
+          <p:nvPr>
+            <p:ph type="hdr" sz="quarter"/>
+          </p:nvPr>
+        </p:nvSpPr>
+        <p:spPr>
+          <a:xfrm>
+            <a:off x="0" y="0"/>
+            <a:ext cx="2971800" cy="458788"/>
+          </a:xfrm>
+          <a:prstGeom prst="rect">
+            <a:avLst/>
+          </a:prstGeom>
+        </p:spPr>
+        <p:txBody>
+          <a:bodyPr vert="horz" lIns="91440" tIns="45720" rIns="91440" bIns="45720" rtlCol="0"/>
+          <a:lstStyle>
+            <a:lvl1pPr algn="l">
+              <a:defRPr sz="1200"/>
+            </a:lvl1pPr>
+          </a:lstStyle>
+          <a:p>
+            <a:endParaRPr lang="en-CA"/>
+          </a:p>
+        </p:txBody>
+      </p:sp>
+      <p:sp>
+        <p:nvSpPr>
+          <p:cNvPr id="3" name="Date Placeholder 2"/>
+          <p:cNvSpPr>
+            <a:spLocks noGrp="1"/>
+          </p:cNvSpPr>
+          <p:nvPr>
+            <p:ph type="dt" idx="1"/>
+          </p:nvPr>
+        </p:nvSpPr>
+        <p:spPr>
+          <a:xfrm>
+            <a:off x="3884613" y="0"/>
+            <a:ext cx="2971800" cy="458788"/>
+          </a:xfrm>
+          <a:prstGeom prst="rect">
+            <a:avLst/>
+          </a:prstGeom>
+        </p:spPr>
+        <p:txBody>
+          <a:bodyPr vert="horz" lIns="91440" tIns="45720" rIns="91440" bIns="45720" rtlCol="0"/>
+          <a:lstStyle>
+            <a:lvl1pPr algn="r">
+              <a:defRPr sz="1200"/>
+            </a:lvl1pPr>
+          </a:lstStyle>
+          <a:p>
+            <a:fld id="{A0428C8E-7BAD-4C37-9F0B-8CBDB03D4496}" type="datetimeFigureOut">
+              <a:rPr lang="en-CA" smtClean="0"/>
+              <a:t>2024-09-05</a:t>
+            </a:fld>
+            <a:endParaRPr lang="en-CA"/>
+          </a:p>
+        </p:txBody>
+      </p:sp>
+      <p:sp>
+        <p:nvSpPr>
+          <p:cNvPr id="4" name="Slide Image Placeholder 3"/>
+          <p:cNvSpPr>
+            <a:spLocks noGrp="1" noRot="1" noChangeAspect="1"/>
+          </p:cNvSpPr>
+          <p:nvPr>
+            <p:ph type="sldImg" idx="2"/>
+          </p:nvPr>
+        </p:nvSpPr>
+        <p:spPr>
+          <a:xfrm>
+            <a:off x="685800" y="1143000"/>
+            <a:ext cx="5486400" cy="3086100"/>
+          </a:xfrm>
+          <a:prstGeom prst="rect">
+            <a:avLst/>
+          </a:prstGeom>
+          <a:noFill/>
+          <a:ln w="12700">
+            <a:solidFill>
+              <a:prstClr val="black"/>
+            </a:solidFill>
+          </a:ln>
+        </p:spPr>
+        <p:txBody>
+          <a:bodyPr vert="horz" lIns="91440" tIns="45720" rIns="91440" bIns="45720" rtlCol="0" anchor="ctr"/>
+          <a:lstStyle/>
+          <a:p>
+            <a:endParaRPr lang="en-CA"/>
+          </a:p>
+        </p:txBody>
+      </p:sp>
+      <p:sp>
+        <p:nvSpPr>
+          <p:cNvPr id="5" name="Notes Placeholder 4"/>
+          <p:cNvSpPr>
+            <a:spLocks noGrp="1"/>
+          </p:cNvSpPr>
+          <p:nvPr>
+            <p:ph type="body" sz="quarter" idx="3"/>
+          </p:nvPr>
+        </p:nvSpPr>
+        <p:spPr>
+          <a:xfrm>
+            <a:off x="685800" y="4400550"/>
+            <a:ext cx="5486400" cy="3600450"/>
+          </a:xfrm>
+          <a:prstGeom prst="rect">
+            <a:avLst/>
+          </a:prstGeom>
+        </p:spPr>
+        <p:txBody>
+          <a:bodyPr vert="horz" lIns="91440" tIns="45720" rIns="91440" bIns="45720" rtlCol="0"/>
+          <a:lstStyle/>
+          <a:p>
+            <a:pPr lvl="0"/>
+            <a:r>
+              <a:rPr lang="en-US"/>
+              <a:t>Click to edit Master text styles</a:t>
+            </a:r>
+          </a:p>
+          <a:p>
+            <a:pPr lvl="1"/>
+            <a:r>
+              <a:rPr lang="en-US"/>
+              <a:t>Second level</a:t>
+            </a:r>
+          </a:p>
+          <a:p>
+            <a:pPr lvl="2"/>
+            <a:r>
+              <a:rPr lang="en-US"/>
+              <a:t>Third level</a:t>
+            </a:r>
+          </a:p>
+          <a:p>
+            <a:pPr lvl="3"/>
+            <a:r>
+              <a:rPr lang="en-US"/>
+              <a:t>Fourth level</a:t>
+            </a:r>
+          </a:p>
+          <a:p>
+            <a:pPr lvl="4"/>
+            <a:r>
+              <a:rPr lang="en-US"/>
+              <a:t>Fifth level</a:t>
+            </a:r>
+            <a:endParaRPr lang="en-CA"/>
+          </a:p>
+        </p:txBody>
+      </p:sp>
+      <p:sp>
+        <p:nvSpPr>
+          <p:cNvPr id="6" name="Footer Placeholder 5"/>
+          <p:cNvSpPr>
+            <a:spLocks noGrp="1"/>
+          </p:cNvSpPr>
+          <p:nvPr>
+            <p:ph type="ftr" sz="quarter" idx="4"/>
+          </p:nvPr>
+        </p:nvSpPr>
+        <p:spPr>
+          <a:xfrm>
+            <a:off x="0" y="8685213"/>
+            <a:ext cx="2971800" cy="458787"/>
+          </a:xfrm>
+          <a:prstGeom prst="rect">
+            <a:avLst/>
+          </a:prstGeom>
+        </p:spPr>
+        <p:txBody>
+          <a:bodyPr vert="horz" lIns="91440" tIns="45720" rIns="91440" bIns="45720" rtlCol="0" anchor="b"/>
+          <a:lstStyle>
+            <a:lvl1pPr algn="l">
+              <a:defRPr sz="1200"/>
+            </a:lvl1pPr>
+          </a:lstStyle>
+          <a:p>
+            <a:endParaRPr lang="en-CA"/>
+          </a:p>
+        </p:txBody>
+      </p:sp>
+      <p:sp>
+        <p:nvSpPr>
+          <p:cNvPr id="7" name="Slide Number Placeholder 6"/>
+          <p:cNvSpPr>
+            <a:spLocks noGrp="1"/>
+          </p:cNvSpPr>
+          <p:nvPr>
+            <p:ph type="sldNum" sz="quarter" idx="5"/>
+          </p:nvPr>
+        </p:nvSpPr>
+        <p:spPr>
+          <a:xfrm>
+            <a:off x="3884613" y="8685213"/>
+            <a:ext cx="2971800" cy="458787"/>
+          </a:xfrm>
+          <a:prstGeom prst="rect">
+            <a:avLst/>
+          </a:prstGeom>
+        </p:spPr>
+        <p:txBody>
+          <a:bodyPr vert="horz" lIns="91440" tIns="45720" rIns="91440" bIns="45720" rtlCol="0" anchor="b"/>
+          <a:lstStyle>
+            <a:lvl1pPr algn="r">
+              <a:defRPr sz="1200"/>
+            </a:lvl1pPr>
+          </a:lstStyle>
+          <a:p>
+            <a:fld id="{50A02E5A-F865-48ED-9E9D-E266E7C2AE07}" type="slidenum">
+              <a:rPr lang="en-CA" smtClean="0"/>
+              <a:t>‹#›</a:t>
+            </a:fld>
+            <a:endParaRPr lang="en-CA"/>
+          </a:p>
+        </p:txBody>
+      </p:sp>
+    </p:spTree>
+    <p:extLst>
+      <p:ext uri="{BB962C8B-B14F-4D97-AF65-F5344CB8AC3E}">
+        <p14:creationId xmlns:p14="http://schemas.microsoft.com/office/powerpoint/2010/main" val="2797288526"/>
+      </p:ext>
+    </p:extLst>
+  </p:cSld>
+  <p:clrMap bg1="lt1" tx1="dk1" bg2="lt2" tx2="dk2" accent1="accent1" accent2="accent2" accent3="accent3" accent4="accent4" accent5="accent5" accent6="accent6" hlink="hlink" folHlink="folHlink"/>
+  <p:notesStyle>
+    <a:lvl1pPr marL="0" algn="l" defTabSz="914400" rtl="0" eaLnBrk="1" latinLnBrk="0" hangingPunct="1">
+      <a:defRPr sz="1200" kern="1200">
+        <a:solidFill>
+          <a:schemeClr val="tx1"/>
+        </a:solidFill>
+        <a:latin typeface="+mn-lt"/>
+        <a:ea typeface="+mn-ea"/>
+        <a:cs typeface="+mn-cs"/>
+      </a:defRPr>
+    </a:lvl1pPr>
+    <a:lvl2pPr marL="457200" algn="l" defTabSz="914400" rtl="0" eaLnBrk="1" latinLnBrk="0" hangingPunct="1">
+      <a:defRPr sz="1200" kern="1200">
+        <a:solidFill>
+          <a:schemeClr val="tx1"/>
+        </a:solidFill>
+        <a:latin typeface="+mn-lt"/>
+        <a:ea typeface="+mn-ea"/>
+        <a:cs typeface="+mn-cs"/>
+      </a:defRPr>
+    </a:lvl2pPr>
+    <a:lvl3pPr marL="914400" algn="l" defTabSz="914400" rtl="0" eaLnBrk="1" latinLnBrk="0" hangingPunct="1">
+      <a:defRPr sz="1200" kern="1200">
+        <a:solidFill>
+          <a:schemeClr val="tx1"/>
+        </a:solidFill>
+        <a:latin typeface="+mn-lt"/>
+        <a:ea typeface="+mn-ea"/>
+        <a:cs typeface="+mn-cs"/>
+      </a:defRPr>
+    </a:lvl3pPr>
+    <a:lvl4pPr marL="1371600" algn="l" defTabSz="914400" rtl="0" eaLnBrk="1" latinLnBrk="0" hangingPunct="1">
+      <a:defRPr sz="1200" kern="1200">
+        <a:solidFill>
+          <a:schemeClr val="tx1"/>
+        </a:solidFill>
+        <a:latin typeface="+mn-lt"/>
+        <a:ea typeface="+mn-ea"/>
+        <a:cs typeface="+mn-cs"/>
+      </a:defRPr>
+    </a:lvl4pPr>
+    <a:lvl5pPr marL="1828800" algn="l" defTabSz="914400" rtl="0" eaLnBrk="1" latinLnBrk="0" hangingPunct="1">
+      <a:defRPr sz="1200" kern="1200">
+        <a:solidFill>
+          <a:schemeClr val="tx1"/>
+        </a:solidFill>
+        <a:latin typeface="+mn-lt"/>
+        <a:ea typeface="+mn-ea"/>
+        <a:cs typeface="+mn-cs"/>
+      </a:defRPr>
+    </a:lvl5pPr>
+    <a:lvl6pPr marL="2286000" algn="l" defTabSz="914400" rtl="0" eaLnBrk="1" latinLnBrk="0" hangingPunct="1">
+      <a:defRPr sz="1200" kern="1200">
+        <a:solidFill>
+          <a:schemeClr val="tx1"/>
+        </a:solidFill>
+        <a:latin typeface="+mn-lt"/>
+        <a:ea typeface="+mn-ea"/>
+        <a:cs typeface="+mn-cs"/>
+      </a:defRPr>
+    </a:lvl6pPr>
+    <a:lvl7pPr marL="2743200" algn="l" defTabSz="914400" rtl="0" eaLnBrk="1" latinLnBrk="0" hangingPunct="1">
+      <a:defRPr sz="1200" kern="1200">
+        <a:solidFill>
+          <a:schemeClr val="tx1"/>
+        </a:solidFill>
+        <a:latin typeface="+mn-lt"/>
+        <a:ea typeface="+mn-ea"/>
+        <a:cs typeface="+mn-cs"/>
+      </a:defRPr>
+    </a:lvl7pPr>
+    <a:lvl8pPr marL="3200400" algn="l" defTabSz="914400" rtl="0" eaLnBrk="1" latinLnBrk="0" hangingPunct="1">
+      <a:defRPr sz="1200" kern="1200">
+        <a:solidFill>
+          <a:schemeClr val="tx1"/>
+        </a:solidFill>
+        <a:latin typeface="+mn-lt"/>
+        <a:ea typeface="+mn-ea"/>
+        <a:cs typeface="+mn-cs"/>
+      </a:defRPr>
+    </a:lvl8pPr>
+    <a:lvl9pPr marL="3657600" algn="l" defTabSz="914400" rtl="0" eaLnBrk="1" latinLnBrk="0" hangingPunct="1">
+      <a:defRPr sz="1200" kern="1200">
+        <a:solidFill>
+          <a:schemeClr val="tx1"/>
+        </a:solidFill>
+        <a:latin typeface="+mn-lt"/>
+        <a:ea typeface="+mn-ea"/>
+        <a:cs typeface="+mn-cs"/>
+      </a:defRPr>
+    </a:lvl9pPr>
+  </p:notesStyle>
+</p:notesMaster>
+</file>
+
+<file path=ppt/notesSlides/notesSlide1.xml><?xml version="1.0" encoding="utf-8"?>
+<p:notes xmlns:a="http://schemas.openxmlformats.org/drawingml/2006/main" xmlns:r="http://schemas.openxmlformats.org/officeDocument/2006/relationships" xmlns:p="http://schemas.openxmlformats.org/presentationml/2006/main">
+  <p:cSld>
+    <p:spTree>
+      <p:nvGrpSpPr>
+        <p:cNvPr id="1" name=""/>
+        <p:cNvGrpSpPr/>
+        <p:nvPr/>
+      </p:nvGrpSpPr>
+      <p:grpSpPr>
+        <a:xfrm>
+          <a:off x="0" y="0"/>
+          <a:ext cx="0" cy="0"/>
+          <a:chOff x="0" y="0"/>
+          <a:chExt cx="0" cy="0"/>
+        </a:xfrm>
+      </p:grpSpPr>
+      <p:sp>
+        <p:nvSpPr>
+          <p:cNvPr id="2" name="Slide Image Placeholder 1"/>
+          <p:cNvSpPr>
+            <a:spLocks noGrp="1" noRot="1" noChangeAspect="1"/>
+          </p:cNvSpPr>
+          <p:nvPr>
+            <p:ph type="sldImg"/>
+          </p:nvPr>
+        </p:nvSpPr>
+        <p:spPr/>
+      </p:sp>
+      <p:sp>
+        <p:nvSpPr>
+          <p:cNvPr id="3" name="Notes Placeholder 2"/>
+          <p:cNvSpPr>
+            <a:spLocks noGrp="1"/>
+          </p:cNvSpPr>
+          <p:nvPr>
+            <p:ph type="body" idx="1"/>
+          </p:nvPr>
+        </p:nvSpPr>
+        <p:spPr/>
+        <p:txBody>
+          <a:bodyPr/>
+          <a:lstStyle/>
+          <a:p>
+            <a:pPr marL="0" marR="0" lvl="0" indent="0" algn="l" defTabSz="914400" rtl="0" eaLnBrk="1" fontAlgn="auto" latinLnBrk="0" hangingPunct="1">
+              <a:lnSpc>
+                <a:spcPct val="100000"/>
+              </a:lnSpc>
+              <a:spcBef>
+                <a:spcPts val="0"/>
+              </a:spcBef>
+              <a:spcAft>
+                <a:spcPts val="0"/>
+              </a:spcAft>
+              <a:buClrTx/>
+              <a:buSzTx/>
+              <a:buFontTx/>
+              <a:buNone/>
+              <a:tabLst/>
+              <a:defRPr/>
+            </a:pPr>
+            <a:r>
+              <a:rPr lang="en-CA" b="0" i="0" dirty="0">
+                <a:solidFill>
+                  <a:srgbClr val="2E414F"/>
+                </a:solidFill>
+                <a:effectLst/>
+                <a:latin typeface="Roboto" panose="020B0604020202020204" pitchFamily="2" charset="0"/>
+              </a:rPr>
+              <a:t>Segars, William Paul, Jason Bond, John P. </a:t>
+            </a:r>
+            <a:r>
+              <a:rPr lang="en-CA" b="0" i="0" dirty="0" err="1">
+                <a:solidFill>
+                  <a:srgbClr val="2E414F"/>
+                </a:solidFill>
+                <a:effectLst/>
+                <a:latin typeface="Roboto" panose="020B0604020202020204" pitchFamily="2" charset="0"/>
+              </a:rPr>
+              <a:t>Frush</a:t>
+            </a:r>
+            <a:r>
+              <a:rPr lang="en-CA" b="0" i="0" dirty="0">
+                <a:solidFill>
+                  <a:srgbClr val="2E414F"/>
+                </a:solidFill>
+                <a:effectLst/>
+                <a:latin typeface="Roboto" panose="020B0604020202020204" pitchFamily="2" charset="0"/>
+              </a:rPr>
+              <a:t>, Sylvia Hon, Christopher P. Eckersley, Cameron H. Williams, </a:t>
+            </a:r>
+            <a:r>
+              <a:rPr lang="en-CA" b="0" i="0" dirty="0" err="1">
+                <a:solidFill>
+                  <a:srgbClr val="2E414F"/>
+                </a:solidFill>
+                <a:effectLst/>
+                <a:latin typeface="Roboto" panose="020B0604020202020204" pitchFamily="2" charset="0"/>
+              </a:rPr>
+              <a:t>Jianqiao</a:t>
+            </a:r>
+            <a:r>
+              <a:rPr lang="en-CA" b="0" i="0" dirty="0">
+                <a:solidFill>
+                  <a:srgbClr val="2E414F"/>
+                </a:solidFill>
+                <a:effectLst/>
+                <a:latin typeface="Roboto" panose="020B0604020202020204" pitchFamily="2" charset="0"/>
+              </a:rPr>
+              <a:t> Feng, Daniel Jacob </a:t>
+            </a:r>
+            <a:r>
+              <a:rPr lang="en-CA" b="0" i="0" dirty="0" err="1">
+                <a:solidFill>
+                  <a:srgbClr val="2E414F"/>
+                </a:solidFill>
+                <a:effectLst/>
+                <a:latin typeface="Roboto" panose="020B0604020202020204" pitchFamily="2" charset="0"/>
+              </a:rPr>
+              <a:t>Tward</a:t>
+            </a:r>
+            <a:r>
+              <a:rPr lang="en-CA" b="0" i="0" dirty="0">
+                <a:solidFill>
+                  <a:srgbClr val="2E414F"/>
+                </a:solidFill>
+                <a:effectLst/>
+                <a:latin typeface="Roboto" panose="020B0604020202020204" pitchFamily="2" charset="0"/>
+              </a:rPr>
+              <a:t>, J. Tilak </a:t>
+            </a:r>
+            <a:r>
+              <a:rPr lang="en-CA" b="0" i="0" dirty="0" err="1">
+                <a:solidFill>
+                  <a:srgbClr val="2E414F"/>
+                </a:solidFill>
+                <a:effectLst/>
+                <a:latin typeface="Roboto" panose="020B0604020202020204" pitchFamily="2" charset="0"/>
+              </a:rPr>
+              <a:t>Ratnanather</a:t>
+            </a:r>
+            <a:r>
+              <a:rPr lang="en-CA" b="0" i="0" dirty="0">
+                <a:solidFill>
+                  <a:srgbClr val="2E414F"/>
+                </a:solidFill>
+                <a:effectLst/>
+                <a:latin typeface="Roboto" panose="020B0604020202020204" pitchFamily="2" charset="0"/>
+              </a:rPr>
+              <a:t>, M. I. Miller, Donald P. </a:t>
+            </a:r>
+            <a:r>
+              <a:rPr lang="en-CA" b="0" i="0" dirty="0" err="1">
+                <a:solidFill>
+                  <a:srgbClr val="2E414F"/>
+                </a:solidFill>
+                <a:effectLst/>
+                <a:latin typeface="Roboto" panose="020B0604020202020204" pitchFamily="2" charset="0"/>
+              </a:rPr>
+              <a:t>Frush</a:t>
+            </a:r>
+            <a:r>
+              <a:rPr lang="en-CA" b="0" i="0" dirty="0">
+                <a:solidFill>
+                  <a:srgbClr val="2E414F"/>
+                </a:solidFill>
+                <a:effectLst/>
+                <a:latin typeface="Roboto" panose="020B0604020202020204" pitchFamily="2" charset="0"/>
+              </a:rPr>
+              <a:t> and Ehsan </a:t>
+            </a:r>
+            <a:r>
+              <a:rPr lang="en-CA" b="0" i="0" dirty="0" err="1">
+                <a:solidFill>
+                  <a:srgbClr val="2E414F"/>
+                </a:solidFill>
+                <a:effectLst/>
+                <a:latin typeface="Roboto" panose="020B0604020202020204" pitchFamily="2" charset="0"/>
+              </a:rPr>
+              <a:t>Samei</a:t>
+            </a:r>
+            <a:r>
+              <a:rPr lang="en-CA" b="0" i="0" dirty="0">
+                <a:solidFill>
+                  <a:srgbClr val="2E414F"/>
+                </a:solidFill>
+                <a:effectLst/>
+                <a:latin typeface="Roboto" panose="020B0604020202020204" pitchFamily="2" charset="0"/>
+              </a:rPr>
+              <a:t>. “Population of anatomically variable 4D XCAT adult phantoms for imaging research and optimization.” </a:t>
+            </a:r>
+            <a:r>
+              <a:rPr lang="en-CA" b="0" i="1" dirty="0">
+                <a:solidFill>
+                  <a:srgbClr val="2E414F"/>
+                </a:solidFill>
+                <a:effectLst/>
+                <a:latin typeface="Roboto" panose="020B0604020202020204" pitchFamily="2" charset="0"/>
+              </a:rPr>
+              <a:t>Medical physics</a:t>
+            </a:r>
+            <a:r>
+              <a:rPr lang="en-CA" b="0" i="0" dirty="0">
+                <a:solidFill>
+                  <a:srgbClr val="2E414F"/>
+                </a:solidFill>
+                <a:effectLst/>
+                <a:latin typeface="Roboto" panose="020B0604020202020204" pitchFamily="2" charset="0"/>
+              </a:rPr>
+              <a:t> 40 4 (2013): 043701 .</a:t>
+            </a:r>
+            <a:endParaRPr lang="en-CA" dirty="0"/>
+          </a:p>
+          <a:p>
+            <a:endParaRPr lang="en-CA" dirty="0"/>
+          </a:p>
+        </p:txBody>
+      </p:sp>
+      <p:sp>
+        <p:nvSpPr>
+          <p:cNvPr id="4" name="Slide Number Placeholder 3"/>
+          <p:cNvSpPr>
+            <a:spLocks noGrp="1"/>
+          </p:cNvSpPr>
+          <p:nvPr>
+            <p:ph type="sldNum" sz="quarter" idx="5"/>
+          </p:nvPr>
+        </p:nvSpPr>
+        <p:spPr/>
+        <p:txBody>
+          <a:bodyPr/>
+          <a:lstStyle/>
+          <a:p>
+            <a:fld id="{50A02E5A-F865-48ED-9E9D-E266E7C2AE07}" type="slidenum">
+              <a:rPr lang="en-CA" smtClean="0"/>
+              <a:t>5</a:t>
+            </a:fld>
+            <a:endParaRPr lang="en-CA"/>
+          </a:p>
+        </p:txBody>
+      </p:sp>
+    </p:spTree>
+    <p:extLst>
+      <p:ext uri="{BB962C8B-B14F-4D97-AF65-F5344CB8AC3E}">
+        <p14:creationId xmlns:p14="http://schemas.microsoft.com/office/powerpoint/2010/main" val="1305957098"/>
+      </p:ext>
+    </p:extLst>
+  </p:cSld>
+  <p:clrMapOvr>
+    <a:masterClrMapping/>
+  </p:clrMapOvr>
+</p:notes>
+</file>
+
+<file path=ppt/notesSlides/notesSlide2.xml><?xml version="1.0" encoding="utf-8"?>
+<p:notes xmlns:a="http://schemas.openxmlformats.org/drawingml/2006/main" xmlns:r="http://schemas.openxmlformats.org/officeDocument/2006/relationships" xmlns:p="http://schemas.openxmlformats.org/presentationml/2006/main">
+  <p:cSld>
+    <p:spTree>
+      <p:nvGrpSpPr>
+        <p:cNvPr id="1" name=""/>
+        <p:cNvGrpSpPr/>
+        <p:nvPr/>
+      </p:nvGrpSpPr>
+      <p:grpSpPr>
+        <a:xfrm>
+          <a:off x="0" y="0"/>
+          <a:ext cx="0" cy="0"/>
+          <a:chOff x="0" y="0"/>
+          <a:chExt cx="0" cy="0"/>
+        </a:xfrm>
+      </p:grpSpPr>
+      <p:sp>
+        <p:nvSpPr>
+          <p:cNvPr id="2" name="Slide Image Placeholder 1"/>
+          <p:cNvSpPr>
+            <a:spLocks noGrp="1" noRot="1" noChangeAspect="1"/>
+          </p:cNvSpPr>
+          <p:nvPr>
+            <p:ph type="sldImg"/>
+          </p:nvPr>
+        </p:nvSpPr>
+        <p:spPr/>
+      </p:sp>
+      <p:sp>
+        <p:nvSpPr>
+          <p:cNvPr id="3" name="Notes Placeholder 2"/>
+          <p:cNvSpPr>
+            <a:spLocks noGrp="1"/>
+          </p:cNvSpPr>
+          <p:nvPr>
+            <p:ph type="body" idx="1"/>
+          </p:nvPr>
+        </p:nvSpPr>
+        <p:spPr/>
+        <p:txBody>
+          <a:bodyPr/>
+          <a:lstStyle/>
+          <a:p>
+            <a:pPr marL="0" marR="0" lvl="0" indent="0" algn="l" defTabSz="914400" rtl="0" eaLnBrk="1" fontAlgn="auto" latinLnBrk="0" hangingPunct="1">
+              <a:lnSpc>
+                <a:spcPct val="100000"/>
+              </a:lnSpc>
+              <a:spcBef>
+                <a:spcPts val="0"/>
+              </a:spcBef>
+              <a:spcAft>
+                <a:spcPts val="0"/>
+              </a:spcAft>
+              <a:buClrTx/>
+              <a:buSzTx/>
+              <a:buFontTx/>
+              <a:buNone/>
+              <a:tabLst/>
+              <a:defRPr/>
+            </a:pPr>
+            <a:r>
+              <a:rPr lang="en-CA" sz="1200" dirty="0"/>
+              <a:t>Diem, Alexandra &amp; </a:t>
+            </a:r>
+            <a:r>
+              <a:rPr lang="en-CA" sz="1200" dirty="0" err="1"/>
+              <a:t>Bressloff</a:t>
+            </a:r>
+            <a:r>
+              <a:rPr lang="en-CA" sz="1200" dirty="0"/>
+              <a:t>, Neil. “</a:t>
+            </a:r>
+            <a:r>
+              <a:rPr lang="en-CA" sz="1200" dirty="0" err="1"/>
+              <a:t>VaMpy</a:t>
+            </a:r>
+            <a:r>
+              <a:rPr lang="en-CA" sz="1200" dirty="0"/>
+              <a:t>: A Python Package to Solve 1D Blood Flow Problems.” </a:t>
+            </a:r>
+            <a:r>
+              <a:rPr lang="en-CA" sz="1200" i="1" dirty="0"/>
+              <a:t>Journal of Open Research Software</a:t>
+            </a:r>
+            <a:r>
+              <a:rPr lang="en-CA" sz="1200" dirty="0"/>
+              <a:t>. 5, 17, 2017.</a:t>
+            </a:r>
+          </a:p>
+          <a:p>
+            <a:endParaRPr lang="en-CA" dirty="0"/>
+          </a:p>
+        </p:txBody>
+      </p:sp>
+      <p:sp>
+        <p:nvSpPr>
+          <p:cNvPr id="4" name="Slide Number Placeholder 3"/>
+          <p:cNvSpPr>
+            <a:spLocks noGrp="1"/>
+          </p:cNvSpPr>
+          <p:nvPr>
+            <p:ph type="sldNum" sz="quarter" idx="5"/>
+          </p:nvPr>
+        </p:nvSpPr>
+        <p:spPr/>
+        <p:txBody>
+          <a:bodyPr/>
+          <a:lstStyle/>
+          <a:p>
+            <a:fld id="{50A02E5A-F865-48ED-9E9D-E266E7C2AE07}" type="slidenum">
+              <a:rPr lang="en-CA" smtClean="0"/>
+              <a:t>7</a:t>
+            </a:fld>
+            <a:endParaRPr lang="en-CA"/>
+          </a:p>
+        </p:txBody>
+      </p:sp>
+    </p:spTree>
+    <p:extLst>
+      <p:ext uri="{BB962C8B-B14F-4D97-AF65-F5344CB8AC3E}">
+        <p14:creationId xmlns:p14="http://schemas.microsoft.com/office/powerpoint/2010/main" val="3080794792"/>
+      </p:ext>
+    </p:extLst>
+  </p:cSld>
+  <p:clrMapOvr>
+    <a:masterClrMapping/>
+  </p:clrMapOvr>
+</p:notes>
+</file>
+
+<file path=ppt/notesSlides/notesSlide3.xml><?xml version="1.0" encoding="utf-8"?>
+<p:notes xmlns:a="http://schemas.openxmlformats.org/drawingml/2006/main" xmlns:r="http://schemas.openxmlformats.org/officeDocument/2006/relationships" xmlns:p="http://schemas.openxmlformats.org/presentationml/2006/main">
+  <p:cSld>
+    <p:spTree>
+      <p:nvGrpSpPr>
+        <p:cNvPr id="1" name=""/>
+        <p:cNvGrpSpPr/>
+        <p:nvPr/>
+      </p:nvGrpSpPr>
+      <p:grpSpPr>
+        <a:xfrm>
+          <a:off x="0" y="0"/>
+          <a:ext cx="0" cy="0"/>
+          <a:chOff x="0" y="0"/>
+          <a:chExt cx="0" cy="0"/>
+        </a:xfrm>
+      </p:grpSpPr>
+      <p:sp>
+        <p:nvSpPr>
+          <p:cNvPr id="2" name="Slide Image Placeholder 1"/>
+          <p:cNvSpPr>
+            <a:spLocks noGrp="1" noRot="1" noChangeAspect="1"/>
+          </p:cNvSpPr>
+          <p:nvPr>
+            <p:ph type="sldImg"/>
+          </p:nvPr>
+        </p:nvSpPr>
+        <p:spPr/>
+      </p:sp>
+      <p:sp>
+        <p:nvSpPr>
+          <p:cNvPr id="3" name="Notes Placeholder 2"/>
+          <p:cNvSpPr>
+            <a:spLocks noGrp="1"/>
+          </p:cNvSpPr>
+          <p:nvPr>
+            <p:ph type="body" idx="1"/>
+          </p:nvPr>
+        </p:nvSpPr>
+        <p:spPr/>
+        <p:txBody>
+          <a:bodyPr/>
+          <a:lstStyle/>
+          <a:p>
+            <a:r>
+              <a:rPr lang="en-US" dirty="0"/>
+              <a:t>[1] Cousins W, Gremaud PA. Impedance boundary conditions for general transient hemodynamics. International Journal for Numerical Methods in Biomedical Engineering. 2014;30(11):1294-1313. doi:10.1002/cnm.2658</a:t>
+            </a:r>
+          </a:p>
+          <a:p>
+            <a:r>
+              <a:rPr lang="en-US" dirty="0"/>
+              <a:t>[2]</a:t>
+            </a:r>
+          </a:p>
+          <a:p>
+            <a:r>
+              <a:rPr lang="en-US" dirty="0"/>
+              <a:t>[3]</a:t>
+            </a:r>
+            <a:endParaRPr lang="en-CA" dirty="0"/>
+          </a:p>
+        </p:txBody>
+      </p:sp>
+      <p:sp>
+        <p:nvSpPr>
+          <p:cNvPr id="4" name="Slide Number Placeholder 3"/>
+          <p:cNvSpPr>
+            <a:spLocks noGrp="1"/>
+          </p:cNvSpPr>
+          <p:nvPr>
+            <p:ph type="sldNum" sz="quarter" idx="5"/>
+          </p:nvPr>
+        </p:nvSpPr>
+        <p:spPr/>
+        <p:txBody>
+          <a:bodyPr/>
+          <a:lstStyle/>
+          <a:p>
+            <a:fld id="{50A02E5A-F865-48ED-9E9D-E266E7C2AE07}" type="slidenum">
+              <a:rPr lang="en-CA" smtClean="0"/>
+              <a:t>8</a:t>
+            </a:fld>
+            <a:endParaRPr lang="en-CA"/>
+          </a:p>
+        </p:txBody>
+      </p:sp>
+    </p:spTree>
+    <p:extLst>
+      <p:ext uri="{BB962C8B-B14F-4D97-AF65-F5344CB8AC3E}">
+        <p14:creationId xmlns:p14="http://schemas.microsoft.com/office/powerpoint/2010/main" val="4118980780"/>
+      </p:ext>
+    </p:extLst>
+  </p:cSld>
+  <p:clrMapOvr>
+    <a:masterClrMapping/>
+  </p:clrMapOvr>
+</p:notes>
+</file>
+
+<file path=ppt/notesSlides/notesSlide4.xml><?xml version="1.0" encoding="utf-8"?>
+<p:notes xmlns:a="http://schemas.openxmlformats.org/drawingml/2006/main" xmlns:r="http://schemas.openxmlformats.org/officeDocument/2006/relationships" xmlns:p="http://schemas.openxmlformats.org/presentationml/2006/main">
+  <p:cSld>
+    <p:spTree>
+      <p:nvGrpSpPr>
+        <p:cNvPr id="1" name=""/>
+        <p:cNvGrpSpPr/>
+        <p:nvPr/>
+      </p:nvGrpSpPr>
+      <p:grpSpPr>
+        <a:xfrm>
+          <a:off x="0" y="0"/>
+          <a:ext cx="0" cy="0"/>
+          <a:chOff x="0" y="0"/>
+          <a:chExt cx="0" cy="0"/>
+        </a:xfrm>
+      </p:grpSpPr>
+      <p:sp>
+        <p:nvSpPr>
+          <p:cNvPr id="2" name="Slide Image Placeholder 1"/>
+          <p:cNvSpPr>
+            <a:spLocks noGrp="1" noRot="1" noChangeAspect="1"/>
+          </p:cNvSpPr>
+          <p:nvPr>
+            <p:ph type="sldImg"/>
+          </p:nvPr>
+        </p:nvSpPr>
+        <p:spPr/>
+      </p:sp>
+      <p:sp>
+        <p:nvSpPr>
+          <p:cNvPr id="3" name="Notes Placeholder 2"/>
+          <p:cNvSpPr>
+            <a:spLocks noGrp="1"/>
+          </p:cNvSpPr>
+          <p:nvPr>
+            <p:ph type="body" idx="1"/>
+          </p:nvPr>
+        </p:nvSpPr>
+        <p:spPr/>
+        <p:txBody>
+          <a:bodyPr/>
+          <a:lstStyle/>
+          <a:p>
+            <a:r>
+              <a:rPr lang="en-CA" b="0" i="0" dirty="0" err="1">
+                <a:solidFill>
+                  <a:srgbClr val="333333"/>
+                </a:solidFill>
+                <a:effectLst/>
+                <a:highlight>
+                  <a:srgbClr val="FFFFFF"/>
+                </a:highlight>
+                <a:latin typeface="-apple-system"/>
+              </a:rPr>
+              <a:t>Freislederer</a:t>
+            </a:r>
+            <a:r>
+              <a:rPr lang="en-CA" b="0" i="0" dirty="0">
+                <a:solidFill>
+                  <a:srgbClr val="333333"/>
+                </a:solidFill>
+                <a:effectLst/>
+                <a:highlight>
+                  <a:srgbClr val="FFFFFF"/>
+                </a:highlight>
+                <a:latin typeface="-apple-system"/>
+              </a:rPr>
+              <a:t>, P., </a:t>
+            </a:r>
+            <a:r>
+              <a:rPr lang="en-CA" b="0" i="0" dirty="0" err="1">
+                <a:solidFill>
+                  <a:srgbClr val="333333"/>
+                </a:solidFill>
+                <a:effectLst/>
+                <a:highlight>
+                  <a:srgbClr val="FFFFFF"/>
+                </a:highlight>
+                <a:latin typeface="-apple-system"/>
+              </a:rPr>
+              <a:t>Kügele</a:t>
+            </a:r>
+            <a:r>
+              <a:rPr lang="en-CA" b="0" i="0" dirty="0">
+                <a:solidFill>
+                  <a:srgbClr val="333333"/>
+                </a:solidFill>
+                <a:effectLst/>
+                <a:highlight>
+                  <a:srgbClr val="FFFFFF"/>
+                </a:highlight>
+                <a:latin typeface="-apple-system"/>
+              </a:rPr>
+              <a:t>, M., </a:t>
+            </a:r>
+            <a:r>
+              <a:rPr lang="en-CA" b="0" i="0" dirty="0" err="1">
+                <a:solidFill>
+                  <a:srgbClr val="333333"/>
+                </a:solidFill>
+                <a:effectLst/>
+                <a:highlight>
+                  <a:srgbClr val="FFFFFF"/>
+                </a:highlight>
+                <a:latin typeface="-apple-system"/>
+              </a:rPr>
+              <a:t>Öllers</a:t>
+            </a:r>
+            <a:r>
+              <a:rPr lang="en-CA" b="0" i="0" dirty="0">
+                <a:solidFill>
+                  <a:srgbClr val="333333"/>
+                </a:solidFill>
+                <a:effectLst/>
+                <a:highlight>
+                  <a:srgbClr val="FFFFFF"/>
+                </a:highlight>
+                <a:latin typeface="-apple-system"/>
+              </a:rPr>
+              <a:t>, M. </a:t>
+            </a:r>
+            <a:r>
+              <a:rPr lang="en-CA" b="0" i="1" dirty="0">
+                <a:solidFill>
+                  <a:srgbClr val="333333"/>
+                </a:solidFill>
+                <a:effectLst/>
+                <a:highlight>
+                  <a:srgbClr val="FFFFFF"/>
+                </a:highlight>
+                <a:latin typeface="-apple-system"/>
+              </a:rPr>
+              <a:t>et al.</a:t>
+            </a:r>
+            <a:r>
+              <a:rPr lang="en-CA" b="0" i="0" dirty="0">
+                <a:solidFill>
+                  <a:srgbClr val="333333"/>
+                </a:solidFill>
+                <a:effectLst/>
+                <a:highlight>
+                  <a:srgbClr val="FFFFFF"/>
+                </a:highlight>
+                <a:latin typeface="-apple-system"/>
+              </a:rPr>
+              <a:t> Recent advances in Surface Guided Radiation Therapy. </a:t>
+            </a:r>
+            <a:r>
+              <a:rPr lang="en-CA" b="0" i="1" dirty="0" err="1">
+                <a:solidFill>
+                  <a:srgbClr val="333333"/>
+                </a:solidFill>
+                <a:effectLst/>
+                <a:highlight>
+                  <a:srgbClr val="FFFFFF"/>
+                </a:highlight>
+                <a:latin typeface="-apple-system"/>
+              </a:rPr>
+              <a:t>Radiat</a:t>
+            </a:r>
+            <a:r>
+              <a:rPr lang="en-CA" b="0" i="1" dirty="0">
+                <a:solidFill>
+                  <a:srgbClr val="333333"/>
+                </a:solidFill>
+                <a:effectLst/>
+                <a:highlight>
+                  <a:srgbClr val="FFFFFF"/>
+                </a:highlight>
+                <a:latin typeface="-apple-system"/>
+              </a:rPr>
+              <a:t> Oncol</a:t>
+            </a:r>
+            <a:r>
+              <a:rPr lang="en-CA" b="0" i="0" dirty="0">
+                <a:solidFill>
+                  <a:srgbClr val="333333"/>
+                </a:solidFill>
+                <a:effectLst/>
+                <a:highlight>
+                  <a:srgbClr val="FFFFFF"/>
+                </a:highlight>
+                <a:latin typeface="-apple-system"/>
+              </a:rPr>
+              <a:t> </a:t>
+            </a:r>
+            <a:r>
+              <a:rPr lang="en-CA" b="1" i="0" dirty="0">
+                <a:solidFill>
+                  <a:srgbClr val="333333"/>
+                </a:solidFill>
+                <a:effectLst/>
+                <a:highlight>
+                  <a:srgbClr val="FFFFFF"/>
+                </a:highlight>
+                <a:latin typeface="-apple-system"/>
+              </a:rPr>
+              <a:t>15</a:t>
+            </a:r>
+            <a:r>
+              <a:rPr lang="en-CA" b="0" i="0" dirty="0">
+                <a:solidFill>
+                  <a:srgbClr val="333333"/>
+                </a:solidFill>
+                <a:effectLst/>
+                <a:highlight>
+                  <a:srgbClr val="FFFFFF"/>
+                </a:highlight>
+                <a:latin typeface="-apple-system"/>
+              </a:rPr>
+              <a:t>, 187 (2020). https://doi.org/10.1186/s13014-020-01629-w</a:t>
+            </a:r>
+            <a:endParaRPr lang="en-CA" dirty="0"/>
+          </a:p>
+        </p:txBody>
+      </p:sp>
+      <p:sp>
+        <p:nvSpPr>
+          <p:cNvPr id="4" name="Slide Number Placeholder 3"/>
+          <p:cNvSpPr>
+            <a:spLocks noGrp="1"/>
+          </p:cNvSpPr>
+          <p:nvPr>
+            <p:ph type="sldNum" sz="quarter" idx="5"/>
+          </p:nvPr>
+        </p:nvSpPr>
+        <p:spPr/>
+        <p:txBody>
+          <a:bodyPr/>
+          <a:lstStyle/>
+          <a:p>
+            <a:fld id="{50A02E5A-F865-48ED-9E9D-E266E7C2AE07}" type="slidenum">
+              <a:rPr lang="en-CA" smtClean="0"/>
+              <a:t>12</a:t>
+            </a:fld>
+            <a:endParaRPr lang="en-CA"/>
+          </a:p>
+        </p:txBody>
+      </p:sp>
+    </p:spTree>
+    <p:extLst>
+      <p:ext uri="{BB962C8B-B14F-4D97-AF65-F5344CB8AC3E}">
+        <p14:creationId xmlns:p14="http://schemas.microsoft.com/office/powerpoint/2010/main" val="827134312"/>
+      </p:ext>
+    </p:extLst>
+  </p:cSld>
+  <p:clrMapOvr>
+    <a:masterClrMapping/>
+  </p:clrMapOvr>
+</p:notes>
 </file>
 
 <file path=ppt/slideLayouts/slideLayout1.xml><?xml version="1.0" encoding="utf-8"?>
@@ -263,7 +1364,7 @@
           <a:p>
             <a:fld id="{1FFAEC48-F960-465E-8D0E-05714480939D}" type="datetimeFigureOut">
               <a:rPr lang="en-CA" smtClean="0"/>
-              <a:t>30-Jul-2024</a:t>
+              <a:t>2024-09-05</a:t>
             </a:fld>
             <a:endParaRPr lang="en-CA"/>
           </a:p>
@@ -463,7 +1564,7 @@
           <a:p>
             <a:fld id="{1FFAEC48-F960-465E-8D0E-05714480939D}" type="datetimeFigureOut">
               <a:rPr lang="en-CA" smtClean="0"/>
-              <a:t>30-Jul-2024</a:t>
+              <a:t>2024-09-05</a:t>
             </a:fld>
             <a:endParaRPr lang="en-CA"/>
           </a:p>
@@ -673,7 +1774,7 @@
           <a:p>
             <a:fld id="{1FFAEC48-F960-465E-8D0E-05714480939D}" type="datetimeFigureOut">
               <a:rPr lang="en-CA" smtClean="0"/>
-              <a:t>30-Jul-2024</a:t>
+              <a:t>2024-09-05</a:t>
             </a:fld>
             <a:endParaRPr lang="en-CA"/>
           </a:p>
@@ -873,7 +1974,7 @@
           <a:p>
             <a:fld id="{1FFAEC48-F960-465E-8D0E-05714480939D}" type="datetimeFigureOut">
               <a:rPr lang="en-CA" smtClean="0"/>
-              <a:t>30-Jul-2024</a:t>
+              <a:t>2024-09-05</a:t>
             </a:fld>
             <a:endParaRPr lang="en-CA"/>
           </a:p>
@@ -1149,7 +2250,7 @@
           <a:p>
             <a:fld id="{1FFAEC48-F960-465E-8D0E-05714480939D}" type="datetimeFigureOut">
               <a:rPr lang="en-CA" smtClean="0"/>
-              <a:t>30-Jul-2024</a:t>
+              <a:t>2024-09-05</a:t>
             </a:fld>
             <a:endParaRPr lang="en-CA"/>
           </a:p>
@@ -1417,7 +2518,7 @@
           <a:p>
             <a:fld id="{1FFAEC48-F960-465E-8D0E-05714480939D}" type="datetimeFigureOut">
               <a:rPr lang="en-CA" smtClean="0"/>
-              <a:t>30-Jul-2024</a:t>
+              <a:t>2024-09-05</a:t>
             </a:fld>
             <a:endParaRPr lang="en-CA"/>
           </a:p>
@@ -1832,7 +2933,7 @@
           <a:p>
             <a:fld id="{1FFAEC48-F960-465E-8D0E-05714480939D}" type="datetimeFigureOut">
               <a:rPr lang="en-CA" smtClean="0"/>
-              <a:t>30-Jul-2024</a:t>
+              <a:t>2024-09-05</a:t>
             </a:fld>
             <a:endParaRPr lang="en-CA"/>
           </a:p>
@@ -1974,7 +3075,7 @@
           <a:p>
             <a:fld id="{1FFAEC48-F960-465E-8D0E-05714480939D}" type="datetimeFigureOut">
               <a:rPr lang="en-CA" smtClean="0"/>
-              <a:t>30-Jul-2024</a:t>
+              <a:t>2024-09-05</a:t>
             </a:fld>
             <a:endParaRPr lang="en-CA"/>
           </a:p>
@@ -2087,7 +3188,7 @@
           <a:p>
             <a:fld id="{1FFAEC48-F960-465E-8D0E-05714480939D}" type="datetimeFigureOut">
               <a:rPr lang="en-CA" smtClean="0"/>
-              <a:t>30-Jul-2024</a:t>
+              <a:t>2024-09-05</a:t>
             </a:fld>
             <a:endParaRPr lang="en-CA"/>
           </a:p>
@@ -2400,7 +3501,7 @@
           <a:p>
             <a:fld id="{1FFAEC48-F960-465E-8D0E-05714480939D}" type="datetimeFigureOut">
               <a:rPr lang="en-CA" smtClean="0"/>
-              <a:t>30-Jul-2024</a:t>
+              <a:t>2024-09-05</a:t>
             </a:fld>
             <a:endParaRPr lang="en-CA"/>
           </a:p>
@@ -2689,7 +3790,7 @@
           <a:p>
             <a:fld id="{1FFAEC48-F960-465E-8D0E-05714480939D}" type="datetimeFigureOut">
               <a:rPr lang="en-CA" smtClean="0"/>
-              <a:t>30-Jul-2024</a:t>
+              <a:t>2024-09-05</a:t>
             </a:fld>
             <a:endParaRPr lang="en-CA"/>
           </a:p>
@@ -2932,7 +4033,7 @@
           <a:p>
             <a:fld id="{1FFAEC48-F960-465E-8D0E-05714480939D}" type="datetimeFigureOut">
               <a:rPr lang="en-CA" smtClean="0"/>
-              <a:t>30-Jul-2024</a:t>
+              <a:t>2024-09-05</a:t>
             </a:fld>
             <a:endParaRPr lang="en-CA"/>
           </a:p>
@@ -3430,6 +4531,753 @@
 </p:sld>
 </file>
 
+<file path=ppt/slides/slide10.xml><?xml version="1.0" encoding="utf-8"?>
+<p:sld xmlns:a="http://schemas.openxmlformats.org/drawingml/2006/main" xmlns:r="http://schemas.openxmlformats.org/officeDocument/2006/relationships" xmlns:p="http://schemas.openxmlformats.org/presentationml/2006/main">
+  <p:cSld>
+    <p:spTree>
+      <p:nvGrpSpPr>
+        <p:cNvPr id="1" name=""/>
+        <p:cNvGrpSpPr/>
+        <p:nvPr/>
+      </p:nvGrpSpPr>
+      <p:grpSpPr>
+        <a:xfrm>
+          <a:off x="0" y="0"/>
+          <a:ext cx="0" cy="0"/>
+          <a:chOff x="0" y="0"/>
+          <a:chExt cx="0" cy="0"/>
+        </a:xfrm>
+      </p:grpSpPr>
+      <p:sp>
+        <p:nvSpPr>
+          <p:cNvPr id="2" name="Title 1">
+            <a:extLst>
+              <a:ext uri="{FF2B5EF4-FFF2-40B4-BE49-F238E27FC236}">
+                <a16:creationId xmlns:a16="http://schemas.microsoft.com/office/drawing/2014/main" id="{27333CB3-3BEB-E5C5-04C6-50DC80C64041}"/>
+              </a:ext>
+            </a:extLst>
+          </p:cNvPr>
+          <p:cNvSpPr>
+            <a:spLocks noGrp="1"/>
+          </p:cNvSpPr>
+          <p:nvPr>
+            <p:ph type="title"/>
+          </p:nvPr>
+        </p:nvSpPr>
+        <p:spPr/>
+        <p:txBody>
+          <a:bodyPr/>
+          <a:lstStyle/>
+          <a:p>
+            <a:r>
+              <a:rPr lang="en-CA" dirty="0"/>
+              <a:t>Questions?</a:t>
+            </a:r>
+          </a:p>
+        </p:txBody>
+      </p:sp>
+      <p:sp>
+        <p:nvSpPr>
+          <p:cNvPr id="3" name="Content Placeholder 2">
+            <a:extLst>
+              <a:ext uri="{FF2B5EF4-FFF2-40B4-BE49-F238E27FC236}">
+                <a16:creationId xmlns:a16="http://schemas.microsoft.com/office/drawing/2014/main" id="{4EAFCC85-588E-89F6-8747-D804D154A5C9}"/>
+              </a:ext>
+            </a:extLst>
+          </p:cNvPr>
+          <p:cNvSpPr>
+            <a:spLocks noGrp="1"/>
+          </p:cNvSpPr>
+          <p:nvPr>
+            <p:ph idx="1"/>
+          </p:nvPr>
+        </p:nvSpPr>
+        <p:spPr/>
+        <p:txBody>
+          <a:bodyPr/>
+          <a:lstStyle/>
+          <a:p>
+            <a:endParaRPr lang="en-CA" dirty="0"/>
+          </a:p>
+        </p:txBody>
+      </p:sp>
+    </p:spTree>
+    <p:extLst>
+      <p:ext uri="{BB962C8B-B14F-4D97-AF65-F5344CB8AC3E}">
+        <p14:creationId xmlns:p14="http://schemas.microsoft.com/office/powerpoint/2010/main" val="2623151968"/>
+      </p:ext>
+    </p:extLst>
+  </p:cSld>
+  <p:clrMapOvr>
+    <a:masterClrMapping/>
+  </p:clrMapOvr>
+</p:sld>
+</file>
+
+<file path=ppt/slides/slide11.xml><?xml version="1.0" encoding="utf-8"?>
+<p:sld xmlns:a="http://schemas.openxmlformats.org/drawingml/2006/main" xmlns:r="http://schemas.openxmlformats.org/officeDocument/2006/relationships" xmlns:p="http://schemas.openxmlformats.org/presentationml/2006/main">
+  <p:cSld>
+    <p:spTree>
+      <p:nvGrpSpPr>
+        <p:cNvPr id="1" name=""/>
+        <p:cNvGrpSpPr/>
+        <p:nvPr/>
+      </p:nvGrpSpPr>
+      <p:grpSpPr>
+        <a:xfrm>
+          <a:off x="0" y="0"/>
+          <a:ext cx="0" cy="0"/>
+          <a:chOff x="0" y="0"/>
+          <a:chExt cx="0" cy="0"/>
+        </a:xfrm>
+      </p:grpSpPr>
+      <p:sp>
+        <p:nvSpPr>
+          <p:cNvPr id="11" name="Oval 10">
+            <a:extLst>
+              <a:ext uri="{FF2B5EF4-FFF2-40B4-BE49-F238E27FC236}">
+                <a16:creationId xmlns:a16="http://schemas.microsoft.com/office/drawing/2014/main" id="{BE441CB7-9B1A-CC68-F1B0-C3C580BCBA33}"/>
+              </a:ext>
+            </a:extLst>
+          </p:cNvPr>
+          <p:cNvSpPr/>
+          <p:nvPr/>
+        </p:nvSpPr>
+        <p:spPr>
+          <a:xfrm>
+            <a:off x="6326124" y="2442531"/>
+            <a:ext cx="5453064" cy="2694550"/>
+          </a:xfrm>
+          <a:prstGeom prst="ellipse">
+            <a:avLst/>
+          </a:prstGeom>
+        </p:spPr>
+        <p:style>
+          <a:lnRef idx="2">
+            <a:schemeClr val="accent5">
+              <a:shade val="15000"/>
+            </a:schemeClr>
+          </a:lnRef>
+          <a:fillRef idx="1">
+            <a:schemeClr val="accent5"/>
+          </a:fillRef>
+          <a:effectRef idx="0">
+            <a:schemeClr val="accent5"/>
+          </a:effectRef>
+          <a:fontRef idx="minor">
+            <a:schemeClr val="lt1"/>
+          </a:fontRef>
+        </p:style>
+        <p:txBody>
+          <a:bodyPr rtlCol="0" anchor="ctr"/>
+          <a:lstStyle/>
+          <a:p>
+            <a:pPr algn="ctr"/>
+            <a:r>
+              <a:rPr lang="en-CA" dirty="0"/>
+              <a:t>CTV = Body Contour</a:t>
+            </a:r>
+          </a:p>
+        </p:txBody>
+      </p:sp>
+      <p:sp>
+        <p:nvSpPr>
+          <p:cNvPr id="7" name="Oval 6">
+            <a:extLst>
+              <a:ext uri="{FF2B5EF4-FFF2-40B4-BE49-F238E27FC236}">
+                <a16:creationId xmlns:a16="http://schemas.microsoft.com/office/drawing/2014/main" id="{06295F49-5717-F121-FAA2-F863A480310B}"/>
+              </a:ext>
+            </a:extLst>
+          </p:cNvPr>
+          <p:cNvSpPr/>
+          <p:nvPr/>
+        </p:nvSpPr>
+        <p:spPr>
+          <a:xfrm>
+            <a:off x="0" y="2630043"/>
+            <a:ext cx="5069015" cy="2319528"/>
+          </a:xfrm>
+          <a:prstGeom prst="ellipse">
+            <a:avLst/>
+          </a:prstGeom>
+        </p:spPr>
+        <p:style>
+          <a:lnRef idx="2">
+            <a:schemeClr val="accent3">
+              <a:shade val="15000"/>
+            </a:schemeClr>
+          </a:lnRef>
+          <a:fillRef idx="1">
+            <a:schemeClr val="accent3"/>
+          </a:fillRef>
+          <a:effectRef idx="0">
+            <a:schemeClr val="accent3"/>
+          </a:effectRef>
+          <a:fontRef idx="minor">
+            <a:schemeClr val="lt1"/>
+          </a:fontRef>
+        </p:style>
+        <p:txBody>
+          <a:bodyPr rtlCol="0" anchor="ctr"/>
+          <a:lstStyle/>
+          <a:p>
+            <a:pPr algn="ctr"/>
+            <a:endParaRPr lang="en-CA"/>
+          </a:p>
+        </p:txBody>
+      </p:sp>
+      <p:sp>
+        <p:nvSpPr>
+          <p:cNvPr id="2" name="Title 1">
+            <a:extLst>
+              <a:ext uri="{FF2B5EF4-FFF2-40B4-BE49-F238E27FC236}">
+                <a16:creationId xmlns:a16="http://schemas.microsoft.com/office/drawing/2014/main" id="{AD5586C8-ABB9-6862-C514-CD082D5096A1}"/>
+              </a:ext>
+            </a:extLst>
+          </p:cNvPr>
+          <p:cNvSpPr>
+            <a:spLocks noGrp="1"/>
+          </p:cNvSpPr>
+          <p:nvPr>
+            <p:ph type="title"/>
+          </p:nvPr>
+        </p:nvSpPr>
+        <p:spPr/>
+        <p:txBody>
+          <a:bodyPr/>
+          <a:lstStyle/>
+          <a:p>
+            <a:r>
+              <a:rPr lang="en-CA" dirty="0"/>
+              <a:t>Importance of Margin Size in TBI </a:t>
+            </a:r>
+          </a:p>
+        </p:txBody>
+      </p:sp>
+      <p:sp>
+        <p:nvSpPr>
+          <p:cNvPr id="6" name="Oval 5">
+            <a:extLst>
+              <a:ext uri="{FF2B5EF4-FFF2-40B4-BE49-F238E27FC236}">
+                <a16:creationId xmlns:a16="http://schemas.microsoft.com/office/drawing/2014/main" id="{BF943310-C5BB-5A6F-DCD8-4A6629632915}"/>
+              </a:ext>
+            </a:extLst>
+          </p:cNvPr>
+          <p:cNvSpPr/>
+          <p:nvPr/>
+        </p:nvSpPr>
+        <p:spPr>
+          <a:xfrm>
+            <a:off x="1633873" y="2847976"/>
+            <a:ext cx="1747502" cy="1601152"/>
+          </a:xfrm>
+          <a:prstGeom prst="ellipse">
+            <a:avLst/>
+          </a:prstGeom>
+        </p:spPr>
+        <p:style>
+          <a:lnRef idx="2">
+            <a:schemeClr val="accent5">
+              <a:shade val="15000"/>
+            </a:schemeClr>
+          </a:lnRef>
+          <a:fillRef idx="1">
+            <a:schemeClr val="accent5"/>
+          </a:fillRef>
+          <a:effectRef idx="0">
+            <a:schemeClr val="accent5"/>
+          </a:effectRef>
+          <a:fontRef idx="minor">
+            <a:schemeClr val="lt1"/>
+          </a:fontRef>
+        </p:style>
+        <p:txBody>
+          <a:bodyPr tIns="0" rtlCol="0" anchor="t" anchorCtr="0"/>
+          <a:lstStyle/>
+          <a:p>
+            <a:pPr algn="ctr"/>
+            <a:r>
+              <a:rPr lang="en-CA" dirty="0"/>
+              <a:t>PTV</a:t>
+            </a:r>
+          </a:p>
+        </p:txBody>
+      </p:sp>
+      <p:sp>
+        <p:nvSpPr>
+          <p:cNvPr id="5" name="Oval 4">
+            <a:extLst>
+              <a:ext uri="{FF2B5EF4-FFF2-40B4-BE49-F238E27FC236}">
+                <a16:creationId xmlns:a16="http://schemas.microsoft.com/office/drawing/2014/main" id="{2FF6F36E-59D6-4EBE-7385-9405CBD94F61}"/>
+              </a:ext>
+            </a:extLst>
+          </p:cNvPr>
+          <p:cNvSpPr/>
+          <p:nvPr/>
+        </p:nvSpPr>
+        <p:spPr>
+          <a:xfrm>
+            <a:off x="2087143" y="3380042"/>
+            <a:ext cx="840961" cy="819530"/>
+          </a:xfrm>
+          <a:prstGeom prst="ellipse">
+            <a:avLst/>
+          </a:prstGeom>
+        </p:spPr>
+        <p:style>
+          <a:lnRef idx="2">
+            <a:schemeClr val="accent2">
+              <a:shade val="15000"/>
+            </a:schemeClr>
+          </a:lnRef>
+          <a:fillRef idx="1">
+            <a:schemeClr val="accent2"/>
+          </a:fillRef>
+          <a:effectRef idx="0">
+            <a:schemeClr val="accent2"/>
+          </a:effectRef>
+          <a:fontRef idx="minor">
+            <a:schemeClr val="lt1"/>
+          </a:fontRef>
+        </p:style>
+        <p:txBody>
+          <a:bodyPr rtlCol="0" anchor="ctr"/>
+          <a:lstStyle/>
+          <a:p>
+            <a:pPr algn="ctr"/>
+            <a:r>
+              <a:rPr lang="en-CA" dirty="0"/>
+              <a:t>CTV</a:t>
+            </a:r>
+          </a:p>
+        </p:txBody>
+      </p:sp>
+      <p:sp>
+        <p:nvSpPr>
+          <p:cNvPr id="8" name="Oval 7">
+            <a:extLst>
+              <a:ext uri="{FF2B5EF4-FFF2-40B4-BE49-F238E27FC236}">
+                <a16:creationId xmlns:a16="http://schemas.microsoft.com/office/drawing/2014/main" id="{31E3F2BF-BFBD-0E54-4B62-F403A926CE75}"/>
+              </a:ext>
+            </a:extLst>
+          </p:cNvPr>
+          <p:cNvSpPr/>
+          <p:nvPr/>
+        </p:nvSpPr>
+        <p:spPr>
+          <a:xfrm>
+            <a:off x="6518149" y="2630043"/>
+            <a:ext cx="5069015" cy="2319527"/>
+          </a:xfrm>
+          <a:prstGeom prst="ellipse">
+            <a:avLst/>
+          </a:prstGeom>
+        </p:spPr>
+        <p:style>
+          <a:lnRef idx="2">
+            <a:schemeClr val="accent2">
+              <a:shade val="15000"/>
+            </a:schemeClr>
+          </a:lnRef>
+          <a:fillRef idx="1">
+            <a:schemeClr val="accent2"/>
+          </a:fillRef>
+          <a:effectRef idx="0">
+            <a:schemeClr val="accent2"/>
+          </a:effectRef>
+          <a:fontRef idx="minor">
+            <a:schemeClr val="lt1"/>
+          </a:fontRef>
+        </p:style>
+        <p:txBody>
+          <a:bodyPr rtlCol="0" anchor="ctr"/>
+          <a:lstStyle/>
+          <a:p>
+            <a:pPr algn="ctr"/>
+            <a:r>
+              <a:rPr lang="en-CA" dirty="0"/>
+              <a:t>CTV = Body Contour</a:t>
+            </a:r>
+          </a:p>
+        </p:txBody>
+      </p:sp>
+      <p:sp>
+        <p:nvSpPr>
+          <p:cNvPr id="9" name="TextBox 8">
+            <a:extLst>
+              <a:ext uri="{FF2B5EF4-FFF2-40B4-BE49-F238E27FC236}">
+                <a16:creationId xmlns:a16="http://schemas.microsoft.com/office/drawing/2014/main" id="{5D1C0414-FF09-72D3-2C2C-DB88A6794554}"/>
+              </a:ext>
+            </a:extLst>
+          </p:cNvPr>
+          <p:cNvSpPr txBox="1"/>
+          <p:nvPr/>
+        </p:nvSpPr>
+        <p:spPr>
+          <a:xfrm>
+            <a:off x="401765" y="2038088"/>
+            <a:ext cx="4667250" cy="369332"/>
+          </a:xfrm>
+          <a:prstGeom prst="rect">
+            <a:avLst/>
+          </a:prstGeom>
+          <a:noFill/>
+        </p:spPr>
+        <p:txBody>
+          <a:bodyPr wrap="square" rtlCol="0">
+            <a:spAutoFit/>
+          </a:bodyPr>
+          <a:lstStyle/>
+          <a:p>
+            <a:pPr algn="ctr"/>
+            <a:r>
+              <a:rPr lang="en-CA" dirty="0"/>
+              <a:t>Solid Tumour Treatment Planning </a:t>
+            </a:r>
+          </a:p>
+        </p:txBody>
+      </p:sp>
+      <p:sp>
+        <p:nvSpPr>
+          <p:cNvPr id="10" name="TextBox 9">
+            <a:extLst>
+              <a:ext uri="{FF2B5EF4-FFF2-40B4-BE49-F238E27FC236}">
+                <a16:creationId xmlns:a16="http://schemas.microsoft.com/office/drawing/2014/main" id="{8608BF73-96D7-9741-D6DA-4613D54C02D7}"/>
+              </a:ext>
+            </a:extLst>
+          </p:cNvPr>
+          <p:cNvSpPr txBox="1"/>
+          <p:nvPr/>
+        </p:nvSpPr>
+        <p:spPr>
+          <a:xfrm>
+            <a:off x="6719031" y="2056876"/>
+            <a:ext cx="4667250" cy="369332"/>
+          </a:xfrm>
+          <a:prstGeom prst="rect">
+            <a:avLst/>
+          </a:prstGeom>
+          <a:noFill/>
+        </p:spPr>
+        <p:txBody>
+          <a:bodyPr wrap="square" rtlCol="0">
+            <a:spAutoFit/>
+          </a:bodyPr>
+          <a:lstStyle/>
+          <a:p>
+            <a:pPr algn="ctr"/>
+            <a:r>
+              <a:rPr lang="en-CA" dirty="0"/>
+              <a:t>Total Body Irradiation Treatment Planning </a:t>
+            </a:r>
+          </a:p>
+        </p:txBody>
+      </p:sp>
+      <p:sp>
+        <p:nvSpPr>
+          <p:cNvPr id="12" name="TextBox 11">
+            <a:extLst>
+              <a:ext uri="{FF2B5EF4-FFF2-40B4-BE49-F238E27FC236}">
+                <a16:creationId xmlns:a16="http://schemas.microsoft.com/office/drawing/2014/main" id="{CC102AEB-615D-8A30-51AC-D65FE25C0DC2}"/>
+              </a:ext>
+            </a:extLst>
+          </p:cNvPr>
+          <p:cNvSpPr txBox="1"/>
+          <p:nvPr/>
+        </p:nvSpPr>
+        <p:spPr>
+          <a:xfrm>
+            <a:off x="6614255" y="5324593"/>
+            <a:ext cx="5263419" cy="923330"/>
+          </a:xfrm>
+          <a:prstGeom prst="rect">
+            <a:avLst/>
+          </a:prstGeom>
+          <a:noFill/>
+        </p:spPr>
+        <p:txBody>
+          <a:bodyPr wrap="square" rtlCol="0">
+            <a:spAutoFit/>
+          </a:bodyPr>
+          <a:lstStyle/>
+          <a:p>
+            <a:r>
+              <a:rPr lang="en-CA" dirty="0"/>
+              <a:t>The PTV extends outside of the patient’s body. Thus, we are planning to achieve the Rx in the air -&gt; higher fluence. </a:t>
+            </a:r>
+          </a:p>
+        </p:txBody>
+      </p:sp>
+    </p:spTree>
+    <p:extLst>
+      <p:ext uri="{BB962C8B-B14F-4D97-AF65-F5344CB8AC3E}">
+        <p14:creationId xmlns:p14="http://schemas.microsoft.com/office/powerpoint/2010/main" val="2628769127"/>
+      </p:ext>
+    </p:extLst>
+  </p:cSld>
+  <p:clrMapOvr>
+    <a:masterClrMapping/>
+  </p:clrMapOvr>
+</p:sld>
+</file>
+
+<file path=ppt/slides/slide12.xml><?xml version="1.0" encoding="utf-8"?>
+<p:sld xmlns:a="http://schemas.openxmlformats.org/drawingml/2006/main" xmlns:r="http://schemas.openxmlformats.org/officeDocument/2006/relationships" xmlns:p="http://schemas.openxmlformats.org/presentationml/2006/main">
+  <p:cSld>
+    <p:spTree>
+      <p:nvGrpSpPr>
+        <p:cNvPr id="1" name=""/>
+        <p:cNvGrpSpPr/>
+        <p:nvPr/>
+      </p:nvGrpSpPr>
+      <p:grpSpPr>
+        <a:xfrm>
+          <a:off x="0" y="0"/>
+          <a:ext cx="0" cy="0"/>
+          <a:chOff x="0" y="0"/>
+          <a:chExt cx="0" cy="0"/>
+        </a:xfrm>
+      </p:grpSpPr>
+      <p:sp>
+        <p:nvSpPr>
+          <p:cNvPr id="2" name="Title 1">
+            <a:extLst>
+              <a:ext uri="{FF2B5EF4-FFF2-40B4-BE49-F238E27FC236}">
+                <a16:creationId xmlns:a16="http://schemas.microsoft.com/office/drawing/2014/main" id="{159C92A7-67D4-8BC1-D8A6-3CF356D70517}"/>
+              </a:ext>
+            </a:extLst>
+          </p:cNvPr>
+          <p:cNvSpPr>
+            <a:spLocks noGrp="1"/>
+          </p:cNvSpPr>
+          <p:nvPr>
+            <p:ph type="title"/>
+          </p:nvPr>
+        </p:nvSpPr>
+        <p:spPr/>
+        <p:txBody>
+          <a:bodyPr/>
+          <a:lstStyle/>
+          <a:p>
+            <a:r>
+              <a:rPr lang="en-CA" dirty="0"/>
+              <a:t>New Project – TBI Treatment Margins</a:t>
+            </a:r>
+          </a:p>
+        </p:txBody>
+      </p:sp>
+      <p:sp>
+        <p:nvSpPr>
+          <p:cNvPr id="3" name="Content Placeholder 2">
+            <a:extLst>
+              <a:ext uri="{FF2B5EF4-FFF2-40B4-BE49-F238E27FC236}">
+                <a16:creationId xmlns:a16="http://schemas.microsoft.com/office/drawing/2014/main" id="{42D89693-0262-7CC8-55AC-AD1F2B9A26C4}"/>
+              </a:ext>
+            </a:extLst>
+          </p:cNvPr>
+          <p:cNvSpPr>
+            <a:spLocks noGrp="1"/>
+          </p:cNvSpPr>
+          <p:nvPr>
+            <p:ph idx="1"/>
+          </p:nvPr>
+        </p:nvSpPr>
+        <p:spPr/>
+        <p:txBody>
+          <a:bodyPr>
+            <a:normAutofit/>
+          </a:bodyPr>
+          <a:lstStyle/>
+          <a:p>
+            <a:r>
+              <a:rPr lang="en-CA" dirty="0"/>
+              <a:t>BC Cancer – Vancouver has transitioned to VMAT TBI. </a:t>
+            </a:r>
+          </a:p>
+          <a:p>
+            <a:r>
+              <a:rPr lang="en-CA" dirty="0"/>
+              <a:t>SGRT is used to aid in patient alignment. </a:t>
+            </a:r>
+          </a:p>
+          <a:p>
+            <a:r>
+              <a:rPr lang="en-CA" dirty="0"/>
+              <a:t>This also provides with additional information on set-up error and patient motion during treatment at all isocenters</a:t>
+            </a:r>
+          </a:p>
+          <a:p>
+            <a:r>
+              <a:rPr lang="en-CA" dirty="0"/>
+              <a:t>Using this data we can calculate minimum treatment margins for TBI. </a:t>
+            </a:r>
+          </a:p>
+          <a:p>
+            <a:r>
+              <a:rPr lang="en-CA" dirty="0"/>
+              <a:t>Using a Robustness study we can assess how well our current margins suit our needs using treatment plans from previously treated patients.</a:t>
+            </a:r>
+          </a:p>
+          <a:p>
+            <a:r>
+              <a:rPr lang="en-CA" dirty="0"/>
+              <a:t>Goal: provide treatment centre specific margins for TBI.</a:t>
+            </a:r>
+          </a:p>
+          <a:p>
+            <a:pPr marL="0" indent="0">
+              <a:buNone/>
+            </a:pPr>
+            <a:endParaRPr lang="en-CA" dirty="0"/>
+          </a:p>
+          <a:p>
+            <a:endParaRPr lang="en-CA" dirty="0"/>
+          </a:p>
+        </p:txBody>
+      </p:sp>
+      <p:pic>
+        <p:nvPicPr>
+          <p:cNvPr id="1028" name="Picture 4" descr="Recent advances in Surface Guided Radiation Therapy | Radiation Oncology |  Full Text">
+            <a:extLst>
+              <a:ext uri="{FF2B5EF4-FFF2-40B4-BE49-F238E27FC236}">
+                <a16:creationId xmlns:a16="http://schemas.microsoft.com/office/drawing/2014/main" id="{0C6C9388-3AA8-8402-7046-E6A42FEB2269}"/>
+              </a:ext>
+            </a:extLst>
+          </p:cNvPr>
+          <p:cNvPicPr>
+            <a:picLocks noChangeAspect="1" noChangeArrowheads="1"/>
+          </p:cNvPicPr>
+          <p:nvPr/>
+        </p:nvPicPr>
+        <p:blipFill>
+          <a:blip r:embed="rId3">
+            <a:extLst>
+              <a:ext uri="{28A0092B-C50C-407E-A947-70E740481C1C}">
+                <a14:useLocalDpi xmlns:a14="http://schemas.microsoft.com/office/drawing/2010/main" val="0"/>
+              </a:ext>
+            </a:extLst>
+          </a:blip>
+          <a:srcRect/>
+          <a:stretch>
+            <a:fillRect/>
+          </a:stretch>
+        </p:blipFill>
+        <p:spPr bwMode="auto">
+          <a:xfrm>
+            <a:off x="5667375" y="-186532"/>
+            <a:ext cx="6524625" cy="2428875"/>
+          </a:xfrm>
+          <a:prstGeom prst="rect">
+            <a:avLst/>
+          </a:prstGeom>
+          <a:noFill/>
+          <a:extLst>
+            <a:ext uri="{909E8E84-426E-40DD-AFC4-6F175D3DCCD1}">
+              <a14:hiddenFill xmlns:a14="http://schemas.microsoft.com/office/drawing/2010/main">
+                <a:solidFill>
+                  <a:srgbClr val="FFFFFF"/>
+                </a:solidFill>
+              </a14:hiddenFill>
+            </a:ext>
+          </a:extLst>
+        </p:spPr>
+      </p:pic>
+    </p:spTree>
+    <p:extLst>
+      <p:ext uri="{BB962C8B-B14F-4D97-AF65-F5344CB8AC3E}">
+        <p14:creationId xmlns:p14="http://schemas.microsoft.com/office/powerpoint/2010/main" val="1196532186"/>
+      </p:ext>
+    </p:extLst>
+  </p:cSld>
+  <p:clrMapOvr>
+    <a:masterClrMapping/>
+  </p:clrMapOvr>
+</p:sld>
+</file>
+
+<file path=ppt/slides/slide13.xml><?xml version="1.0" encoding="utf-8"?>
+<p:sld xmlns:a="http://schemas.openxmlformats.org/drawingml/2006/main" xmlns:r="http://schemas.openxmlformats.org/officeDocument/2006/relationships" xmlns:p="http://schemas.openxmlformats.org/presentationml/2006/main">
+  <p:cSld>
+    <p:spTree>
+      <p:nvGrpSpPr>
+        <p:cNvPr id="1" name=""/>
+        <p:cNvGrpSpPr/>
+        <p:nvPr/>
+      </p:nvGrpSpPr>
+      <p:grpSpPr>
+        <a:xfrm>
+          <a:off x="0" y="0"/>
+          <a:ext cx="0" cy="0"/>
+          <a:chOff x="0" y="0"/>
+          <a:chExt cx="0" cy="0"/>
+        </a:xfrm>
+      </p:grpSpPr>
+      <p:sp>
+        <p:nvSpPr>
+          <p:cNvPr id="2" name="Title 1">
+            <a:extLst>
+              <a:ext uri="{FF2B5EF4-FFF2-40B4-BE49-F238E27FC236}">
+                <a16:creationId xmlns:a16="http://schemas.microsoft.com/office/drawing/2014/main" id="{27333CB3-3BEB-E5C5-04C6-50DC80C64041}"/>
+              </a:ext>
+            </a:extLst>
+          </p:cNvPr>
+          <p:cNvSpPr>
+            <a:spLocks noGrp="1"/>
+          </p:cNvSpPr>
+          <p:nvPr>
+            <p:ph type="title"/>
+          </p:nvPr>
+        </p:nvSpPr>
+        <p:spPr/>
+        <p:txBody>
+          <a:bodyPr/>
+          <a:lstStyle/>
+          <a:p>
+            <a:r>
+              <a:rPr lang="en-CA" dirty="0"/>
+              <a:t>Questions?</a:t>
+            </a:r>
+          </a:p>
+        </p:txBody>
+      </p:sp>
+      <p:sp>
+        <p:nvSpPr>
+          <p:cNvPr id="3" name="Content Placeholder 2">
+            <a:extLst>
+              <a:ext uri="{FF2B5EF4-FFF2-40B4-BE49-F238E27FC236}">
+                <a16:creationId xmlns:a16="http://schemas.microsoft.com/office/drawing/2014/main" id="{4EAFCC85-588E-89F6-8747-D804D154A5C9}"/>
+              </a:ext>
+            </a:extLst>
+          </p:cNvPr>
+          <p:cNvSpPr>
+            <a:spLocks noGrp="1"/>
+          </p:cNvSpPr>
+          <p:nvPr>
+            <p:ph idx="1"/>
+          </p:nvPr>
+        </p:nvSpPr>
+        <p:spPr/>
+        <p:txBody>
+          <a:bodyPr/>
+          <a:lstStyle/>
+          <a:p>
+            <a:endParaRPr lang="en-CA"/>
+          </a:p>
+        </p:txBody>
+      </p:sp>
+    </p:spTree>
+    <p:extLst>
+      <p:ext uri="{BB962C8B-B14F-4D97-AF65-F5344CB8AC3E}">
+        <p14:creationId xmlns:p14="http://schemas.microsoft.com/office/powerpoint/2010/main" val="2878931481"/>
+      </p:ext>
+    </p:extLst>
+  </p:cSld>
+  <p:clrMapOvr>
+    <a:masterClrMapping/>
+  </p:clrMapOvr>
+</p:sld>
+</file>
+
 <file path=ppt/slides/slide2.xml><?xml version="1.0" encoding="utf-8"?>
 <p:sld xmlns:a="http://schemas.openxmlformats.org/drawingml/2006/main" xmlns:r="http://schemas.openxmlformats.org/officeDocument/2006/relationships" xmlns:p="http://schemas.openxmlformats.org/presentationml/2006/main">
   <p:cSld>
@@ -3603,44 +5451,122 @@
         </p:nvSpPr>
         <p:spPr/>
         <p:txBody>
-          <a:bodyPr/>
+          <a:bodyPr>
+            <a:normAutofit fontScale="92500" lnSpcReduction="10000"/>
+          </a:bodyPr>
           <a:lstStyle/>
           <a:p>
             <a:r>
               <a:rPr lang="en-CA" dirty="0"/>
-              <a:t>Advanced to </a:t>
-            </a:r>
-            <a:r>
-              <a:rPr lang="en-CA" dirty="0" err="1"/>
-              <a:t>canadicay</a:t>
-            </a:r>
+              <a:t>Advanced to Candidacy </a:t>
+            </a:r>
+          </a:p>
+          <a:p>
+            <a:r>
+              <a:rPr lang="en-CA" dirty="0">
+                <a:effectLst/>
+              </a:rPr>
+              <a:t>TA Professional Development Committee (2022-2024)</a:t>
+            </a:r>
+            <a:endParaRPr lang="en-CA" dirty="0"/>
+          </a:p>
+          <a:p>
+            <a:r>
+              <a:rPr lang="en-US" u="sng" dirty="0"/>
+              <a:t>Northway, C., </a:t>
+            </a:r>
+            <a:r>
+              <a:rPr lang="en-US" dirty="0"/>
+              <a:t>&amp; </a:t>
+            </a:r>
+            <a:r>
+              <a:rPr lang="en-US" dirty="0" err="1"/>
+              <a:t>Spadinger</a:t>
+            </a:r>
+            <a:r>
+              <a:rPr lang="en-US" dirty="0"/>
+              <a:t>, I. (2023). A full body blood flow model for applications in TBI dosimetry. Radiotherapy and Oncology, 186.</a:t>
+            </a:r>
+          </a:p>
+          <a:p>
+            <a:r>
+              <a:rPr lang="en-US" dirty="0"/>
+              <a:t>Lymphoma Canada Grant (2023 – 2025) </a:t>
+            </a:r>
+          </a:p>
+          <a:p>
+            <a:r>
+              <a:rPr lang="en-US" dirty="0"/>
+              <a:t> </a:t>
+            </a:r>
+            <a:r>
+              <a:rPr lang="en-CA" dirty="0">
+                <a:effectLst/>
+              </a:rPr>
+              <a:t>Zhang, C., </a:t>
+            </a:r>
+            <a:r>
+              <a:rPr lang="en-CA" u="sng" dirty="0">
+                <a:effectLst/>
+              </a:rPr>
+              <a:t>Northway, C.</a:t>
+            </a:r>
+            <a:r>
+              <a:rPr lang="en-CA" dirty="0">
+                <a:effectLst/>
+              </a:rPr>
+              <a:t>, Crook, J., Hilts, M., &amp; </a:t>
+            </a:r>
+            <a:r>
+              <a:rPr lang="en-CA" dirty="0" err="1">
+                <a:effectLst/>
+              </a:rPr>
+              <a:t>Batchelar</a:t>
+            </a:r>
+            <a:r>
+              <a:rPr lang="en-CA" dirty="0">
+                <a:effectLst/>
+              </a:rPr>
+              <a:t>, D. (2024). Seed distribution stability in permanent breast seed implant brachytherapy. </a:t>
+            </a:r>
+            <a:r>
+              <a:rPr lang="en-CA" i="1" dirty="0">
+                <a:effectLst/>
+              </a:rPr>
+              <a:t>Brachytherapy</a:t>
+            </a:r>
+            <a:r>
+              <a:rPr lang="en-CA" dirty="0">
+                <a:effectLst/>
+              </a:rPr>
+              <a:t>, </a:t>
+            </a:r>
+            <a:r>
+              <a:rPr lang="en-CA" i="1" dirty="0">
+                <a:effectLst/>
+              </a:rPr>
+              <a:t>23</a:t>
+            </a:r>
+            <a:r>
+              <a:rPr lang="en-CA" dirty="0">
+                <a:effectLst/>
+              </a:rPr>
+              <a:t>(4), 433–442. </a:t>
+            </a:r>
+            <a:endParaRPr lang="en-CA" dirty="0"/>
+          </a:p>
+          <a:p>
             <a:r>
               <a:rPr lang="en-CA" dirty="0"/>
-              <a:t> </a:t>
-            </a:r>
-          </a:p>
-          <a:p>
+              <a:t>Jin, R., Oh, J., …, </a:t>
+            </a:r>
+            <a:r>
+              <a:rPr lang="en-CA" u="sng" dirty="0"/>
+              <a:t>Northway, C</a:t>
+            </a:r>
             <a:r>
               <a:rPr lang="en-CA" dirty="0"/>
-              <a:t>Presented at 2023 COMP/CARO</a:t>
-            </a:r>
-          </a:p>
-          <a:p>
-            <a:r>
-              <a:rPr lang="en-CA" dirty="0"/>
-              <a:t>Publication from summer studentship work</a:t>
-            </a:r>
-          </a:p>
-          <a:p>
-            <a:r>
-              <a:rPr lang="en-CA" dirty="0"/>
-              <a:t>Lymphoma Canada Grant</a:t>
-            </a:r>
-          </a:p>
-          <a:p>
-            <a:r>
-              <a:rPr lang="en-CA" dirty="0"/>
-              <a:t>TAPD work (-)</a:t>
+              <a:t>., et al.  The Incidence and Factors associated with Pulmonary Toxicity in Adults After Total Body Irradiation-Based Conditioning Regimens &amp; Bone Marrow Transplantation. </a:t>
             </a:r>
           </a:p>
         </p:txBody>
@@ -3815,10 +5741,82 @@
           <a:bodyPr/>
           <a:lstStyle/>
           <a:p>
-            <a:endParaRPr lang="en-CA"/>
-          </a:p>
-        </p:txBody>
-      </p:sp>
+            <a:r>
+              <a:rPr lang="en-US" sz="2800" dirty="0"/>
+              <a:t>In-silico, track the flow of blood voxels through a </a:t>
+            </a:r>
+            <a:r>
+              <a:rPr lang="en-US" sz="2800" u="sng" dirty="0"/>
+              <a:t>whole-body phantom</a:t>
+            </a:r>
+            <a:r>
+              <a:rPr lang="en-US" sz="2800" dirty="0"/>
+              <a:t> undergoing TBI, calculate their cumulative dose, and compare the dose to the voxels.</a:t>
+            </a:r>
+          </a:p>
+          <a:p>
+            <a:r>
+              <a:rPr lang="en-US" sz="2800" dirty="0"/>
+              <a:t>Whole Body Phantom (4D </a:t>
+            </a:r>
+            <a:r>
+              <a:rPr lang="en-US" dirty="0"/>
+              <a:t>XCAT) </a:t>
+            </a:r>
+            <a:r>
+              <a:rPr lang="en-US" sz="2800" dirty="0"/>
+              <a:t>model will units a</a:t>
+            </a:r>
+            <a:r>
+              <a:rPr lang="en-US" dirty="0"/>
+              <a:t> </a:t>
+            </a:r>
+            <a:r>
+              <a:rPr lang="en-US" sz="2800" dirty="0"/>
+              <a:t>blood flow model and Monte Carlo Simulations to determine dose.</a:t>
+            </a:r>
+          </a:p>
+          <a:p>
+            <a:endParaRPr lang="en-CA" sz="2800" dirty="0"/>
+          </a:p>
+          <a:p>
+            <a:pPr marL="0" indent="0">
+              <a:buNone/>
+            </a:pPr>
+            <a:endParaRPr lang="en-CA" dirty="0"/>
+          </a:p>
+        </p:txBody>
+      </p:sp>
+      <p:pic>
+        <p:nvPicPr>
+          <p:cNvPr id="4" name="Picture 3">
+            <a:extLst>
+              <a:ext uri="{FF2B5EF4-FFF2-40B4-BE49-F238E27FC236}">
+                <a16:creationId xmlns:a16="http://schemas.microsoft.com/office/drawing/2014/main" id="{480263E8-46DC-95E0-079F-D585E49A6418}"/>
+              </a:ext>
+            </a:extLst>
+          </p:cNvPr>
+          <p:cNvPicPr>
+            <a:picLocks noChangeAspect="1"/>
+          </p:cNvPicPr>
+          <p:nvPr/>
+        </p:nvPicPr>
+        <p:blipFill>
+          <a:blip r:embed="rId3"/>
+          <a:stretch>
+            <a:fillRect/>
+          </a:stretch>
+        </p:blipFill>
+        <p:spPr>
+          <a:xfrm>
+            <a:off x="8417049" y="3726611"/>
+            <a:ext cx="3293722" cy="2970528"/>
+          </a:xfrm>
+          <a:prstGeom prst="rect">
+            <a:avLst/>
+          </a:prstGeom>
+        </p:spPr>
+      </p:pic>
     </p:spTree>
     <p:extLst>
       <p:ext uri="{BB962C8B-B14F-4D97-AF65-F5344CB8AC3E}">
@@ -3898,7 +5896,13 @@
           <a:bodyPr/>
           <a:lstStyle/>
           <a:p>
-            <a:endParaRPr lang="en-CA"/>
+            <a:r>
+              <a:rPr lang="en-CA" dirty="0"/>
+              <a:t>Pull the geometric information from the 4D XCAT phantom. DONE.</a:t>
+            </a:r>
+          </a:p>
+          <a:p>
+            <a:endParaRPr lang="en-CA" dirty="0"/>
           </a:p>
         </p:txBody>
       </p:sp>
@@ -3937,7 +5941,7 @@
           <p:cNvPr id="2" name="Title 1">
             <a:extLst>
               <a:ext uri="{FF2B5EF4-FFF2-40B4-BE49-F238E27FC236}">
-                <a16:creationId xmlns:a16="http://schemas.microsoft.com/office/drawing/2014/main" id="{528FE5FE-B27A-E7EF-50F8-BB02CA706F28}"/>
+                <a16:creationId xmlns:a16="http://schemas.microsoft.com/office/drawing/2014/main" id="{96CA003A-A7EB-02BB-1A1E-CF73CA077D10}"/>
               </a:ext>
             </a:extLst>
           </p:cNvPr>
@@ -3955,7 +5959,7 @@
           <a:p>
             <a:r>
               <a:rPr lang="en-CA" dirty="0"/>
-              <a:t>Current Status</a:t>
+              <a:t>Progress to Date</a:t>
             </a:r>
           </a:p>
         </p:txBody>
@@ -3965,7 +5969,7 @@
           <p:cNvPr id="3" name="Content Placeholder 2">
             <a:extLst>
               <a:ext uri="{FF2B5EF4-FFF2-40B4-BE49-F238E27FC236}">
-                <a16:creationId xmlns:a16="http://schemas.microsoft.com/office/drawing/2014/main" id="{3875EA02-4D13-7B13-636C-61E9D53EC7DE}"/>
+                <a16:creationId xmlns:a16="http://schemas.microsoft.com/office/drawing/2014/main" id="{DAA47003-06B9-0D09-B8AA-9D299E8056EC}"/>
               </a:ext>
             </a:extLst>
           </p:cNvPr>
@@ -3978,17 +5982,141 @@
         </p:nvSpPr>
         <p:spPr/>
         <p:txBody>
-          <a:bodyPr/>
-          <a:lstStyle/>
-          <a:p>
-            <a:endParaRPr lang="en-CA"/>
-          </a:p>
-        </p:txBody>
-      </p:sp>
+          <a:bodyPr>
+            <a:normAutofit fontScale="92500" lnSpcReduction="20000"/>
+          </a:bodyPr>
+          <a:lstStyle/>
+          <a:p>
+            <a:r>
+              <a:rPr lang="en-CA" dirty="0"/>
+              <a:t>Pull the geometric information from the 4D XCAT phantom</a:t>
+            </a:r>
+          </a:p>
+          <a:p>
+            <a:r>
+              <a:rPr lang="en-CA" dirty="0"/>
+              <a:t>Mapped the network </a:t>
+            </a:r>
+          </a:p>
+          <a:p>
+            <a:r>
+              <a:rPr lang="en-CA" dirty="0"/>
+              <a:t>Create 1D-0D blood flow modelling code base</a:t>
+            </a:r>
+          </a:p>
+          <a:p>
+            <a:pPr lvl="1"/>
+            <a:r>
+              <a:rPr lang="en-CA" dirty="0"/>
+              <a:t>Used open-source </a:t>
+            </a:r>
+            <a:r>
+              <a:rPr lang="en-CA" dirty="0" err="1"/>
+              <a:t>VaMpy</a:t>
+            </a:r>
+            <a:r>
+              <a:rPr lang="en-CA" dirty="0"/>
+              <a:t> code base</a:t>
+            </a:r>
+          </a:p>
+          <a:p>
+            <a:pPr lvl="1"/>
+            <a:r>
+              <a:rPr lang="en-CA" dirty="0"/>
+              <a:t>Modified to use Structured Tree boundary conditions. </a:t>
+            </a:r>
+          </a:p>
+          <a:p>
+            <a:pPr lvl="1"/>
+            <a:r>
+              <a:rPr lang="en-CA" dirty="0"/>
+              <a:t>Confirmed methodology using a “toy example”</a:t>
+            </a:r>
+          </a:p>
+          <a:p>
+            <a:r>
+              <a:rPr lang="en-CA" dirty="0"/>
+              <a:t>INSERT FIGURE HERE FOR TOY EXAMPLE.</a:t>
+            </a:r>
+          </a:p>
+          <a:p>
+            <a:r>
+              <a:rPr lang="en-CA" dirty="0"/>
+              <a:t>Began attempting to run a simulation for systemic arteries. </a:t>
+            </a:r>
+          </a:p>
+          <a:p>
+            <a:pPr marL="0" indent="0">
+              <a:buNone/>
+            </a:pPr>
+            <a:r>
+              <a:rPr lang="en-US" dirty="0"/>
+              <a:t>“ One problem is however, that the rather complicated system of equations does not converge for all choices of parameters (the peripheral resistance, the top radius, and the bottom radius.” – Dr. Mette Olufsen</a:t>
+            </a:r>
+          </a:p>
+          <a:p>
+            <a:pPr marL="0" indent="0">
+              <a:buNone/>
+            </a:pPr>
+            <a:r>
+              <a:rPr lang="en-US" dirty="0"/>
+              <a:t>0.006% of one period after months of work. </a:t>
+            </a:r>
+            <a:endParaRPr lang="en-CA" dirty="0"/>
+          </a:p>
+        </p:txBody>
+      </p:sp>
+      <p:pic>
+        <p:nvPicPr>
+          <p:cNvPr id="4" name="Picture 2" descr="VaMpy logo">
+            <a:extLst>
+              <a:ext uri="{FF2B5EF4-FFF2-40B4-BE49-F238E27FC236}">
+                <a16:creationId xmlns:a16="http://schemas.microsoft.com/office/drawing/2014/main" id="{8ECD7392-3FBE-7A31-B571-5CF42648A1A3}"/>
+              </a:ext>
+            </a:extLst>
+          </p:cNvPr>
+          <p:cNvPicPr>
+            <a:picLocks noChangeAspect="1" noChangeArrowheads="1"/>
+          </p:cNvPicPr>
+          <p:nvPr/>
+        </p:nvPicPr>
+        <p:blipFill>
+          <a:blip r:embed="rId3">
+            <a:extLst>
+              <a:ext uri="{28A0092B-C50C-407E-A947-70E740481C1C}">
+                <a14:useLocalDpi xmlns:a14="http://schemas.microsoft.com/office/drawing/2010/main" val="0"/>
+              </a:ext>
+            </a:extLst>
+          </a:blip>
+          <a:srcRect/>
+          <a:stretch>
+            <a:fillRect/>
+          </a:stretch>
+        </p:blipFill>
+        <p:spPr bwMode="auto">
+          <a:xfrm>
+            <a:off x="8599098" y="770614"/>
+            <a:ext cx="2754702" cy="789825"/>
+          </a:xfrm>
+          <a:prstGeom prst="rect">
+            <a:avLst/>
+          </a:prstGeom>
+          <a:noFill/>
+          <a:extLst>
+            <a:ext uri="{909E8E84-426E-40DD-AFC4-6F175D3DCCD1}">
+              <a14:hiddenFill xmlns:a14="http://schemas.microsoft.com/office/drawing/2010/main">
+                <a:solidFill>
+                  <a:srgbClr val="FFFFFF"/>
+                </a:solidFill>
+              </a14:hiddenFill>
+            </a:ext>
+          </a:extLst>
+        </p:spPr>
+      </p:pic>
     </p:spTree>
     <p:extLst>
       <p:ext uri="{BB962C8B-B14F-4D97-AF65-F5344CB8AC3E}">
-        <p14:creationId xmlns:p14="http://schemas.microsoft.com/office/powerpoint/2010/main" val="465128090"/>
+        <p14:creationId xmlns:p14="http://schemas.microsoft.com/office/powerpoint/2010/main" val="2471208418"/>
       </p:ext>
     </p:extLst>
   </p:cSld>
@@ -4020,7 +6148,7 @@
           <p:cNvPr id="2" name="Title 1">
             <a:extLst>
               <a:ext uri="{FF2B5EF4-FFF2-40B4-BE49-F238E27FC236}">
-                <a16:creationId xmlns:a16="http://schemas.microsoft.com/office/drawing/2014/main" id="{27333CB3-3BEB-E5C5-04C6-50DC80C64041}"/>
+                <a16:creationId xmlns:a16="http://schemas.microsoft.com/office/drawing/2014/main" id="{528FE5FE-B27A-E7EF-50F8-BB02CA706F28}"/>
               </a:ext>
             </a:extLst>
           </p:cNvPr>
@@ -4038,7 +6166,7 @@
           <a:p>
             <a:r>
               <a:rPr lang="en-CA" dirty="0"/>
-              <a:t>Questions?</a:t>
+              <a:t>Current Status – Blood Flow Modelling</a:t>
             </a:r>
           </a:p>
         </p:txBody>
@@ -4048,7 +6176,7 @@
           <p:cNvPr id="3" name="Content Placeholder 2">
             <a:extLst>
               <a:ext uri="{FF2B5EF4-FFF2-40B4-BE49-F238E27FC236}">
-                <a16:creationId xmlns:a16="http://schemas.microsoft.com/office/drawing/2014/main" id="{4EAFCC85-588E-89F6-8747-D804D154A5C9}"/>
+                <a16:creationId xmlns:a16="http://schemas.microsoft.com/office/drawing/2014/main" id="{3875EA02-4D13-7B13-636C-61E9D53EC7DE}"/>
               </a:ext>
             </a:extLst>
           </p:cNvPr>
@@ -4064,14 +6192,150 @@
           <a:bodyPr/>
           <a:lstStyle/>
           <a:p>
-            <a:endParaRPr lang="en-CA"/>
+            <a:r>
+              <a:rPr lang="en-CA" dirty="0"/>
+              <a:t>Elected to use established geometries for a limited number of systemic arteries. [1] Already up to 4%. </a:t>
+            </a:r>
+          </a:p>
+          <a:p>
+            <a:r>
+              <a:rPr lang="en-CA" dirty="0"/>
+              <a:t>It works PLZZZZ</a:t>
+            </a:r>
+          </a:p>
+          <a:p>
+            <a:r>
+              <a:rPr lang="en-CA" dirty="0"/>
+              <a:t>This work will provide the basis for Paper #1.</a:t>
+            </a:r>
+          </a:p>
+          <a:p>
+            <a:r>
+              <a:rPr lang="en-CA" dirty="0"/>
+              <a:t>I also have a plan to include pulmonary vessels (10%) and a limited systemic vein models. These are both based on successful implementation within the literature. CITE HERE [2,3]. This is </a:t>
+            </a:r>
+            <a:r>
+              <a:rPr lang="en-CA" u="sng" dirty="0"/>
+              <a:t>only</a:t>
+            </a:r>
+            <a:r>
+              <a:rPr lang="en-CA" dirty="0"/>
+              <a:t> if time allows.</a:t>
+            </a:r>
           </a:p>
         </p:txBody>
       </p:sp>
     </p:spTree>
     <p:extLst>
       <p:ext uri="{BB962C8B-B14F-4D97-AF65-F5344CB8AC3E}">
-        <p14:creationId xmlns:p14="http://schemas.microsoft.com/office/powerpoint/2010/main" val="2878931481"/>
+        <p14:creationId xmlns:p14="http://schemas.microsoft.com/office/powerpoint/2010/main" val="465128090"/>
+      </p:ext>
+    </p:extLst>
+  </p:cSld>
+  <p:clrMapOvr>
+    <a:masterClrMapping/>
+  </p:clrMapOvr>
+</p:sld>
+</file>
+
+<file path=ppt/slides/slide9.xml><?xml version="1.0" encoding="utf-8"?>
+<p:sld xmlns:a="http://schemas.openxmlformats.org/drawingml/2006/main" xmlns:r="http://schemas.openxmlformats.org/officeDocument/2006/relationships" xmlns:p="http://schemas.openxmlformats.org/presentationml/2006/main">
+  <p:cSld>
+    <p:spTree>
+      <p:nvGrpSpPr>
+        <p:cNvPr id="1" name=""/>
+        <p:cNvGrpSpPr/>
+        <p:nvPr/>
+      </p:nvGrpSpPr>
+      <p:grpSpPr>
+        <a:xfrm>
+          <a:off x="0" y="0"/>
+          <a:ext cx="0" cy="0"/>
+          <a:chOff x="0" y="0"/>
+          <a:chExt cx="0" cy="0"/>
+        </a:xfrm>
+      </p:grpSpPr>
+      <p:sp>
+        <p:nvSpPr>
+          <p:cNvPr id="2" name="Title 1">
+            <a:extLst>
+              <a:ext uri="{FF2B5EF4-FFF2-40B4-BE49-F238E27FC236}">
+                <a16:creationId xmlns:a16="http://schemas.microsoft.com/office/drawing/2014/main" id="{6D632F22-1599-815C-9A57-4008B1991C68}"/>
+              </a:ext>
+            </a:extLst>
+          </p:cNvPr>
+          <p:cNvSpPr>
+            <a:spLocks noGrp="1"/>
+          </p:cNvSpPr>
+          <p:nvPr>
+            <p:ph type="title"/>
+          </p:nvPr>
+        </p:nvSpPr>
+        <p:spPr/>
+        <p:txBody>
+          <a:bodyPr/>
+          <a:lstStyle/>
+          <a:p>
+            <a:r>
+              <a:rPr lang="en-CA" dirty="0"/>
+              <a:t>Current Status – Beam Modelling</a:t>
+            </a:r>
+          </a:p>
+        </p:txBody>
+      </p:sp>
+      <p:sp>
+        <p:nvSpPr>
+          <p:cNvPr id="3" name="Content Placeholder 2">
+            <a:extLst>
+              <a:ext uri="{FF2B5EF4-FFF2-40B4-BE49-F238E27FC236}">
+                <a16:creationId xmlns:a16="http://schemas.microsoft.com/office/drawing/2014/main" id="{27F9D53C-CDEC-46D6-B91B-B41EE488CF17}"/>
+              </a:ext>
+            </a:extLst>
+          </p:cNvPr>
+          <p:cNvSpPr>
+            <a:spLocks noGrp="1"/>
+          </p:cNvSpPr>
+          <p:nvPr>
+            <p:ph idx="1"/>
+          </p:nvPr>
+        </p:nvSpPr>
+        <p:spPr/>
+        <p:txBody>
+          <a:bodyPr/>
+          <a:lstStyle/>
+          <a:p>
+            <a:r>
+              <a:rPr lang="en-CA" dirty="0"/>
+              <a:t>With my work with Dr. </a:t>
+            </a:r>
+            <a:r>
+              <a:rPr lang="en-CA" dirty="0" err="1"/>
+              <a:t>Popsecu</a:t>
+            </a:r>
+            <a:r>
+              <a:rPr lang="en-CA" dirty="0"/>
+              <a:t> preparing data for the CARO 2024 poster I’ve begun the process of modelling our sweeping Co-60. </a:t>
+            </a:r>
+          </a:p>
+          <a:p>
+            <a:r>
+              <a:rPr lang="en-CA" dirty="0"/>
+              <a:t>Combining the dose data from this simulation with the blood flow model (normalized for time tracked within the simulation) will make up Paper #2.</a:t>
+            </a:r>
+          </a:p>
+          <a:p>
+            <a:pPr lvl="1"/>
+            <a:r>
+              <a:rPr lang="en-CA" dirty="0"/>
+              <a:t>Ideally: verification on the treatment unit, (requires access to developer mode/ 4D couch motion)</a:t>
+            </a:r>
+          </a:p>
+        </p:txBody>
+      </p:sp>
+    </p:spTree>
+    <p:extLst>
+      <p:ext uri="{BB962C8B-B14F-4D97-AF65-F5344CB8AC3E}">
+        <p14:creationId xmlns:p14="http://schemas.microsoft.com/office/powerpoint/2010/main" val="3726361935"/>
       </p:ext>
     </p:extLst>
   </p:cSld>
@@ -4374,4 +6638,319 @@
     </a:ext>
   </a:extLst>
 </a:theme>
+</file>
+
+<file path=ppt/theme/theme2.xml><?xml version="1.0" encoding="utf-8"?>
+<a:theme xmlns:a="http://schemas.openxmlformats.org/drawingml/2006/main" name="Office Theme">
+  <a:themeElements>
+    <a:clrScheme name="Office">
+      <a:dk1>
+        <a:sysClr val="windowText" lastClr="000000"/>
+      </a:dk1>
+      <a:lt1>
+        <a:sysClr val="window" lastClr="FFFFFF"/>
+      </a:lt1>
+      <a:dk2>
+        <a:srgbClr val="0E2841"/>
+      </a:dk2>
+      <a:lt2>
+        <a:srgbClr val="E8E8E8"/>
+      </a:lt2>
+      <a:accent1>
+        <a:srgbClr val="156082"/>
+      </a:accent1>
+      <a:accent2>
+        <a:srgbClr val="E97132"/>
+      </a:accent2>
+      <a:accent3>
+        <a:srgbClr val="196B24"/>
+      </a:accent3>
+      <a:accent4>
+        <a:srgbClr val="0F9ED5"/>
+      </a:accent4>
+      <a:accent5>
+        <a:srgbClr val="A02B93"/>
+      </a:accent5>
+      <a:accent6>
+        <a:srgbClr val="4EA72E"/>
+      </a:accent6>
+      <a:hlink>
+        <a:srgbClr val="467886"/>
+      </a:hlink>
+      <a:folHlink>
+        <a:srgbClr val="96607D"/>
+      </a:folHlink>
+    </a:clrScheme>
+    <a:fontScheme name="Office">
+      <a:majorFont>
+        <a:latin typeface="Aptos Display" panose="02110004020202020204"/>
+        <a:ea typeface=""/>
+        <a:cs typeface=""/>
+        <a:font script="Jpan" typeface="游ゴシック Light"/>
+        <a:font script="Hang" typeface="맑은 고딕"/>
+        <a:font script="Hans" typeface="等线 Light"/>
+        <a:font script="Hant" typeface="新細明體"/>
+        <a:font script="Arab" typeface="Times New Roman"/>
+        <a:font script="Hebr" typeface="Times New Roman"/>
+        <a:font script="Thai" typeface="Angsana New"/>
+        <a:font script="Ethi" typeface="Nyala"/>
+        <a:font script="Beng" typeface="Vrinda"/>
+        <a:font script="Gujr" typeface="Shruti"/>
+        <a:font script="Khmr" typeface="MoolBoran"/>
+        <a:font script="Knda" typeface="Tunga"/>
+        <a:font script="Guru" typeface="Raavi"/>
+        <a:font script="Cans" typeface="Euphemia"/>
+        <a:font script="Cher" typeface="Plantagenet Cherokee"/>
+        <a:font script="Yiii" typeface="Microsoft Yi Baiti"/>
+        <a:font script="Tibt" typeface="Microsoft Himalaya"/>
+        <a:font script="Thaa" typeface="MV Boli"/>
+        <a:font script="Deva" typeface="Mangal"/>
+        <a:font script="Telu" typeface="Gautami"/>
+        <a:font script="Taml" typeface="Latha"/>
+        <a:font script="Syrc" typeface="Estrangelo Edessa"/>
+        <a:font script="Orya" typeface="Kalinga"/>
+        <a:font script="Mlym" typeface="Kartika"/>
+        <a:font script="Laoo" typeface="DokChampa"/>
+        <a:font script="Sinh" typeface="Iskoola Pota"/>
+        <a:font script="Mong" typeface="Mongolian Baiti"/>
+        <a:font script="Viet" typeface="Times New Roman"/>
+        <a:font script="Uigh" typeface="Microsoft Uighur"/>
+        <a:font script="Geor" typeface="Sylfaen"/>
+        <a:font script="Armn" typeface="Arial"/>
+        <a:font script="Bugi" typeface="Leelawadee UI"/>
+        <a:font script="Bopo" typeface="Microsoft JhengHei"/>
+        <a:font script="Java" typeface="Javanese Text"/>
+        <a:font script="Lisu" typeface="Segoe UI"/>
+        <a:font script="Mymr" typeface="Myanmar Text"/>
+        <a:font script="Nkoo" typeface="Ebrima"/>
+        <a:font script="Olck" typeface="Nirmala UI"/>
+        <a:font script="Osma" typeface="Ebrima"/>
+        <a:font script="Phag" typeface="Phagspa"/>
+        <a:font script="Syrn" typeface="Estrangelo Edessa"/>
+        <a:font script="Syrj" typeface="Estrangelo Edessa"/>
+        <a:font script="Syre" typeface="Estrangelo Edessa"/>
+        <a:font script="Sora" typeface="Nirmala UI"/>
+        <a:font script="Tale" typeface="Microsoft Tai Le"/>
+        <a:font script="Talu" typeface="Microsoft New Tai Lue"/>
+        <a:font script="Tfng" typeface="Ebrima"/>
+      </a:majorFont>
+      <a:minorFont>
+        <a:latin typeface="Aptos" panose="02110004020202020204"/>
+        <a:ea typeface=""/>
+        <a:cs typeface=""/>
+        <a:font script="Jpan" typeface="游ゴシック"/>
+        <a:font script="Hang" typeface="맑은 고딕"/>
+        <a:font script="Hans" typeface="等线"/>
+        <a:font script="Hant" typeface="新細明體"/>
+        <a:font script="Arab" typeface="Arial"/>
+        <a:font script="Hebr" typeface="Arial"/>
+        <a:font script="Thai" typeface="Cordia New"/>
+        <a:font script="Ethi" typeface="Nyala"/>
+        <a:font script="Beng" typeface="Vrinda"/>
+        <a:font script="Gujr" typeface="Shruti"/>
+        <a:font script="Khmr" typeface="DaunPenh"/>
+        <a:font script="Knda" typeface="Tunga"/>
+        <a:font script="Guru" typeface="Raavi"/>
+        <a:font script="Cans" typeface="Euphemia"/>
+        <a:font script="Cher" typeface="Plantagenet Cherokee"/>
+        <a:font script="Yiii" typeface="Microsoft Yi Baiti"/>
+        <a:font script="Tibt" typeface="Microsoft Himalaya"/>
+        <a:font script="Thaa" typeface="MV Boli"/>
+        <a:font script="Deva" typeface="Mangal"/>
+        <a:font script="Telu" typeface="Gautami"/>
+        <a:font script="Taml" typeface="Latha"/>
+        <a:font script="Syrc" typeface="Estrangelo Edessa"/>
+        <a:font script="Orya" typeface="Kalinga"/>
+        <a:font script="Mlym" typeface="Kartika"/>
+        <a:font script="Laoo" typeface="DokChampa"/>
+        <a:font script="Sinh" typeface="Iskoola Pota"/>
+        <a:font script="Mong" typeface="Mongolian Baiti"/>
+        <a:font script="Viet" typeface="Arial"/>
+        <a:font script="Uigh" typeface="Microsoft Uighur"/>
+        <a:font script="Geor" typeface="Sylfaen"/>
+        <a:font script="Armn" typeface="Arial"/>
+        <a:font script="Bugi" typeface="Leelawadee UI"/>
+        <a:font script="Bopo" typeface="Microsoft JhengHei"/>
+        <a:font script="Java" typeface="Javanese Text"/>
+        <a:font script="Lisu" typeface="Segoe UI"/>
+        <a:font script="Mymr" typeface="Myanmar Text"/>
+        <a:font script="Nkoo" typeface="Ebrima"/>
+        <a:font script="Olck" typeface="Nirmala UI"/>
+        <a:font script="Osma" typeface="Ebrima"/>
+        <a:font script="Phag" typeface="Phagspa"/>
+        <a:font script="Syrn" typeface="Estrangelo Edessa"/>
+        <a:font script="Syrj" typeface="Estrangelo Edessa"/>
+        <a:font script="Syre" typeface="Estrangelo Edessa"/>
+        <a:font script="Sora" typeface="Nirmala UI"/>
+        <a:font script="Tale" typeface="Microsoft Tai Le"/>
+        <a:font script="Talu" typeface="Microsoft New Tai Lue"/>
+        <a:font script="Tfng" typeface="Ebrima"/>
+      </a:minorFont>
+    </a:fontScheme>
+    <a:fmtScheme name="Office">
+      <a:fillStyleLst>
+        <a:solidFill>
+          <a:schemeClr val="phClr"/>
+        </a:solidFill>
+        <a:gradFill rotWithShape="1">
+          <a:gsLst>
+            <a:gs pos="0">
+              <a:schemeClr val="phClr">
+                <a:lumMod val="110000"/>
+                <a:satMod val="105000"/>
+                <a:tint val="67000"/>
+              </a:schemeClr>
+            </a:gs>
+            <a:gs pos="50000">
+              <a:schemeClr val="phClr">
+                <a:lumMod val="105000"/>
+                <a:satMod val="103000"/>
+                <a:tint val="73000"/>
+              </a:schemeClr>
+            </a:gs>
+            <a:gs pos="100000">
+              <a:schemeClr val="phClr">
+                <a:lumMod val="105000"/>
+                <a:satMod val="109000"/>
+                <a:tint val="81000"/>
+              </a:schemeClr>
+            </a:gs>
+          </a:gsLst>
+          <a:lin ang="5400000" scaled="0"/>
+        </a:gradFill>
+        <a:gradFill rotWithShape="1">
+          <a:gsLst>
+            <a:gs pos="0">
+              <a:schemeClr val="phClr">
+                <a:satMod val="103000"/>
+                <a:lumMod val="102000"/>
+                <a:tint val="94000"/>
+              </a:schemeClr>
+            </a:gs>
+            <a:gs pos="50000">
+              <a:schemeClr val="phClr">
+                <a:satMod val="110000"/>
+                <a:lumMod val="100000"/>
+                <a:shade val="100000"/>
+              </a:schemeClr>
+            </a:gs>
+            <a:gs pos="100000">
+              <a:schemeClr val="phClr">
+                <a:lumMod val="99000"/>
+                <a:satMod val="120000"/>
+                <a:shade val="78000"/>
+              </a:schemeClr>
+            </a:gs>
+          </a:gsLst>
+          <a:lin ang="5400000" scaled="0"/>
+        </a:gradFill>
+      </a:fillStyleLst>
+      <a:lnStyleLst>
+        <a:ln w="12700" cap="flat" cmpd="sng" algn="ctr">
+          <a:solidFill>
+            <a:schemeClr val="phClr"/>
+          </a:solidFill>
+          <a:prstDash val="solid"/>
+          <a:miter lim="800000"/>
+        </a:ln>
+        <a:ln w="19050" cap="flat" cmpd="sng" algn="ctr">
+          <a:solidFill>
+            <a:schemeClr val="phClr"/>
+          </a:solidFill>
+          <a:prstDash val="solid"/>
+          <a:miter lim="800000"/>
+        </a:ln>
+        <a:ln w="25400" cap="flat" cmpd="sng" algn="ctr">
+          <a:solidFill>
+            <a:schemeClr val="phClr"/>
+          </a:solidFill>
+          <a:prstDash val="solid"/>
+          <a:miter lim="800000"/>
+        </a:ln>
+      </a:lnStyleLst>
+      <a:effectStyleLst>
+        <a:effectStyle>
+          <a:effectLst/>
+        </a:effectStyle>
+        <a:effectStyle>
+          <a:effectLst/>
+        </a:effectStyle>
+        <a:effectStyle>
+          <a:effectLst>
+            <a:outerShdw blurRad="57150" dist="19050" dir="5400000" algn="ctr" rotWithShape="0">
+              <a:srgbClr val="000000">
+                <a:alpha val="63000"/>
+              </a:srgbClr>
+            </a:outerShdw>
+          </a:effectLst>
+        </a:effectStyle>
+      </a:effectStyleLst>
+      <a:bgFillStyleLst>
+        <a:solidFill>
+          <a:schemeClr val="phClr"/>
+        </a:solidFill>
+        <a:solidFill>
+          <a:schemeClr val="phClr">
+            <a:tint val="95000"/>
+            <a:satMod val="170000"/>
+          </a:schemeClr>
+        </a:solidFill>
+        <a:gradFill rotWithShape="1">
+          <a:gsLst>
+            <a:gs pos="0">
+              <a:schemeClr val="phClr">
+                <a:tint val="93000"/>
+                <a:satMod val="150000"/>
+                <a:shade val="98000"/>
+                <a:lumMod val="102000"/>
+              </a:schemeClr>
+            </a:gs>
+            <a:gs pos="50000">
+              <a:schemeClr val="phClr">
+                <a:tint val="98000"/>
+                <a:satMod val="130000"/>
+                <a:shade val="90000"/>
+                <a:lumMod val="103000"/>
+              </a:schemeClr>
+            </a:gs>
+            <a:gs pos="100000">
+              <a:schemeClr val="phClr">
+                <a:shade val="63000"/>
+                <a:satMod val="120000"/>
+              </a:schemeClr>
+            </a:gs>
+          </a:gsLst>
+          <a:lin ang="5400000" scaled="0"/>
+        </a:gradFill>
+      </a:bgFillStyleLst>
+    </a:fmtScheme>
+  </a:themeElements>
+  <a:objectDefaults>
+    <a:lnDef>
+      <a:spPr/>
+      <a:bodyPr/>
+      <a:lstStyle/>
+      <a:style>
+        <a:lnRef idx="2">
+          <a:schemeClr val="accent1"/>
+        </a:lnRef>
+        <a:fillRef idx="0">
+          <a:schemeClr val="accent1"/>
+        </a:fillRef>
+        <a:effectRef idx="1">
+          <a:schemeClr val="accent1"/>
+        </a:effectRef>
+        <a:fontRef idx="minor">
+          <a:schemeClr val="tx1"/>
+        </a:fontRef>
+      </a:style>
+    </a:lnDef>
+  </a:objectDefaults>
+  <a:extraClrSchemeLst/>
+  <a:extLst>
+    <a:ext uri="{05A4C25C-085E-4340-85A3-A5531E510DB2}">
+      <thm15:themeFamily xmlns:thm15="http://schemas.microsoft.com/office/thememl/2012/main" name="Office Theme" id="{2E142A2C-CD16-42D6-873A-C26D2A0506FA}" vid="{1BDDFF52-6CD6-40A5-AB3C-68EB2F1E4D0A}"/>
+    </a:ext>
+  </a:extLst>
+</a:theme>
 </file>
--- a/Working Documents/Committee Meeting.pptx
+++ b/Working Documents/Committee Meeting.pptx
@@ -5,7 +5,7 @@
     <p:sldMasterId id="2147483648" r:id="rId1"/>
   </p:sldMasterIdLst>
   <p:notesMasterIdLst>
-    <p:notesMasterId r:id="rId15"/>
+    <p:notesMasterId r:id="rId16"/>
   </p:notesMasterIdLst>
   <p:sldIdLst>
     <p:sldId id="256" r:id="rId2"/>
@@ -13,14 +13,15 @@
     <p:sldId id="258" r:id="rId4"/>
     <p:sldId id="260" r:id="rId5"/>
     <p:sldId id="261" r:id="rId6"/>
-    <p:sldId id="262" r:id="rId7"/>
-    <p:sldId id="265" r:id="rId8"/>
-    <p:sldId id="263" r:id="rId9"/>
-    <p:sldId id="266" r:id="rId10"/>
-    <p:sldId id="268" r:id="rId11"/>
-    <p:sldId id="269" r:id="rId12"/>
-    <p:sldId id="267" r:id="rId13"/>
-    <p:sldId id="264" r:id="rId14"/>
+    <p:sldId id="265" r:id="rId7"/>
+    <p:sldId id="270" r:id="rId8"/>
+    <p:sldId id="271" r:id="rId9"/>
+    <p:sldId id="263" r:id="rId10"/>
+    <p:sldId id="266" r:id="rId11"/>
+    <p:sldId id="268" r:id="rId12"/>
+    <p:sldId id="269" r:id="rId13"/>
+    <p:sldId id="267" r:id="rId14"/>
+    <p:sldId id="264" r:id="rId15"/>
   </p:sldIdLst>
   <p:sldSz cx="12192000" cy="6858000"/>
   <p:notesSz cx="6858000" cy="9144000"/>
@@ -209,7 +210,7 @@
           <a:p>
             <a:fld id="{A0428C8E-7BAD-4C37-9F0B-8CBDB03D4496}" type="datetimeFigureOut">
               <a:rPr lang="en-CA" smtClean="0"/>
-              <a:t>2024-09-05</a:t>
+              <a:t>2024-09-11</a:t>
             </a:fld>
             <a:endParaRPr lang="en-CA"/>
           </a:p>
@@ -843,7 +844,7 @@
           <a:p>
             <a:fld id="{50A02E5A-F865-48ED-9E9D-E266E7C2AE07}" type="slidenum">
               <a:rPr lang="en-CA" smtClean="0"/>
-              <a:t>7</a:t>
+              <a:t>6</a:t>
             </a:fld>
             <a:endParaRPr lang="en-CA"/>
           </a:p>
@@ -906,22 +907,61 @@
           <a:bodyPr/>
           <a:lstStyle/>
           <a:p>
-            <a:r>
-              <a:rPr lang="en-US" dirty="0"/>
-              <a:t>[1] Cousins W, Gremaud PA. Impedance boundary conditions for general transient hemodynamics. International Journal for Numerical Methods in Biomedical Engineering. 2014;30(11):1294-1313. doi:10.1002/cnm.2658</a:t>
-            </a:r>
-          </a:p>
-          <a:p>
-            <a:r>
-              <a:rPr lang="en-US" dirty="0"/>
-              <a:t>[2]</a:t>
-            </a:r>
-          </a:p>
-          <a:p>
-            <a:r>
-              <a:rPr lang="en-US" dirty="0"/>
-              <a:t>[3]</a:t>
-            </a:r>
+            <a:pPr algn="r"/>
+            <a:r>
+              <a:rPr lang="en-CA" dirty="0">
+                <a:effectLst/>
+              </a:rPr>
+              <a:t>Diem AK, </a:t>
+            </a:r>
+            <a:r>
+              <a:rPr lang="en-CA" dirty="0" err="1">
+                <a:effectLst/>
+              </a:rPr>
+              <a:t>Bressloff</a:t>
+            </a:r>
+            <a:r>
+              <a:rPr lang="en-CA" dirty="0">
+                <a:effectLst/>
+              </a:rPr>
+              <a:t> NW. </a:t>
+            </a:r>
+            <a:r>
+              <a:rPr lang="en-CA" dirty="0" err="1">
+                <a:effectLst/>
+              </a:rPr>
+              <a:t>VaMpy</a:t>
+            </a:r>
+            <a:r>
+              <a:rPr lang="en-CA" dirty="0">
+                <a:effectLst/>
+              </a:rPr>
+              <a:t>: A Python Package to Solve 1D Blood Flow Problems. </a:t>
+            </a:r>
+            <a:r>
+              <a:rPr lang="en-CA" i="1" dirty="0">
+                <a:effectLst/>
+              </a:rPr>
+              <a:t>Journal of Open Research Software</a:t>
+            </a:r>
+            <a:r>
+              <a:rPr lang="en-CA" dirty="0">
+                <a:effectLst/>
+              </a:rPr>
+              <a:t>. 2017;5(1). doi:</a:t>
+            </a:r>
+            <a:r>
+              <a:rPr lang="en-CA" dirty="0">
+                <a:effectLst/>
+                <a:hlinkClick r:id="rId3"/>
+              </a:rPr>
+              <a:t>10.5334/jors.159</a:t>
+            </a:r>
+            <a:endParaRPr lang="en-CA" dirty="0">
+              <a:effectLst/>
+            </a:endParaRPr>
+          </a:p>
+          <a:p>
             <a:endParaRPr lang="en-CA" dirty="0"/>
           </a:p>
         </p:txBody>
@@ -943,7 +983,7 @@
           <a:p>
             <a:fld id="{50A02E5A-F865-48ED-9E9D-E266E7C2AE07}" type="slidenum">
               <a:rPr lang="en-CA" smtClean="0"/>
-              <a:t>8</a:t>
+              <a:t>7</a:t>
             </a:fld>
             <a:endParaRPr lang="en-CA"/>
           </a:p>
@@ -952,7 +992,7 @@
     </p:spTree>
     <p:extLst>
       <p:ext uri="{BB962C8B-B14F-4D97-AF65-F5344CB8AC3E}">
-        <p14:creationId xmlns:p14="http://schemas.microsoft.com/office/powerpoint/2010/main" val="4118980780"/>
+        <p14:creationId xmlns:p14="http://schemas.microsoft.com/office/powerpoint/2010/main" val="2162762174"/>
       </p:ext>
     </p:extLst>
   </p:cSld>
@@ -1006,6 +1046,237 @@
           <a:bodyPr/>
           <a:lstStyle/>
           <a:p>
+            <a:pPr marL="0" marR="0" lvl="0" indent="0" algn="l" defTabSz="914400" rtl="0" eaLnBrk="1" fontAlgn="auto" latinLnBrk="0" hangingPunct="1">
+              <a:lnSpc>
+                <a:spcPct val="100000"/>
+              </a:lnSpc>
+              <a:spcBef>
+                <a:spcPts val="0"/>
+              </a:spcBef>
+              <a:spcAft>
+                <a:spcPts val="0"/>
+              </a:spcAft>
+              <a:buClrTx/>
+              <a:buSzTx/>
+              <a:buFontTx/>
+              <a:buNone/>
+              <a:tabLst/>
+              <a:defRPr/>
+            </a:pPr>
+            <a:r>
+              <a:rPr lang="en-CA" sz="1200" dirty="0"/>
+              <a:t>Diem, Alexandra &amp; </a:t>
+            </a:r>
+            <a:r>
+              <a:rPr lang="en-CA" sz="1200" dirty="0" err="1"/>
+              <a:t>Bressloff</a:t>
+            </a:r>
+            <a:r>
+              <a:rPr lang="en-CA" sz="1200" dirty="0"/>
+              <a:t>, Neil. “</a:t>
+            </a:r>
+            <a:r>
+              <a:rPr lang="en-CA" sz="1200" dirty="0" err="1"/>
+              <a:t>VaMpy</a:t>
+            </a:r>
+            <a:r>
+              <a:rPr lang="en-CA" sz="1200" dirty="0"/>
+              <a:t>: A Python Package to Solve 1D Blood Flow Problems.” </a:t>
+            </a:r>
+            <a:r>
+              <a:rPr lang="en-CA" sz="1200" i="1" dirty="0"/>
+              <a:t>Journal of Open Research Software</a:t>
+            </a:r>
+            <a:r>
+              <a:rPr lang="en-CA" sz="1200" dirty="0"/>
+              <a:t>. 5, 17, 2017.</a:t>
+            </a:r>
+          </a:p>
+          <a:p>
+            <a:endParaRPr lang="en-CA" dirty="0"/>
+          </a:p>
+        </p:txBody>
+      </p:sp>
+      <p:sp>
+        <p:nvSpPr>
+          <p:cNvPr id="4" name="Slide Number Placeholder 3"/>
+          <p:cNvSpPr>
+            <a:spLocks noGrp="1"/>
+          </p:cNvSpPr>
+          <p:nvPr>
+            <p:ph type="sldNum" sz="quarter" idx="5"/>
+          </p:nvPr>
+        </p:nvSpPr>
+        <p:spPr/>
+        <p:txBody>
+          <a:bodyPr/>
+          <a:lstStyle/>
+          <a:p>
+            <a:fld id="{50A02E5A-F865-48ED-9E9D-E266E7C2AE07}" type="slidenum">
+              <a:rPr lang="en-CA" smtClean="0"/>
+              <a:t>8</a:t>
+            </a:fld>
+            <a:endParaRPr lang="en-CA"/>
+          </a:p>
+        </p:txBody>
+      </p:sp>
+    </p:spTree>
+    <p:extLst>
+      <p:ext uri="{BB962C8B-B14F-4D97-AF65-F5344CB8AC3E}">
+        <p14:creationId xmlns:p14="http://schemas.microsoft.com/office/powerpoint/2010/main" val="2137969938"/>
+      </p:ext>
+    </p:extLst>
+  </p:cSld>
+  <p:clrMapOvr>
+    <a:masterClrMapping/>
+  </p:clrMapOvr>
+</p:notes>
+</file>
+
+<file path=ppt/notesSlides/notesSlide5.xml><?xml version="1.0" encoding="utf-8"?>
+<p:notes xmlns:a="http://schemas.openxmlformats.org/drawingml/2006/main" xmlns:r="http://schemas.openxmlformats.org/officeDocument/2006/relationships" xmlns:p="http://schemas.openxmlformats.org/presentationml/2006/main">
+  <p:cSld>
+    <p:spTree>
+      <p:nvGrpSpPr>
+        <p:cNvPr id="1" name=""/>
+        <p:cNvGrpSpPr/>
+        <p:nvPr/>
+      </p:nvGrpSpPr>
+      <p:grpSpPr>
+        <a:xfrm>
+          <a:off x="0" y="0"/>
+          <a:ext cx="0" cy="0"/>
+          <a:chOff x="0" y="0"/>
+          <a:chExt cx="0" cy="0"/>
+        </a:xfrm>
+      </p:grpSpPr>
+      <p:sp>
+        <p:nvSpPr>
+          <p:cNvPr id="2" name="Slide Image Placeholder 1"/>
+          <p:cNvSpPr>
+            <a:spLocks noGrp="1" noRot="1" noChangeAspect="1"/>
+          </p:cNvSpPr>
+          <p:nvPr>
+            <p:ph type="sldImg"/>
+          </p:nvPr>
+        </p:nvSpPr>
+        <p:spPr/>
+      </p:sp>
+      <p:sp>
+        <p:nvSpPr>
+          <p:cNvPr id="3" name="Notes Placeholder 2"/>
+          <p:cNvSpPr>
+            <a:spLocks noGrp="1"/>
+          </p:cNvSpPr>
+          <p:nvPr>
+            <p:ph type="body" idx="1"/>
+          </p:nvPr>
+        </p:nvSpPr>
+        <p:spPr/>
+        <p:txBody>
+          <a:bodyPr/>
+          <a:lstStyle/>
+          <a:p>
+            <a:r>
+              <a:rPr lang="en-US" dirty="0"/>
+              <a:t>[1] Cousins W, Gremaud PA. Impedance boundary conditions for general transient hemodynamics. International Journal for Numerical Methods in Biomedical Engineering. 2014;30(11):1294-1313. doi:10.1002/cnm.2658</a:t>
+            </a:r>
+          </a:p>
+          <a:p>
+            <a:r>
+              <a:rPr lang="en-US" dirty="0"/>
+              <a:t>[2]</a:t>
+            </a:r>
+          </a:p>
+          <a:p>
+            <a:r>
+              <a:rPr lang="en-US" dirty="0"/>
+              <a:t>[3]</a:t>
+            </a:r>
+            <a:endParaRPr lang="en-CA" dirty="0"/>
+          </a:p>
+        </p:txBody>
+      </p:sp>
+      <p:sp>
+        <p:nvSpPr>
+          <p:cNvPr id="4" name="Slide Number Placeholder 3"/>
+          <p:cNvSpPr>
+            <a:spLocks noGrp="1"/>
+          </p:cNvSpPr>
+          <p:nvPr>
+            <p:ph type="sldNum" sz="quarter" idx="5"/>
+          </p:nvPr>
+        </p:nvSpPr>
+        <p:spPr/>
+        <p:txBody>
+          <a:bodyPr/>
+          <a:lstStyle/>
+          <a:p>
+            <a:fld id="{50A02E5A-F865-48ED-9E9D-E266E7C2AE07}" type="slidenum">
+              <a:rPr lang="en-CA" smtClean="0"/>
+              <a:t>9</a:t>
+            </a:fld>
+            <a:endParaRPr lang="en-CA"/>
+          </a:p>
+        </p:txBody>
+      </p:sp>
+    </p:spTree>
+    <p:extLst>
+      <p:ext uri="{BB962C8B-B14F-4D97-AF65-F5344CB8AC3E}">
+        <p14:creationId xmlns:p14="http://schemas.microsoft.com/office/powerpoint/2010/main" val="4118980780"/>
+      </p:ext>
+    </p:extLst>
+  </p:cSld>
+  <p:clrMapOvr>
+    <a:masterClrMapping/>
+  </p:clrMapOvr>
+</p:notes>
+</file>
+
+<file path=ppt/notesSlides/notesSlide6.xml><?xml version="1.0" encoding="utf-8"?>
+<p:notes xmlns:a="http://schemas.openxmlformats.org/drawingml/2006/main" xmlns:r="http://schemas.openxmlformats.org/officeDocument/2006/relationships" xmlns:p="http://schemas.openxmlformats.org/presentationml/2006/main">
+  <p:cSld>
+    <p:spTree>
+      <p:nvGrpSpPr>
+        <p:cNvPr id="1" name=""/>
+        <p:cNvGrpSpPr/>
+        <p:nvPr/>
+      </p:nvGrpSpPr>
+      <p:grpSpPr>
+        <a:xfrm>
+          <a:off x="0" y="0"/>
+          <a:ext cx="0" cy="0"/>
+          <a:chOff x="0" y="0"/>
+          <a:chExt cx="0" cy="0"/>
+        </a:xfrm>
+      </p:grpSpPr>
+      <p:sp>
+        <p:nvSpPr>
+          <p:cNvPr id="2" name="Slide Image Placeholder 1"/>
+          <p:cNvSpPr>
+            <a:spLocks noGrp="1" noRot="1" noChangeAspect="1"/>
+          </p:cNvSpPr>
+          <p:nvPr>
+            <p:ph type="sldImg"/>
+          </p:nvPr>
+        </p:nvSpPr>
+        <p:spPr/>
+      </p:sp>
+      <p:sp>
+        <p:nvSpPr>
+          <p:cNvPr id="3" name="Notes Placeholder 2"/>
+          <p:cNvSpPr>
+            <a:spLocks noGrp="1"/>
+          </p:cNvSpPr>
+          <p:nvPr>
+            <p:ph type="body" idx="1"/>
+          </p:nvPr>
+        </p:nvSpPr>
+        <p:spPr/>
+        <p:txBody>
+          <a:bodyPr/>
+          <a:lstStyle/>
+          <a:p>
             <a:r>
               <a:rPr lang="en-CA" b="0" i="0" dirty="0" err="1">
                 <a:solidFill>
@@ -1196,7 +1467,7 @@
           <a:p>
             <a:fld id="{50A02E5A-F865-48ED-9E9D-E266E7C2AE07}" type="slidenum">
               <a:rPr lang="en-CA" smtClean="0"/>
-              <a:t>12</a:t>
+              <a:t>13</a:t>
             </a:fld>
             <a:endParaRPr lang="en-CA"/>
           </a:p>
@@ -1364,7 +1635,7 @@
           <a:p>
             <a:fld id="{1FFAEC48-F960-465E-8D0E-05714480939D}" type="datetimeFigureOut">
               <a:rPr lang="en-CA" smtClean="0"/>
-              <a:t>2024-09-05</a:t>
+              <a:t>2024-09-11</a:t>
             </a:fld>
             <a:endParaRPr lang="en-CA"/>
           </a:p>
@@ -1564,7 +1835,7 @@
           <a:p>
             <a:fld id="{1FFAEC48-F960-465E-8D0E-05714480939D}" type="datetimeFigureOut">
               <a:rPr lang="en-CA" smtClean="0"/>
-              <a:t>2024-09-05</a:t>
+              <a:t>2024-09-11</a:t>
             </a:fld>
             <a:endParaRPr lang="en-CA"/>
           </a:p>
@@ -1774,7 +2045,7 @@
           <a:p>
             <a:fld id="{1FFAEC48-F960-465E-8D0E-05714480939D}" type="datetimeFigureOut">
               <a:rPr lang="en-CA" smtClean="0"/>
-              <a:t>2024-09-05</a:t>
+              <a:t>2024-09-11</a:t>
             </a:fld>
             <a:endParaRPr lang="en-CA"/>
           </a:p>
@@ -1974,7 +2245,7 @@
           <a:p>
             <a:fld id="{1FFAEC48-F960-465E-8D0E-05714480939D}" type="datetimeFigureOut">
               <a:rPr lang="en-CA" smtClean="0"/>
-              <a:t>2024-09-05</a:t>
+              <a:t>2024-09-11</a:t>
             </a:fld>
             <a:endParaRPr lang="en-CA"/>
           </a:p>
@@ -2250,7 +2521,7 @@
           <a:p>
             <a:fld id="{1FFAEC48-F960-465E-8D0E-05714480939D}" type="datetimeFigureOut">
               <a:rPr lang="en-CA" smtClean="0"/>
-              <a:t>2024-09-05</a:t>
+              <a:t>2024-09-11</a:t>
             </a:fld>
             <a:endParaRPr lang="en-CA"/>
           </a:p>
@@ -2518,7 +2789,7 @@
           <a:p>
             <a:fld id="{1FFAEC48-F960-465E-8D0E-05714480939D}" type="datetimeFigureOut">
               <a:rPr lang="en-CA" smtClean="0"/>
-              <a:t>2024-09-05</a:t>
+              <a:t>2024-09-11</a:t>
             </a:fld>
             <a:endParaRPr lang="en-CA"/>
           </a:p>
@@ -2933,7 +3204,7 @@
           <a:p>
             <a:fld id="{1FFAEC48-F960-465E-8D0E-05714480939D}" type="datetimeFigureOut">
               <a:rPr lang="en-CA" smtClean="0"/>
-              <a:t>2024-09-05</a:t>
+              <a:t>2024-09-11</a:t>
             </a:fld>
             <a:endParaRPr lang="en-CA"/>
           </a:p>
@@ -3075,7 +3346,7 @@
           <a:p>
             <a:fld id="{1FFAEC48-F960-465E-8D0E-05714480939D}" type="datetimeFigureOut">
               <a:rPr lang="en-CA" smtClean="0"/>
-              <a:t>2024-09-05</a:t>
+              <a:t>2024-09-11</a:t>
             </a:fld>
             <a:endParaRPr lang="en-CA"/>
           </a:p>
@@ -3188,7 +3459,7 @@
           <a:p>
             <a:fld id="{1FFAEC48-F960-465E-8D0E-05714480939D}" type="datetimeFigureOut">
               <a:rPr lang="en-CA" smtClean="0"/>
-              <a:t>2024-09-05</a:t>
+              <a:t>2024-09-11</a:t>
             </a:fld>
             <a:endParaRPr lang="en-CA"/>
           </a:p>
@@ -3501,7 +3772,7 @@
           <a:p>
             <a:fld id="{1FFAEC48-F960-465E-8D0E-05714480939D}" type="datetimeFigureOut">
               <a:rPr lang="en-CA" smtClean="0"/>
-              <a:t>2024-09-05</a:t>
+              <a:t>2024-09-11</a:t>
             </a:fld>
             <a:endParaRPr lang="en-CA"/>
           </a:p>
@@ -3790,7 +4061,7 @@
           <a:p>
             <a:fld id="{1FFAEC48-F960-465E-8D0E-05714480939D}" type="datetimeFigureOut">
               <a:rPr lang="en-CA" smtClean="0"/>
-              <a:t>2024-09-05</a:t>
+              <a:t>2024-09-11</a:t>
             </a:fld>
             <a:endParaRPr lang="en-CA"/>
           </a:p>
@@ -4033,7 +4304,7 @@
           <a:p>
             <a:fld id="{1FFAEC48-F960-465E-8D0E-05714480939D}" type="datetimeFigureOut">
               <a:rPr lang="en-CA" smtClean="0"/>
-              <a:t>2024-09-05</a:t>
+              <a:t>2024-09-11</a:t>
             </a:fld>
             <a:endParaRPr lang="en-CA"/>
           </a:p>
@@ -4553,7 +4824,7 @@
           <p:cNvPr id="2" name="Title 1">
             <a:extLst>
               <a:ext uri="{FF2B5EF4-FFF2-40B4-BE49-F238E27FC236}">
-                <a16:creationId xmlns:a16="http://schemas.microsoft.com/office/drawing/2014/main" id="{27333CB3-3BEB-E5C5-04C6-50DC80C64041}"/>
+                <a16:creationId xmlns:a16="http://schemas.microsoft.com/office/drawing/2014/main" id="{6D632F22-1599-815C-9A57-4008B1991C68}"/>
               </a:ext>
             </a:extLst>
           </p:cNvPr>
@@ -4571,7 +4842,7 @@
           <a:p>
             <a:r>
               <a:rPr lang="en-CA" dirty="0"/>
-              <a:t>Questions?</a:t>
+              <a:t>Current Status – Beam Modelling</a:t>
             </a:r>
           </a:p>
         </p:txBody>
@@ -4581,7 +4852,7 @@
           <p:cNvPr id="3" name="Content Placeholder 2">
             <a:extLst>
               <a:ext uri="{FF2B5EF4-FFF2-40B4-BE49-F238E27FC236}">
-                <a16:creationId xmlns:a16="http://schemas.microsoft.com/office/drawing/2014/main" id="{4EAFCC85-588E-89F6-8747-D804D154A5C9}"/>
+                <a16:creationId xmlns:a16="http://schemas.microsoft.com/office/drawing/2014/main" id="{27F9D53C-CDEC-46D6-B91B-B41EE488CF17}"/>
               </a:ext>
             </a:extLst>
           </p:cNvPr>
@@ -4597,14 +4868,38 @@
           <a:bodyPr/>
           <a:lstStyle/>
           <a:p>
-            <a:endParaRPr lang="en-CA" dirty="0"/>
+            <a:r>
+              <a:rPr lang="en-CA" dirty="0"/>
+              <a:t>With my work with Dr. </a:t>
+            </a:r>
+            <a:r>
+              <a:rPr lang="en-CA" dirty="0" err="1"/>
+              <a:t>Popsecu</a:t>
+            </a:r>
+            <a:r>
+              <a:rPr lang="en-CA" dirty="0"/>
+              <a:t> preparing data for the CARO 2024 poster I’ve begun the process of modelling our sweeping Co-60. </a:t>
+            </a:r>
+          </a:p>
+          <a:p>
+            <a:r>
+              <a:rPr lang="en-CA" dirty="0"/>
+              <a:t>Combining the dose data from this simulation with the blood flow model (normalized for time tracked within the simulation) will make up Paper #2.</a:t>
+            </a:r>
+          </a:p>
+          <a:p>
+            <a:pPr lvl="1"/>
+            <a:r>
+              <a:rPr lang="en-CA" dirty="0"/>
+              <a:t>Ideally: verification on the treatment unit, (requires access to developer mode/ 4D couch motion)</a:t>
+            </a:r>
           </a:p>
         </p:txBody>
       </p:sp>
     </p:spTree>
     <p:extLst>
       <p:ext uri="{BB962C8B-B14F-4D97-AF65-F5344CB8AC3E}">
-        <p14:creationId xmlns:p14="http://schemas.microsoft.com/office/powerpoint/2010/main" val="2623151968"/>
+        <p14:creationId xmlns:p14="http://schemas.microsoft.com/office/powerpoint/2010/main" val="3726361935"/>
       </p:ext>
     </p:extLst>
   </p:cSld>
@@ -4633,6 +4928,89 @@
       </p:grpSpPr>
       <p:sp>
         <p:nvSpPr>
+          <p:cNvPr id="2" name="Title 1">
+            <a:extLst>
+              <a:ext uri="{FF2B5EF4-FFF2-40B4-BE49-F238E27FC236}">
+                <a16:creationId xmlns:a16="http://schemas.microsoft.com/office/drawing/2014/main" id="{27333CB3-3BEB-E5C5-04C6-50DC80C64041}"/>
+              </a:ext>
+            </a:extLst>
+          </p:cNvPr>
+          <p:cNvSpPr>
+            <a:spLocks noGrp="1"/>
+          </p:cNvSpPr>
+          <p:nvPr>
+            <p:ph type="title"/>
+          </p:nvPr>
+        </p:nvSpPr>
+        <p:spPr/>
+        <p:txBody>
+          <a:bodyPr/>
+          <a:lstStyle/>
+          <a:p>
+            <a:r>
+              <a:rPr lang="en-CA" dirty="0"/>
+              <a:t>Questions?</a:t>
+            </a:r>
+          </a:p>
+        </p:txBody>
+      </p:sp>
+      <p:sp>
+        <p:nvSpPr>
+          <p:cNvPr id="3" name="Content Placeholder 2">
+            <a:extLst>
+              <a:ext uri="{FF2B5EF4-FFF2-40B4-BE49-F238E27FC236}">
+                <a16:creationId xmlns:a16="http://schemas.microsoft.com/office/drawing/2014/main" id="{4EAFCC85-588E-89F6-8747-D804D154A5C9}"/>
+              </a:ext>
+            </a:extLst>
+          </p:cNvPr>
+          <p:cNvSpPr>
+            <a:spLocks noGrp="1"/>
+          </p:cNvSpPr>
+          <p:nvPr>
+            <p:ph idx="1"/>
+          </p:nvPr>
+        </p:nvSpPr>
+        <p:spPr/>
+        <p:txBody>
+          <a:bodyPr/>
+          <a:lstStyle/>
+          <a:p>
+            <a:endParaRPr lang="en-CA" dirty="0"/>
+          </a:p>
+        </p:txBody>
+      </p:sp>
+    </p:spTree>
+    <p:extLst>
+      <p:ext uri="{BB962C8B-B14F-4D97-AF65-F5344CB8AC3E}">
+        <p14:creationId xmlns:p14="http://schemas.microsoft.com/office/powerpoint/2010/main" val="2623151968"/>
+      </p:ext>
+    </p:extLst>
+  </p:cSld>
+  <p:clrMapOvr>
+    <a:masterClrMapping/>
+  </p:clrMapOvr>
+</p:sld>
+</file>
+
+<file path=ppt/slides/slide12.xml><?xml version="1.0" encoding="utf-8"?>
+<p:sld xmlns:a="http://schemas.openxmlformats.org/drawingml/2006/main" xmlns:r="http://schemas.openxmlformats.org/officeDocument/2006/relationships" xmlns:p="http://schemas.openxmlformats.org/presentationml/2006/main">
+  <p:cSld>
+    <p:spTree>
+      <p:nvGrpSpPr>
+        <p:cNvPr id="1" name=""/>
+        <p:cNvGrpSpPr/>
+        <p:nvPr/>
+      </p:nvGrpSpPr>
+      <p:grpSpPr>
+        <a:xfrm>
+          <a:off x="0" y="0"/>
+          <a:ext cx="0" cy="0"/>
+          <a:chOff x="0" y="0"/>
+          <a:chExt cx="0" cy="0"/>
+        </a:xfrm>
+      </p:grpSpPr>
+      <p:sp>
+        <p:nvSpPr>
           <p:cNvPr id="11" name="Oval 10">
             <a:extLst>
               <a:ext uri="{FF2B5EF4-FFF2-40B4-BE49-F238E27FC236}">
@@ -5021,7 +5399,7 @@
 </p:sld>
 </file>
 
-<file path=ppt/slides/slide12.xml><?xml version="1.0" encoding="utf-8"?>
+<file path=ppt/slides/slide13.xml><?xml version="1.0" encoding="utf-8"?>
 <p:sld xmlns:a="http://schemas.openxmlformats.org/drawingml/2006/main" xmlns:r="http://schemas.openxmlformats.org/officeDocument/2006/relationships" xmlns:p="http://schemas.openxmlformats.org/presentationml/2006/main">
   <p:cSld>
     <p:spTree>
@@ -5195,7 +5573,7 @@
 </p:sld>
 </file>
 
-<file path=ppt/slides/slide13.xml><?xml version="1.0" encoding="utf-8"?>
+<file path=ppt/slides/slide14.xml><?xml version="1.0" encoding="utf-8"?>
 <p:sld xmlns:a="http://schemas.openxmlformats.org/drawingml/2006/main" xmlns:r="http://schemas.openxmlformats.org/officeDocument/2006/relationships" xmlns:p="http://schemas.openxmlformats.org/presentationml/2006/main">
   <p:cSld>
     <p:spTree>
@@ -5870,7 +6248,7 @@
           <a:p>
             <a:r>
               <a:rPr lang="en-CA" dirty="0"/>
-              <a:t>Modifications</a:t>
+              <a:t>Progress to Date</a:t>
             </a:r>
           </a:p>
         </p:txBody>
@@ -5893,23 +6271,140 @@
         </p:nvSpPr>
         <p:spPr/>
         <p:txBody>
-          <a:bodyPr/>
+          <a:bodyPr>
+            <a:normAutofit/>
+          </a:bodyPr>
           <a:lstStyle/>
           <a:p>
             <a:r>
               <a:rPr lang="en-CA" dirty="0"/>
-              <a:t>Pull the geometric information from the 4D XCAT phantom. DONE.</a:t>
-            </a:r>
-          </a:p>
-          <a:p>
-            <a:endParaRPr lang="en-CA" dirty="0"/>
-          </a:p>
-        </p:txBody>
-      </p:sp>
+              <a:t>Pull the geometric information from the 4D XCAT phantom</a:t>
+            </a:r>
+          </a:p>
+          <a:p>
+            <a:r>
+              <a:rPr lang="en-CA" dirty="0"/>
+              <a:t>Mapped the network </a:t>
+            </a:r>
+          </a:p>
+          <a:p>
+            <a:r>
+              <a:rPr lang="en-CA" dirty="0"/>
+              <a:t>Create 1D-0D blood flow modelling code base</a:t>
+            </a:r>
+          </a:p>
+          <a:p>
+            <a:pPr lvl="1"/>
+            <a:r>
+              <a:rPr lang="en-CA" dirty="0"/>
+              <a:t>Used open-source </a:t>
+            </a:r>
+            <a:r>
+              <a:rPr lang="en-CA" dirty="0" err="1"/>
+              <a:t>VaMpy</a:t>
+            </a:r>
+            <a:r>
+              <a:rPr lang="en-CA" dirty="0"/>
+              <a:t> code base</a:t>
+            </a:r>
+          </a:p>
+          <a:p>
+            <a:pPr lvl="1"/>
+            <a:r>
+              <a:rPr lang="en-CA" dirty="0"/>
+              <a:t>Modified to use Structured Tree boundary conditions. </a:t>
+            </a:r>
+          </a:p>
+          <a:p>
+            <a:pPr lvl="1"/>
+            <a:r>
+              <a:rPr lang="en-CA" dirty="0"/>
+              <a:t>Confirmed methodology using a “toy example”</a:t>
+            </a:r>
+          </a:p>
+        </p:txBody>
+      </p:sp>
+      <p:pic>
+        <p:nvPicPr>
+          <p:cNvPr id="4" name="Picture 2" descr="VaMpy logo">
+            <a:extLst>
+              <a:ext uri="{FF2B5EF4-FFF2-40B4-BE49-F238E27FC236}">
+                <a16:creationId xmlns:a16="http://schemas.microsoft.com/office/drawing/2014/main" id="{8ECD7392-3FBE-7A31-B571-5CF42648A1A3}"/>
+              </a:ext>
+            </a:extLst>
+          </p:cNvPr>
+          <p:cNvPicPr>
+            <a:picLocks noChangeAspect="1" noChangeArrowheads="1"/>
+          </p:cNvPicPr>
+          <p:nvPr/>
+        </p:nvPicPr>
+        <p:blipFill>
+          <a:blip r:embed="rId3">
+            <a:extLst>
+              <a:ext uri="{28A0092B-C50C-407E-A947-70E740481C1C}">
+                <a14:useLocalDpi xmlns:a14="http://schemas.microsoft.com/office/drawing/2010/main" val="0"/>
+              </a:ext>
+            </a:extLst>
+          </a:blip>
+          <a:srcRect/>
+          <a:stretch>
+            <a:fillRect/>
+          </a:stretch>
+        </p:blipFill>
+        <p:spPr bwMode="auto">
+          <a:xfrm>
+            <a:off x="8599098" y="770614"/>
+            <a:ext cx="2754702" cy="789825"/>
+          </a:xfrm>
+          <a:prstGeom prst="rect">
+            <a:avLst/>
+          </a:prstGeom>
+          <a:noFill/>
+          <a:extLst>
+            <a:ext uri="{909E8E84-426E-40DD-AFC4-6F175D3DCCD1}">
+              <a14:hiddenFill xmlns:a14="http://schemas.microsoft.com/office/drawing/2010/main">
+                <a:solidFill>
+                  <a:srgbClr val="FFFFFF"/>
+                </a:solidFill>
+              </a14:hiddenFill>
+            </a:ext>
+          </a:extLst>
+        </p:spPr>
+      </p:pic>
+      <p:pic>
+        <p:nvPicPr>
+          <p:cNvPr id="5" name="Picture 4">
+            <a:extLst>
+              <a:ext uri="{FF2B5EF4-FFF2-40B4-BE49-F238E27FC236}">
+                <a16:creationId xmlns:a16="http://schemas.microsoft.com/office/drawing/2014/main" id="{0A048E49-3188-543E-D9EC-EF0DE0F439C4}"/>
+              </a:ext>
+            </a:extLst>
+          </p:cNvPr>
+          <p:cNvPicPr>
+            <a:picLocks noChangeAspect="1"/>
+          </p:cNvPicPr>
+          <p:nvPr/>
+        </p:nvPicPr>
+        <p:blipFill>
+          <a:blip r:embed="rId4"/>
+          <a:stretch>
+            <a:fillRect/>
+          </a:stretch>
+        </p:blipFill>
+        <p:spPr>
+          <a:xfrm>
+            <a:off x="8202168" y="3943949"/>
+            <a:ext cx="3769269" cy="2663911"/>
+          </a:xfrm>
+          <a:prstGeom prst="rect">
+            <a:avLst/>
+          </a:prstGeom>
+        </p:spPr>
+      </p:pic>
     </p:spTree>
     <p:extLst>
       <p:ext uri="{BB962C8B-B14F-4D97-AF65-F5344CB8AC3E}">
-        <p14:creationId xmlns:p14="http://schemas.microsoft.com/office/powerpoint/2010/main" val="4010484218"/>
+        <p14:creationId xmlns:p14="http://schemas.microsoft.com/office/powerpoint/2010/main" val="2471208418"/>
       </p:ext>
     </p:extLst>
   </p:cSld>
@@ -5936,6 +6431,131 @@
           <a:chExt cx="0" cy="0"/>
         </a:xfrm>
       </p:grpSpPr>
+      <p:pic>
+        <p:nvPicPr>
+          <p:cNvPr id="5" name="Picture 4">
+            <a:extLst>
+              <a:ext uri="{FF2B5EF4-FFF2-40B4-BE49-F238E27FC236}">
+                <a16:creationId xmlns:a16="http://schemas.microsoft.com/office/drawing/2014/main" id="{315EA860-AFB4-9DC8-6639-BFC12F4B98DC}"/>
+              </a:ext>
+            </a:extLst>
+          </p:cNvPr>
+          <p:cNvPicPr>
+            <a:picLocks noChangeAspect="1"/>
+          </p:cNvPicPr>
+          <p:nvPr/>
+        </p:nvPicPr>
+        <p:blipFill>
+          <a:blip r:embed="rId3"/>
+          <a:stretch>
+            <a:fillRect/>
+          </a:stretch>
+        </p:blipFill>
+        <p:spPr>
+          <a:xfrm>
+            <a:off x="0" y="675992"/>
+            <a:ext cx="6068272" cy="3943900"/>
+          </a:xfrm>
+          <a:prstGeom prst="rect">
+            <a:avLst/>
+          </a:prstGeom>
+        </p:spPr>
+      </p:pic>
+      <p:pic>
+        <p:nvPicPr>
+          <p:cNvPr id="7" name="Picture 6">
+            <a:extLst>
+              <a:ext uri="{FF2B5EF4-FFF2-40B4-BE49-F238E27FC236}">
+                <a16:creationId xmlns:a16="http://schemas.microsoft.com/office/drawing/2014/main" id="{5F55BA16-11FD-3CC4-E4BC-D2F9CF18653F}"/>
+              </a:ext>
+            </a:extLst>
+          </p:cNvPr>
+          <p:cNvPicPr>
+            <a:picLocks noChangeAspect="1"/>
+          </p:cNvPicPr>
+          <p:nvPr/>
+        </p:nvPicPr>
+        <p:blipFill>
+          <a:blip r:embed="rId4"/>
+          <a:stretch>
+            <a:fillRect/>
+          </a:stretch>
+        </p:blipFill>
+        <p:spPr>
+          <a:xfrm>
+            <a:off x="6009412" y="788768"/>
+            <a:ext cx="6182588" cy="4058216"/>
+          </a:xfrm>
+          <a:prstGeom prst="rect">
+            <a:avLst/>
+          </a:prstGeom>
+        </p:spPr>
+      </p:pic>
+      <p:sp>
+        <p:nvSpPr>
+          <p:cNvPr id="8" name="TextBox 7">
+            <a:extLst>
+              <a:ext uri="{FF2B5EF4-FFF2-40B4-BE49-F238E27FC236}">
+                <a16:creationId xmlns:a16="http://schemas.microsoft.com/office/drawing/2014/main" id="{C172A8D8-ACB7-BE65-CB6D-6490F1612E23}"/>
+              </a:ext>
+            </a:extLst>
+          </p:cNvPr>
+          <p:cNvSpPr txBox="1"/>
+          <p:nvPr/>
+        </p:nvSpPr>
+        <p:spPr>
+          <a:xfrm>
+            <a:off x="4224528" y="5812676"/>
+            <a:ext cx="3911520" cy="369332"/>
+          </a:xfrm>
+          <a:prstGeom prst="rect">
+            <a:avLst/>
+          </a:prstGeom>
+          <a:noFill/>
+        </p:spPr>
+        <p:txBody>
+          <a:bodyPr wrap="none" rtlCol="0">
+            <a:spAutoFit/>
+          </a:bodyPr>
+          <a:lstStyle/>
+          <a:p>
+            <a:r>
+              <a:rPr lang="en-CA" dirty="0"/>
+              <a:t>Max difference (absolute) = 0.2  cm^3/s</a:t>
+            </a:r>
+          </a:p>
+        </p:txBody>
+      </p:sp>
+    </p:spTree>
+    <p:extLst>
+      <p:ext uri="{BB962C8B-B14F-4D97-AF65-F5344CB8AC3E}">
+        <p14:creationId xmlns:p14="http://schemas.microsoft.com/office/powerpoint/2010/main" val="2574938950"/>
+      </p:ext>
+    </p:extLst>
+  </p:cSld>
+  <p:clrMapOvr>
+    <a:masterClrMapping/>
+  </p:clrMapOvr>
+</p:sld>
+</file>
+
+<file path=ppt/slides/slide8.xml><?xml version="1.0" encoding="utf-8"?>
+<p:sld xmlns:a="http://schemas.openxmlformats.org/drawingml/2006/main" xmlns:r="http://schemas.openxmlformats.org/officeDocument/2006/relationships" xmlns:p="http://schemas.openxmlformats.org/presentationml/2006/main">
+  <p:cSld>
+    <p:spTree>
+      <p:nvGrpSpPr>
+        <p:cNvPr id="1" name=""/>
+        <p:cNvGrpSpPr/>
+        <p:nvPr/>
+      </p:nvGrpSpPr>
+      <p:grpSpPr>
+        <a:xfrm>
+          <a:off x="0" y="0"/>
+          <a:ext cx="0" cy="0"/>
+          <a:chOff x="0" y="0"/>
+          <a:chExt cx="0" cy="0"/>
+        </a:xfrm>
+      </p:grpSpPr>
       <p:sp>
         <p:nvSpPr>
           <p:cNvPr id="2" name="Title 1">
@@ -5983,7 +6603,7 @@
         <p:spPr/>
         <p:txBody>
           <a:bodyPr>
-            <a:normAutofit fontScale="92500" lnSpcReduction="20000"/>
+            <a:normAutofit fontScale="92500" lnSpcReduction="10000"/>
           </a:bodyPr>
           <a:lstStyle/>
           <a:p>
@@ -6031,12 +6651,6 @@
             <a:r>
               <a:rPr lang="en-CA" dirty="0"/>
               <a:t>Confirmed methodology using a “toy example”</a:t>
-            </a:r>
-          </a:p>
-          <a:p>
-            <a:r>
-              <a:rPr lang="en-CA" dirty="0"/>
-              <a:t>INSERT FIGURE HERE FOR TOY EXAMPLE.</a:t>
             </a:r>
           </a:p>
           <a:p>
@@ -6113,122 +6727,40 @@
           </a:extLst>
         </p:spPr>
       </p:pic>
+      <p:pic>
+        <p:nvPicPr>
+          <p:cNvPr id="5" name="Picture 4">
+            <a:extLst>
+              <a:ext uri="{FF2B5EF4-FFF2-40B4-BE49-F238E27FC236}">
+                <a16:creationId xmlns:a16="http://schemas.microsoft.com/office/drawing/2014/main" id="{0A048E49-3188-543E-D9EC-EF0DE0F439C4}"/>
+              </a:ext>
+            </a:extLst>
+          </p:cNvPr>
+          <p:cNvPicPr>
+            <a:picLocks noChangeAspect="1"/>
+          </p:cNvPicPr>
+          <p:nvPr/>
+        </p:nvPicPr>
+        <p:blipFill>
+          <a:blip r:embed="rId4"/>
+          <a:stretch>
+            <a:fillRect/>
+          </a:stretch>
+        </p:blipFill>
+        <p:spPr>
+          <a:xfrm>
+            <a:off x="8972550" y="2324100"/>
+            <a:ext cx="2852583" cy="2016048"/>
+          </a:xfrm>
+          <a:prstGeom prst="rect">
+            <a:avLst/>
+          </a:prstGeom>
+        </p:spPr>
+      </p:pic>
     </p:spTree>
     <p:extLst>
       <p:ext uri="{BB962C8B-B14F-4D97-AF65-F5344CB8AC3E}">
-        <p14:creationId xmlns:p14="http://schemas.microsoft.com/office/powerpoint/2010/main" val="2471208418"/>
-      </p:ext>
-    </p:extLst>
-  </p:cSld>
-  <p:clrMapOvr>
-    <a:masterClrMapping/>
-  </p:clrMapOvr>
-</p:sld>
-</file>
-
-<file path=ppt/slides/slide8.xml><?xml version="1.0" encoding="utf-8"?>
-<p:sld xmlns:a="http://schemas.openxmlformats.org/drawingml/2006/main" xmlns:r="http://schemas.openxmlformats.org/officeDocument/2006/relationships" xmlns:p="http://schemas.openxmlformats.org/presentationml/2006/main">
-  <p:cSld>
-    <p:spTree>
-      <p:nvGrpSpPr>
-        <p:cNvPr id="1" name=""/>
-        <p:cNvGrpSpPr/>
-        <p:nvPr/>
-      </p:nvGrpSpPr>
-      <p:grpSpPr>
-        <a:xfrm>
-          <a:off x="0" y="0"/>
-          <a:ext cx="0" cy="0"/>
-          <a:chOff x="0" y="0"/>
-          <a:chExt cx="0" cy="0"/>
-        </a:xfrm>
-      </p:grpSpPr>
-      <p:sp>
-        <p:nvSpPr>
-          <p:cNvPr id="2" name="Title 1">
-            <a:extLst>
-              <a:ext uri="{FF2B5EF4-FFF2-40B4-BE49-F238E27FC236}">
-                <a16:creationId xmlns:a16="http://schemas.microsoft.com/office/drawing/2014/main" id="{528FE5FE-B27A-E7EF-50F8-BB02CA706F28}"/>
-              </a:ext>
-            </a:extLst>
-          </p:cNvPr>
-          <p:cNvSpPr>
-            <a:spLocks noGrp="1"/>
-          </p:cNvSpPr>
-          <p:nvPr>
-            <p:ph type="title"/>
-          </p:nvPr>
-        </p:nvSpPr>
-        <p:spPr/>
-        <p:txBody>
-          <a:bodyPr/>
-          <a:lstStyle/>
-          <a:p>
-            <a:r>
-              <a:rPr lang="en-CA" dirty="0"/>
-              <a:t>Current Status – Blood Flow Modelling</a:t>
-            </a:r>
-          </a:p>
-        </p:txBody>
-      </p:sp>
-      <p:sp>
-        <p:nvSpPr>
-          <p:cNvPr id="3" name="Content Placeholder 2">
-            <a:extLst>
-              <a:ext uri="{FF2B5EF4-FFF2-40B4-BE49-F238E27FC236}">
-                <a16:creationId xmlns:a16="http://schemas.microsoft.com/office/drawing/2014/main" id="{3875EA02-4D13-7B13-636C-61E9D53EC7DE}"/>
-              </a:ext>
-            </a:extLst>
-          </p:cNvPr>
-          <p:cNvSpPr>
-            <a:spLocks noGrp="1"/>
-          </p:cNvSpPr>
-          <p:nvPr>
-            <p:ph idx="1"/>
-          </p:nvPr>
-        </p:nvSpPr>
-        <p:spPr/>
-        <p:txBody>
-          <a:bodyPr/>
-          <a:lstStyle/>
-          <a:p>
-            <a:r>
-              <a:rPr lang="en-CA" dirty="0"/>
-              <a:t>Elected to use established geometries for a limited number of systemic arteries. [1] Already up to 4%. </a:t>
-            </a:r>
-          </a:p>
-          <a:p>
-            <a:r>
-              <a:rPr lang="en-CA" dirty="0"/>
-              <a:t>It works PLZZZZ</a:t>
-            </a:r>
-          </a:p>
-          <a:p>
-            <a:r>
-              <a:rPr lang="en-CA" dirty="0"/>
-              <a:t>This work will provide the basis for Paper #1.</a:t>
-            </a:r>
-          </a:p>
-          <a:p>
-            <a:r>
-              <a:rPr lang="en-CA" dirty="0"/>
-              <a:t>I also have a plan to include pulmonary vessels (10%) and a limited systemic vein models. These are both based on successful implementation within the literature. CITE HERE [2,3]. This is </a:t>
-            </a:r>
-            <a:r>
-              <a:rPr lang="en-CA" u="sng" dirty="0"/>
-              <a:t>only</a:t>
-            </a:r>
-            <a:r>
-              <a:rPr lang="en-CA" dirty="0"/>
-              <a:t> if time allows.</a:t>
-            </a:r>
-          </a:p>
-        </p:txBody>
-      </p:sp>
-    </p:spTree>
-    <p:extLst>
-      <p:ext uri="{BB962C8B-B14F-4D97-AF65-F5344CB8AC3E}">
-        <p14:creationId xmlns:p14="http://schemas.microsoft.com/office/powerpoint/2010/main" val="465128090"/>
+        <p14:creationId xmlns:p14="http://schemas.microsoft.com/office/powerpoint/2010/main" val="1876977964"/>
       </p:ext>
     </p:extLst>
   </p:cSld>
@@ -6260,7 +6792,7 @@
           <p:cNvPr id="2" name="Title 1">
             <a:extLst>
               <a:ext uri="{FF2B5EF4-FFF2-40B4-BE49-F238E27FC236}">
-                <a16:creationId xmlns:a16="http://schemas.microsoft.com/office/drawing/2014/main" id="{6D632F22-1599-815C-9A57-4008B1991C68}"/>
+                <a16:creationId xmlns:a16="http://schemas.microsoft.com/office/drawing/2014/main" id="{528FE5FE-B27A-E7EF-50F8-BB02CA706F28}"/>
               </a:ext>
             </a:extLst>
           </p:cNvPr>
@@ -6278,7 +6810,7 @@
           <a:p>
             <a:r>
               <a:rPr lang="en-CA" dirty="0"/>
-              <a:t>Current Status – Beam Modelling</a:t>
+              <a:t>Current Status – Blood Flow Modelling</a:t>
             </a:r>
           </a:p>
         </p:txBody>
@@ -6288,7 +6820,7 @@
           <p:cNvPr id="3" name="Content Placeholder 2">
             <a:extLst>
               <a:ext uri="{FF2B5EF4-FFF2-40B4-BE49-F238E27FC236}">
-                <a16:creationId xmlns:a16="http://schemas.microsoft.com/office/drawing/2014/main" id="{27F9D53C-CDEC-46D6-B91B-B41EE488CF17}"/>
+                <a16:creationId xmlns:a16="http://schemas.microsoft.com/office/drawing/2014/main" id="{3875EA02-4D13-7B13-636C-61E9D53EC7DE}"/>
               </a:ext>
             </a:extLst>
           </p:cNvPr>
@@ -6306,28 +6838,33 @@
           <a:p>
             <a:r>
               <a:rPr lang="en-CA" dirty="0"/>
-              <a:t>With my work with Dr. </a:t>
-            </a:r>
-            <a:r>
-              <a:rPr lang="en-CA" dirty="0" err="1"/>
-              <a:t>Popsecu</a:t>
-            </a:r>
+              <a:t>Elected to use established geometries for a limited number of systemic arteries. [1] Already up to 4%. </a:t>
+            </a:r>
+          </a:p>
+          <a:p>
             <a:r>
               <a:rPr lang="en-CA" dirty="0"/>
-              <a:t> preparing data for the CARO 2024 poster I’ve begun the process of modelling our sweeping Co-60. </a:t>
+              <a:t>It works PLZZZZ</a:t>
             </a:r>
           </a:p>
           <a:p>
             <a:r>
               <a:rPr lang="en-CA" dirty="0"/>
-              <a:t>Combining the dose data from this simulation with the blood flow model (normalized for time tracked within the simulation) will make up Paper #2.</a:t>
-            </a:r>
-          </a:p>
-          <a:p>
-            <a:pPr lvl="1"/>
+              <a:t>This work will provide the basis for Paper #1.</a:t>
+            </a:r>
+          </a:p>
+          <a:p>
             <a:r>
               <a:rPr lang="en-CA" dirty="0"/>
-              <a:t>Ideally: verification on the treatment unit, (requires access to developer mode/ 4D couch motion)</a:t>
+              <a:t>I also have a plan to include pulmonary vessels (10%) and a limited systemic vein models. These are both based on successful implementation within the literature. CITE HERE [2,3]. This is </a:t>
+            </a:r>
+            <a:r>
+              <a:rPr lang="en-CA" u="sng" dirty="0"/>
+              <a:t>only</a:t>
+            </a:r>
+            <a:r>
+              <a:rPr lang="en-CA" dirty="0"/>
+              <a:t> if time allows.</a:t>
             </a:r>
           </a:p>
         </p:txBody>
@@ -6335,7 +6872,7 @@
     </p:spTree>
     <p:extLst>
       <p:ext uri="{BB962C8B-B14F-4D97-AF65-F5344CB8AC3E}">
-        <p14:creationId xmlns:p14="http://schemas.microsoft.com/office/powerpoint/2010/main" val="3726361935"/>
+        <p14:creationId xmlns:p14="http://schemas.microsoft.com/office/powerpoint/2010/main" val="465128090"/>
       </p:ext>
     </p:extLst>
   </p:cSld>

--- a/Working Documents/Committee Meeting.pptx
+++ b/Working Documents/Committee Meeting.pptx
@@ -5,7 +5,7 @@
     <p:sldMasterId id="2147483648" r:id="rId1"/>
   </p:sldMasterIdLst>
   <p:notesMasterIdLst>
-    <p:notesMasterId r:id="rId16"/>
+    <p:notesMasterId r:id="rId23"/>
   </p:notesMasterIdLst>
   <p:sldIdLst>
     <p:sldId id="256" r:id="rId2"/>
@@ -16,12 +16,19 @@
     <p:sldId id="265" r:id="rId7"/>
     <p:sldId id="270" r:id="rId8"/>
     <p:sldId id="271" r:id="rId9"/>
-    <p:sldId id="263" r:id="rId10"/>
-    <p:sldId id="266" r:id="rId11"/>
-    <p:sldId id="268" r:id="rId12"/>
-    <p:sldId id="269" r:id="rId13"/>
-    <p:sldId id="267" r:id="rId14"/>
-    <p:sldId id="264" r:id="rId15"/>
+    <p:sldId id="274" r:id="rId10"/>
+    <p:sldId id="263" r:id="rId11"/>
+    <p:sldId id="275" r:id="rId12"/>
+    <p:sldId id="272" r:id="rId13"/>
+    <p:sldId id="277" r:id="rId14"/>
+    <p:sldId id="276" r:id="rId15"/>
+    <p:sldId id="273" r:id="rId16"/>
+    <p:sldId id="266" r:id="rId17"/>
+    <p:sldId id="268" r:id="rId18"/>
+    <p:sldId id="269" r:id="rId19"/>
+    <p:sldId id="267" r:id="rId20"/>
+    <p:sldId id="278" r:id="rId21"/>
+    <p:sldId id="264" r:id="rId22"/>
   </p:sldIdLst>
   <p:sldSz cx="12192000" cy="6858000"/>
   <p:notesSz cx="6858000" cy="9144000"/>
@@ -210,7 +217,7 @@
           <a:p>
             <a:fld id="{A0428C8E-7BAD-4C37-9F0B-8CBDB03D4496}" type="datetimeFigureOut">
               <a:rPr lang="en-CA" smtClean="0"/>
-              <a:t>2024-09-11</a:t>
+              <a:t>2024-09-17</a:t>
             </a:fld>
             <a:endParaRPr lang="en-CA"/>
           </a:p>
@@ -732,6 +739,518 @@
 </p:notes>
 </file>
 
+<file path=ppt/notesSlides/notesSlide10.xml><?xml version="1.0" encoding="utf-8"?>
+<p:notes xmlns:a="http://schemas.openxmlformats.org/drawingml/2006/main" xmlns:r="http://schemas.openxmlformats.org/officeDocument/2006/relationships" xmlns:p="http://schemas.openxmlformats.org/presentationml/2006/main">
+  <p:cSld>
+    <p:spTree>
+      <p:nvGrpSpPr>
+        <p:cNvPr id="1" name=""/>
+        <p:cNvGrpSpPr/>
+        <p:nvPr/>
+      </p:nvGrpSpPr>
+      <p:grpSpPr>
+        <a:xfrm>
+          <a:off x="0" y="0"/>
+          <a:ext cx="0" cy="0"/>
+          <a:chOff x="0" y="0"/>
+          <a:chExt cx="0" cy="0"/>
+        </a:xfrm>
+      </p:grpSpPr>
+      <p:sp>
+        <p:nvSpPr>
+          <p:cNvPr id="2" name="Slide Image Placeholder 1"/>
+          <p:cNvSpPr>
+            <a:spLocks noGrp="1" noRot="1" noChangeAspect="1"/>
+          </p:cNvSpPr>
+          <p:nvPr>
+            <p:ph type="sldImg"/>
+          </p:nvPr>
+        </p:nvSpPr>
+        <p:spPr/>
+      </p:sp>
+      <p:sp>
+        <p:nvSpPr>
+          <p:cNvPr id="3" name="Notes Placeholder 2"/>
+          <p:cNvSpPr>
+            <a:spLocks noGrp="1"/>
+          </p:cNvSpPr>
+          <p:nvPr>
+            <p:ph type="body" idx="1"/>
+          </p:nvPr>
+        </p:nvSpPr>
+        <p:spPr/>
+        <p:txBody>
+          <a:bodyPr/>
+          <a:lstStyle/>
+          <a:p>
+            <a:pPr algn="r"/>
+            <a:r>
+              <a:rPr lang="en-CA" dirty="0">
+                <a:effectLst/>
+              </a:rPr>
+              <a:t>Burns L, Teke T, Popescu IA, </a:t>
+            </a:r>
+            <a:r>
+              <a:rPr lang="en-CA" dirty="0" err="1">
+                <a:effectLst/>
+              </a:rPr>
+              <a:t>Duzenli</a:t>
+            </a:r>
+            <a:r>
+              <a:rPr lang="en-CA" dirty="0">
+                <a:effectLst/>
+              </a:rPr>
+              <a:t> C. Monte Carlo Dosimetry of Organ Doses from a Sweeping-Beam Total Body Irradiation Technique: Feasibility and First Results. In: </a:t>
+            </a:r>
+            <a:r>
+              <a:rPr lang="en-CA" dirty="0" err="1">
+                <a:effectLst/>
+              </a:rPr>
+              <a:t>Lhotska</a:t>
+            </a:r>
+            <a:r>
+              <a:rPr lang="en-CA" dirty="0">
+                <a:effectLst/>
+              </a:rPr>
+              <a:t> L, </a:t>
+            </a:r>
+            <a:r>
+              <a:rPr lang="en-CA" dirty="0" err="1">
+                <a:effectLst/>
+              </a:rPr>
+              <a:t>Sukupova</a:t>
+            </a:r>
+            <a:r>
+              <a:rPr lang="en-CA" dirty="0">
+                <a:effectLst/>
+              </a:rPr>
+              <a:t> L, </a:t>
+            </a:r>
+            <a:r>
+              <a:rPr lang="en-CA" dirty="0" err="1">
+                <a:effectLst/>
+              </a:rPr>
+              <a:t>Lacković</a:t>
+            </a:r>
+            <a:r>
+              <a:rPr lang="en-CA" dirty="0">
+                <a:effectLst/>
+              </a:rPr>
+              <a:t> I, </a:t>
+            </a:r>
+            <a:r>
+              <a:rPr lang="en-CA" dirty="0" err="1">
+                <a:effectLst/>
+              </a:rPr>
+              <a:t>Ibbott</a:t>
+            </a:r>
+            <a:r>
+              <a:rPr lang="en-CA" dirty="0">
+                <a:effectLst/>
+              </a:rPr>
+              <a:t> GS, eds. </a:t>
+            </a:r>
+            <a:r>
+              <a:rPr lang="en-CA" i="1" dirty="0">
+                <a:effectLst/>
+              </a:rPr>
+              <a:t>World Congress on Medical Physics and Biomedical Engineering 2018</a:t>
+            </a:r>
+            <a:r>
+              <a:rPr lang="en-CA" dirty="0">
+                <a:effectLst/>
+              </a:rPr>
+              <a:t>. IFMBE Proceedings. Springer; 2019:421-427. doi:</a:t>
+            </a:r>
+            <a:r>
+              <a:rPr lang="en-CA" dirty="0">
+                <a:effectLst/>
+                <a:hlinkClick r:id="rId3"/>
+              </a:rPr>
+              <a:t>10.1007/978-981-10-9023-3_76</a:t>
+            </a:r>
+            <a:endParaRPr lang="en-CA" dirty="0">
+              <a:effectLst/>
+            </a:endParaRPr>
+          </a:p>
+          <a:p>
+            <a:endParaRPr lang="en-CA" dirty="0"/>
+          </a:p>
+        </p:txBody>
+      </p:sp>
+      <p:sp>
+        <p:nvSpPr>
+          <p:cNvPr id="4" name="Slide Number Placeholder 3"/>
+          <p:cNvSpPr>
+            <a:spLocks noGrp="1"/>
+          </p:cNvSpPr>
+          <p:nvPr>
+            <p:ph type="sldNum" sz="quarter" idx="5"/>
+          </p:nvPr>
+        </p:nvSpPr>
+        <p:spPr/>
+        <p:txBody>
+          <a:bodyPr/>
+          <a:lstStyle/>
+          <a:p>
+            <a:fld id="{50A02E5A-F865-48ED-9E9D-E266E7C2AE07}" type="slidenum">
+              <a:rPr lang="en-CA" smtClean="0"/>
+              <a:t>16</a:t>
+            </a:fld>
+            <a:endParaRPr lang="en-CA"/>
+          </a:p>
+        </p:txBody>
+      </p:sp>
+    </p:spTree>
+    <p:extLst>
+      <p:ext uri="{BB962C8B-B14F-4D97-AF65-F5344CB8AC3E}">
+        <p14:creationId xmlns:p14="http://schemas.microsoft.com/office/powerpoint/2010/main" val="916091940"/>
+      </p:ext>
+    </p:extLst>
+  </p:cSld>
+  <p:clrMapOvr>
+    <a:masterClrMapping/>
+  </p:clrMapOvr>
+</p:notes>
+</file>
+
+<file path=ppt/notesSlides/notesSlide11.xml><?xml version="1.0" encoding="utf-8"?>
+<p:notes xmlns:a="http://schemas.openxmlformats.org/drawingml/2006/main" xmlns:r="http://schemas.openxmlformats.org/officeDocument/2006/relationships" xmlns:p="http://schemas.openxmlformats.org/presentationml/2006/main">
+  <p:cSld>
+    <p:spTree>
+      <p:nvGrpSpPr>
+        <p:cNvPr id="1" name=""/>
+        <p:cNvGrpSpPr/>
+        <p:nvPr/>
+      </p:nvGrpSpPr>
+      <p:grpSpPr>
+        <a:xfrm>
+          <a:off x="0" y="0"/>
+          <a:ext cx="0" cy="0"/>
+          <a:chOff x="0" y="0"/>
+          <a:chExt cx="0" cy="0"/>
+        </a:xfrm>
+      </p:grpSpPr>
+      <p:sp>
+        <p:nvSpPr>
+          <p:cNvPr id="2" name="Slide Image Placeholder 1"/>
+          <p:cNvSpPr>
+            <a:spLocks noGrp="1" noRot="1" noChangeAspect="1"/>
+          </p:cNvSpPr>
+          <p:nvPr>
+            <p:ph type="sldImg"/>
+          </p:nvPr>
+        </p:nvSpPr>
+        <p:spPr/>
+      </p:sp>
+      <p:sp>
+        <p:nvSpPr>
+          <p:cNvPr id="3" name="Notes Placeholder 2"/>
+          <p:cNvSpPr>
+            <a:spLocks noGrp="1"/>
+          </p:cNvSpPr>
+          <p:nvPr>
+            <p:ph type="body" idx="1"/>
+          </p:nvPr>
+        </p:nvSpPr>
+        <p:spPr/>
+        <p:txBody>
+          <a:bodyPr/>
+          <a:lstStyle/>
+          <a:p>
+            <a:r>
+              <a:rPr lang="en-CA" b="0" i="0" dirty="0" err="1">
+                <a:solidFill>
+                  <a:srgbClr val="333333"/>
+                </a:solidFill>
+                <a:effectLst/>
+                <a:highlight>
+                  <a:srgbClr val="FFFFFF"/>
+                </a:highlight>
+                <a:latin typeface="-apple-system"/>
+              </a:rPr>
+              <a:t>Freislederer</a:t>
+            </a:r>
+            <a:r>
+              <a:rPr lang="en-CA" b="0" i="0" dirty="0">
+                <a:solidFill>
+                  <a:srgbClr val="333333"/>
+                </a:solidFill>
+                <a:effectLst/>
+                <a:highlight>
+                  <a:srgbClr val="FFFFFF"/>
+                </a:highlight>
+                <a:latin typeface="-apple-system"/>
+              </a:rPr>
+              <a:t>, P., </a:t>
+            </a:r>
+            <a:r>
+              <a:rPr lang="en-CA" b="0" i="0" dirty="0" err="1">
+                <a:solidFill>
+                  <a:srgbClr val="333333"/>
+                </a:solidFill>
+                <a:effectLst/>
+                <a:highlight>
+                  <a:srgbClr val="FFFFFF"/>
+                </a:highlight>
+                <a:latin typeface="-apple-system"/>
+              </a:rPr>
+              <a:t>Kügele</a:t>
+            </a:r>
+            <a:r>
+              <a:rPr lang="en-CA" b="0" i="0" dirty="0">
+                <a:solidFill>
+                  <a:srgbClr val="333333"/>
+                </a:solidFill>
+                <a:effectLst/>
+                <a:highlight>
+                  <a:srgbClr val="FFFFFF"/>
+                </a:highlight>
+                <a:latin typeface="-apple-system"/>
+              </a:rPr>
+              <a:t>, M., </a:t>
+            </a:r>
+            <a:r>
+              <a:rPr lang="en-CA" b="0" i="0" dirty="0" err="1">
+                <a:solidFill>
+                  <a:srgbClr val="333333"/>
+                </a:solidFill>
+                <a:effectLst/>
+                <a:highlight>
+                  <a:srgbClr val="FFFFFF"/>
+                </a:highlight>
+                <a:latin typeface="-apple-system"/>
+              </a:rPr>
+              <a:t>Öllers</a:t>
+            </a:r>
+            <a:r>
+              <a:rPr lang="en-CA" b="0" i="0" dirty="0">
+                <a:solidFill>
+                  <a:srgbClr val="333333"/>
+                </a:solidFill>
+                <a:effectLst/>
+                <a:highlight>
+                  <a:srgbClr val="FFFFFF"/>
+                </a:highlight>
+                <a:latin typeface="-apple-system"/>
+              </a:rPr>
+              <a:t>, M. </a:t>
+            </a:r>
+            <a:r>
+              <a:rPr lang="en-CA" b="0" i="1" dirty="0">
+                <a:solidFill>
+                  <a:srgbClr val="333333"/>
+                </a:solidFill>
+                <a:effectLst/>
+                <a:highlight>
+                  <a:srgbClr val="FFFFFF"/>
+                </a:highlight>
+                <a:latin typeface="-apple-system"/>
+              </a:rPr>
+              <a:t>et al.</a:t>
+            </a:r>
+            <a:r>
+              <a:rPr lang="en-CA" b="0" i="0" dirty="0">
+                <a:solidFill>
+                  <a:srgbClr val="333333"/>
+                </a:solidFill>
+                <a:effectLst/>
+                <a:highlight>
+                  <a:srgbClr val="FFFFFF"/>
+                </a:highlight>
+                <a:latin typeface="-apple-system"/>
+              </a:rPr>
+              <a:t> Recent advances in Surface Guided Radiation Therapy. </a:t>
+            </a:r>
+            <a:r>
+              <a:rPr lang="en-CA" b="0" i="1" dirty="0" err="1">
+                <a:solidFill>
+                  <a:srgbClr val="333333"/>
+                </a:solidFill>
+                <a:effectLst/>
+                <a:highlight>
+                  <a:srgbClr val="FFFFFF"/>
+                </a:highlight>
+                <a:latin typeface="-apple-system"/>
+              </a:rPr>
+              <a:t>Radiat</a:t>
+            </a:r>
+            <a:r>
+              <a:rPr lang="en-CA" b="0" i="1" dirty="0">
+                <a:solidFill>
+                  <a:srgbClr val="333333"/>
+                </a:solidFill>
+                <a:effectLst/>
+                <a:highlight>
+                  <a:srgbClr val="FFFFFF"/>
+                </a:highlight>
+                <a:latin typeface="-apple-system"/>
+              </a:rPr>
+              <a:t> Oncol</a:t>
+            </a:r>
+            <a:r>
+              <a:rPr lang="en-CA" b="0" i="0" dirty="0">
+                <a:solidFill>
+                  <a:srgbClr val="333333"/>
+                </a:solidFill>
+                <a:effectLst/>
+                <a:highlight>
+                  <a:srgbClr val="FFFFFF"/>
+                </a:highlight>
+                <a:latin typeface="-apple-system"/>
+              </a:rPr>
+              <a:t> </a:t>
+            </a:r>
+            <a:r>
+              <a:rPr lang="en-CA" b="1" i="0" dirty="0">
+                <a:solidFill>
+                  <a:srgbClr val="333333"/>
+                </a:solidFill>
+                <a:effectLst/>
+                <a:highlight>
+                  <a:srgbClr val="FFFFFF"/>
+                </a:highlight>
+                <a:latin typeface="-apple-system"/>
+              </a:rPr>
+              <a:t>15</a:t>
+            </a:r>
+            <a:r>
+              <a:rPr lang="en-CA" b="0" i="0" dirty="0">
+                <a:solidFill>
+                  <a:srgbClr val="333333"/>
+                </a:solidFill>
+                <a:effectLst/>
+                <a:highlight>
+                  <a:srgbClr val="FFFFFF"/>
+                </a:highlight>
+                <a:latin typeface="-apple-system"/>
+              </a:rPr>
+              <a:t>, 187 (2020). https://doi.org/10.1186/s13014-020-01629-w</a:t>
+            </a:r>
+            <a:endParaRPr lang="en-CA" dirty="0"/>
+          </a:p>
+        </p:txBody>
+      </p:sp>
+      <p:sp>
+        <p:nvSpPr>
+          <p:cNvPr id="4" name="Slide Number Placeholder 3"/>
+          <p:cNvSpPr>
+            <a:spLocks noGrp="1"/>
+          </p:cNvSpPr>
+          <p:nvPr>
+            <p:ph type="sldNum" sz="quarter" idx="5"/>
+          </p:nvPr>
+        </p:nvSpPr>
+        <p:spPr/>
+        <p:txBody>
+          <a:bodyPr/>
+          <a:lstStyle/>
+          <a:p>
+            <a:fld id="{50A02E5A-F865-48ED-9E9D-E266E7C2AE07}" type="slidenum">
+              <a:rPr lang="en-CA" smtClean="0"/>
+              <a:t>19</a:t>
+            </a:fld>
+            <a:endParaRPr lang="en-CA"/>
+          </a:p>
+        </p:txBody>
+      </p:sp>
+    </p:spTree>
+    <p:extLst>
+      <p:ext uri="{BB962C8B-B14F-4D97-AF65-F5344CB8AC3E}">
+        <p14:creationId xmlns:p14="http://schemas.microsoft.com/office/powerpoint/2010/main" val="827134312"/>
+      </p:ext>
+    </p:extLst>
+  </p:cSld>
+  <p:clrMapOvr>
+    <a:masterClrMapping/>
+  </p:clrMapOvr>
+</p:notes>
+</file>
+
+<file path=ppt/notesSlides/notesSlide12.xml><?xml version="1.0" encoding="utf-8"?>
+<p:notes xmlns:a="http://schemas.openxmlformats.org/drawingml/2006/main" xmlns:r="http://schemas.openxmlformats.org/officeDocument/2006/relationships" xmlns:p="http://schemas.openxmlformats.org/presentationml/2006/main">
+  <p:cSld>
+    <p:spTree>
+      <p:nvGrpSpPr>
+        <p:cNvPr id="1" name=""/>
+        <p:cNvGrpSpPr/>
+        <p:nvPr/>
+      </p:nvGrpSpPr>
+      <p:grpSpPr>
+        <a:xfrm>
+          <a:off x="0" y="0"/>
+          <a:ext cx="0" cy="0"/>
+          <a:chOff x="0" y="0"/>
+          <a:chExt cx="0" cy="0"/>
+        </a:xfrm>
+      </p:grpSpPr>
+      <p:sp>
+        <p:nvSpPr>
+          <p:cNvPr id="2" name="Slide Image Placeholder 1"/>
+          <p:cNvSpPr>
+            <a:spLocks noGrp="1" noRot="1" noChangeAspect="1"/>
+          </p:cNvSpPr>
+          <p:nvPr>
+            <p:ph type="sldImg"/>
+          </p:nvPr>
+        </p:nvSpPr>
+        <p:spPr/>
+      </p:sp>
+      <p:sp>
+        <p:nvSpPr>
+          <p:cNvPr id="3" name="Notes Placeholder 2"/>
+          <p:cNvSpPr>
+            <a:spLocks noGrp="1"/>
+          </p:cNvSpPr>
+          <p:nvPr>
+            <p:ph type="body" idx="1"/>
+          </p:nvPr>
+        </p:nvSpPr>
+        <p:spPr/>
+        <p:txBody>
+          <a:bodyPr/>
+          <a:lstStyle/>
+          <a:p>
+            <a:endParaRPr lang="en-CA" dirty="0"/>
+          </a:p>
+        </p:txBody>
+      </p:sp>
+      <p:sp>
+        <p:nvSpPr>
+          <p:cNvPr id="4" name="Slide Number Placeholder 3"/>
+          <p:cNvSpPr>
+            <a:spLocks noGrp="1"/>
+          </p:cNvSpPr>
+          <p:nvPr>
+            <p:ph type="sldNum" sz="quarter" idx="5"/>
+          </p:nvPr>
+        </p:nvSpPr>
+        <p:spPr/>
+        <p:txBody>
+          <a:bodyPr/>
+          <a:lstStyle/>
+          <a:p>
+            <a:fld id="{50A02E5A-F865-48ED-9E9D-E266E7C2AE07}" type="slidenum">
+              <a:rPr lang="en-CA" smtClean="0"/>
+              <a:t>20</a:t>
+            </a:fld>
+            <a:endParaRPr lang="en-CA"/>
+          </a:p>
+        </p:txBody>
+      </p:sp>
+    </p:spTree>
+    <p:extLst>
+      <p:ext uri="{BB962C8B-B14F-4D97-AF65-F5344CB8AC3E}">
+        <p14:creationId xmlns:p14="http://schemas.microsoft.com/office/powerpoint/2010/main" val="1468143783"/>
+      </p:ext>
+    </p:extLst>
+  </p:cSld>
+  <p:clrMapOvr>
+    <a:masterClrMapping/>
+  </p:clrMapOvr>
+</p:notes>
+</file>
+
 <file path=ppt/notesSlides/notesSlide2.xml><?xml version="1.0" encoding="utf-8"?>
 <p:notes xmlns:a="http://schemas.openxmlformats.org/drawingml/2006/main" xmlns:r="http://schemas.openxmlformats.org/officeDocument/2006/relationships" xmlns:p="http://schemas.openxmlformats.org/presentationml/2006/main">
   <p:cSld>
@@ -1185,7 +1704,31 @@
           <a:p>
             <a:r>
               <a:rPr lang="en-US" dirty="0"/>
-              <a:t>[2]</a:t>
+              <a:t>[2] </a:t>
+            </a:r>
+            <a:r>
+              <a:rPr lang="en-US" dirty="0" err="1"/>
+              <a:t>Alastruey</a:t>
+            </a:r>
+            <a:r>
+              <a:rPr lang="en-US" dirty="0"/>
+              <a:t>, J., Parker, K. H., &amp; Sherwin, S. J. (2012). Arterial pulse wave </a:t>
+            </a:r>
+            <a:r>
+              <a:rPr lang="en-US" dirty="0" err="1"/>
+              <a:t>haemodynamics</a:t>
+            </a:r>
+            <a:r>
+              <a:rPr lang="en-US" dirty="0"/>
+              <a:t>. In S. Anderson (Ed.), 11th International Conference on Pressure Surges (pp. 401-443). Virtual </a:t>
+            </a:r>
+            <a:r>
+              <a:rPr lang="en-US" dirty="0" err="1"/>
+              <a:t>PiE</a:t>
+            </a:r>
+            <a:r>
+              <a:rPr lang="en-US" dirty="0"/>
+              <a:t> Led t/a BHR Group.</a:t>
             </a:r>
           </a:p>
           <a:p>
@@ -1223,7 +1766,7 @@
     </p:spTree>
     <p:extLst>
       <p:ext uri="{BB962C8B-B14F-4D97-AF65-F5344CB8AC3E}">
-        <p14:creationId xmlns:p14="http://schemas.microsoft.com/office/powerpoint/2010/main" val="4118980780"/>
+        <p14:creationId xmlns:p14="http://schemas.microsoft.com/office/powerpoint/2010/main" val="971572960"/>
       </p:ext>
     </p:extLst>
   </p:cSld>
@@ -1278,175 +1821,220 @@
           <a:lstStyle/>
           <a:p>
             <a:r>
-              <a:rPr lang="en-CA" b="0" i="0" dirty="0" err="1">
-                <a:solidFill>
-                  <a:srgbClr val="333333"/>
-                </a:solidFill>
-                <a:effectLst/>
-                <a:highlight>
-                  <a:srgbClr val="FFFFFF"/>
-                </a:highlight>
-                <a:latin typeface="-apple-system"/>
-              </a:rPr>
-              <a:t>Freislederer</a:t>
-            </a:r>
-            <a:r>
-              <a:rPr lang="en-CA" b="0" i="0" dirty="0">
-                <a:solidFill>
-                  <a:srgbClr val="333333"/>
-                </a:solidFill>
-                <a:effectLst/>
-                <a:highlight>
-                  <a:srgbClr val="FFFFFF"/>
-                </a:highlight>
-                <a:latin typeface="-apple-system"/>
-              </a:rPr>
-              <a:t>, P., </a:t>
-            </a:r>
-            <a:r>
-              <a:rPr lang="en-CA" b="0" i="0" dirty="0" err="1">
-                <a:solidFill>
-                  <a:srgbClr val="333333"/>
-                </a:solidFill>
-                <a:effectLst/>
-                <a:highlight>
-                  <a:srgbClr val="FFFFFF"/>
-                </a:highlight>
-                <a:latin typeface="-apple-system"/>
-              </a:rPr>
-              <a:t>Kügele</a:t>
-            </a:r>
-            <a:r>
-              <a:rPr lang="en-CA" b="0" i="0" dirty="0">
-                <a:solidFill>
-                  <a:srgbClr val="333333"/>
-                </a:solidFill>
-                <a:effectLst/>
-                <a:highlight>
-                  <a:srgbClr val="FFFFFF"/>
-                </a:highlight>
-                <a:latin typeface="-apple-system"/>
-              </a:rPr>
-              <a:t>, M., </a:t>
-            </a:r>
-            <a:r>
-              <a:rPr lang="en-CA" b="0" i="0" dirty="0" err="1">
-                <a:solidFill>
-                  <a:srgbClr val="333333"/>
-                </a:solidFill>
-                <a:effectLst/>
-                <a:highlight>
-                  <a:srgbClr val="FFFFFF"/>
-                </a:highlight>
-                <a:latin typeface="-apple-system"/>
-              </a:rPr>
-              <a:t>Öllers</a:t>
-            </a:r>
-            <a:r>
-              <a:rPr lang="en-CA" b="0" i="0" dirty="0">
-                <a:solidFill>
-                  <a:srgbClr val="333333"/>
-                </a:solidFill>
-                <a:effectLst/>
-                <a:highlight>
-                  <a:srgbClr val="FFFFFF"/>
-                </a:highlight>
-                <a:latin typeface="-apple-system"/>
-              </a:rPr>
-              <a:t>, M. </a:t>
-            </a:r>
-            <a:r>
-              <a:rPr lang="en-CA" b="0" i="1" dirty="0">
-                <a:solidFill>
-                  <a:srgbClr val="333333"/>
-                </a:solidFill>
-                <a:effectLst/>
-                <a:highlight>
-                  <a:srgbClr val="FFFFFF"/>
-                </a:highlight>
-                <a:latin typeface="-apple-system"/>
-              </a:rPr>
-              <a:t>et al.</a:t>
-            </a:r>
-            <a:r>
-              <a:rPr lang="en-CA" b="0" i="0" dirty="0">
-                <a:solidFill>
-                  <a:srgbClr val="333333"/>
-                </a:solidFill>
-                <a:effectLst/>
-                <a:highlight>
-                  <a:srgbClr val="FFFFFF"/>
-                </a:highlight>
-                <a:latin typeface="-apple-system"/>
-              </a:rPr>
-              <a:t> Recent advances in Surface Guided Radiation Therapy. </a:t>
-            </a:r>
-            <a:r>
-              <a:rPr lang="en-CA" b="0" i="1" dirty="0" err="1">
-                <a:solidFill>
-                  <a:srgbClr val="333333"/>
-                </a:solidFill>
-                <a:effectLst/>
-                <a:highlight>
-                  <a:srgbClr val="FFFFFF"/>
-                </a:highlight>
-                <a:latin typeface="-apple-system"/>
-              </a:rPr>
-              <a:t>Radiat</a:t>
-            </a:r>
-            <a:r>
-              <a:rPr lang="en-CA" b="0" i="1" dirty="0">
-                <a:solidFill>
-                  <a:srgbClr val="333333"/>
-                </a:solidFill>
-                <a:effectLst/>
-                <a:highlight>
-                  <a:srgbClr val="FFFFFF"/>
-                </a:highlight>
-                <a:latin typeface="-apple-system"/>
-              </a:rPr>
-              <a:t> Oncol</a:t>
-            </a:r>
-            <a:r>
-              <a:rPr lang="en-CA" b="0" i="0" dirty="0">
-                <a:solidFill>
-                  <a:srgbClr val="333333"/>
-                </a:solidFill>
-                <a:effectLst/>
-                <a:highlight>
-                  <a:srgbClr val="FFFFFF"/>
-                </a:highlight>
-                <a:latin typeface="-apple-system"/>
-              </a:rPr>
-              <a:t> </a:t>
-            </a:r>
-            <a:r>
-              <a:rPr lang="en-CA" b="1" i="0" dirty="0">
-                <a:solidFill>
-                  <a:srgbClr val="333333"/>
-                </a:solidFill>
-                <a:effectLst/>
-                <a:highlight>
-                  <a:srgbClr val="FFFFFF"/>
-                </a:highlight>
-                <a:latin typeface="-apple-system"/>
-              </a:rPr>
-              <a:t>15</a:t>
-            </a:r>
-            <a:r>
-              <a:rPr lang="en-CA" b="0" i="0" dirty="0">
-                <a:solidFill>
-                  <a:srgbClr val="333333"/>
-                </a:solidFill>
-                <a:effectLst/>
-                <a:highlight>
-                  <a:srgbClr val="FFFFFF"/>
-                </a:highlight>
-                <a:latin typeface="-apple-system"/>
-              </a:rPr>
-              <a:t>, 187 (2020). https://doi.org/10.1186/s13014-020-01629-w</a:t>
+              <a:rPr lang="en-US" dirty="0"/>
+              <a:t>[1] Cousins W, Gremaud PA. Impedance boundary conditions for general transient hemodynamics. International Journal for Numerical Methods in Biomedical Engineering. 2014;30(11):1294-1313. doi:10.1002/cnm.2658</a:t>
+            </a:r>
+          </a:p>
+          <a:p>
+            <a:r>
+              <a:rPr lang="en-US" dirty="0"/>
+              <a:t>[2] </a:t>
+            </a:r>
+            <a:r>
+              <a:rPr lang="en-US" dirty="0" err="1"/>
+              <a:t>Alastruey</a:t>
+            </a:r>
+            <a:r>
+              <a:rPr lang="en-US" dirty="0"/>
+              <a:t>, J., Parker, K. H., &amp; Sherwin, S. J. (2012). Arterial pulse wave </a:t>
+            </a:r>
+            <a:r>
+              <a:rPr lang="en-US" dirty="0" err="1"/>
+              <a:t>haemodynamics</a:t>
+            </a:r>
+            <a:r>
+              <a:rPr lang="en-US" dirty="0"/>
+              <a:t>. In S. Anderson (Ed.), 11th International Conference on Pressure Surges (pp. 401-443). Virtual </a:t>
+            </a:r>
+            <a:r>
+              <a:rPr lang="en-US" dirty="0" err="1"/>
+              <a:t>PiE</a:t>
+            </a:r>
+            <a:r>
+              <a:rPr lang="en-US" dirty="0"/>
+              <a:t> Led t/a BHR Group.</a:t>
+            </a:r>
+          </a:p>
+          <a:p>
+            <a:r>
+              <a:rPr lang="en-US" dirty="0"/>
+              <a:t>[3]</a:t>
             </a:r>
             <a:endParaRPr lang="en-CA" dirty="0"/>
+          </a:p>
+        </p:txBody>
+      </p:sp>
+      <p:sp>
+        <p:nvSpPr>
+          <p:cNvPr id="4" name="Slide Number Placeholder 3"/>
+          <p:cNvSpPr>
+            <a:spLocks noGrp="1"/>
+          </p:cNvSpPr>
+          <p:nvPr>
+            <p:ph type="sldNum" sz="quarter" idx="5"/>
+          </p:nvPr>
+        </p:nvSpPr>
+        <p:spPr/>
+        <p:txBody>
+          <a:bodyPr/>
+          <a:lstStyle/>
+          <a:p>
+            <a:fld id="{50A02E5A-F865-48ED-9E9D-E266E7C2AE07}" type="slidenum">
+              <a:rPr lang="en-CA" smtClean="0"/>
+              <a:t>10</a:t>
+            </a:fld>
+            <a:endParaRPr lang="en-CA"/>
+          </a:p>
+        </p:txBody>
+      </p:sp>
+    </p:spTree>
+    <p:extLst>
+      <p:ext uri="{BB962C8B-B14F-4D97-AF65-F5344CB8AC3E}">
+        <p14:creationId xmlns:p14="http://schemas.microsoft.com/office/powerpoint/2010/main" val="4118980780"/>
+      </p:ext>
+    </p:extLst>
+  </p:cSld>
+  <p:clrMapOvr>
+    <a:masterClrMapping/>
+  </p:clrMapOvr>
+</p:notes>
+</file>
+
+<file path=ppt/notesSlides/notesSlide7.xml><?xml version="1.0" encoding="utf-8"?>
+<p:notes xmlns:a="http://schemas.openxmlformats.org/drawingml/2006/main" xmlns:r="http://schemas.openxmlformats.org/officeDocument/2006/relationships" xmlns:p="http://schemas.openxmlformats.org/presentationml/2006/main">
+  <p:cSld>
+    <p:spTree>
+      <p:nvGrpSpPr>
+        <p:cNvPr id="1" name=""/>
+        <p:cNvGrpSpPr/>
+        <p:nvPr/>
+      </p:nvGrpSpPr>
+      <p:grpSpPr>
+        <a:xfrm>
+          <a:off x="0" y="0"/>
+          <a:ext cx="0" cy="0"/>
+          <a:chOff x="0" y="0"/>
+          <a:chExt cx="0" cy="0"/>
+        </a:xfrm>
+      </p:grpSpPr>
+      <p:sp>
+        <p:nvSpPr>
+          <p:cNvPr id="2" name="Slide Image Placeholder 1"/>
+          <p:cNvSpPr>
+            <a:spLocks noGrp="1" noRot="1" noChangeAspect="1"/>
+          </p:cNvSpPr>
+          <p:nvPr>
+            <p:ph type="sldImg"/>
+          </p:nvPr>
+        </p:nvSpPr>
+        <p:spPr/>
+      </p:sp>
+      <p:sp>
+        <p:nvSpPr>
+          <p:cNvPr id="3" name="Notes Placeholder 2"/>
+          <p:cNvSpPr>
+            <a:spLocks noGrp="1"/>
+          </p:cNvSpPr>
+          <p:nvPr>
+            <p:ph type="body" idx="1"/>
+          </p:nvPr>
+        </p:nvSpPr>
+        <p:spPr/>
+        <p:txBody>
+          <a:bodyPr/>
+          <a:lstStyle/>
+          <a:p>
+            <a:r>
+              <a:rPr lang="en-CA" dirty="0"/>
+              <a:t>Source </a:t>
+            </a:r>
+          </a:p>
+        </p:txBody>
+      </p:sp>
+      <p:sp>
+        <p:nvSpPr>
+          <p:cNvPr id="4" name="Slide Number Placeholder 3"/>
+          <p:cNvSpPr>
+            <a:spLocks noGrp="1"/>
+          </p:cNvSpPr>
+          <p:nvPr>
+            <p:ph type="sldNum" sz="quarter" idx="5"/>
+          </p:nvPr>
+        </p:nvSpPr>
+        <p:spPr/>
+        <p:txBody>
+          <a:bodyPr/>
+          <a:lstStyle/>
+          <a:p>
+            <a:fld id="{50A02E5A-F865-48ED-9E9D-E266E7C2AE07}" type="slidenum">
+              <a:rPr lang="en-CA" smtClean="0"/>
+              <a:t>12</a:t>
+            </a:fld>
+            <a:endParaRPr lang="en-CA"/>
+          </a:p>
+        </p:txBody>
+      </p:sp>
+    </p:spTree>
+    <p:extLst>
+      <p:ext uri="{BB962C8B-B14F-4D97-AF65-F5344CB8AC3E}">
+        <p14:creationId xmlns:p14="http://schemas.microsoft.com/office/powerpoint/2010/main" val="4234343408"/>
+      </p:ext>
+    </p:extLst>
+  </p:cSld>
+  <p:clrMapOvr>
+    <a:masterClrMapping/>
+  </p:clrMapOvr>
+</p:notes>
+</file>
+
+<file path=ppt/notesSlides/notesSlide8.xml><?xml version="1.0" encoding="utf-8"?>
+<p:notes xmlns:a="http://schemas.openxmlformats.org/drawingml/2006/main" xmlns:r="http://schemas.openxmlformats.org/officeDocument/2006/relationships" xmlns:p="http://schemas.openxmlformats.org/presentationml/2006/main">
+  <p:cSld>
+    <p:spTree>
+      <p:nvGrpSpPr>
+        <p:cNvPr id="1" name=""/>
+        <p:cNvGrpSpPr/>
+        <p:nvPr/>
+      </p:nvGrpSpPr>
+      <p:grpSpPr>
+        <a:xfrm>
+          <a:off x="0" y="0"/>
+          <a:ext cx="0" cy="0"/>
+          <a:chOff x="0" y="0"/>
+          <a:chExt cx="0" cy="0"/>
+        </a:xfrm>
+      </p:grpSpPr>
+      <p:sp>
+        <p:nvSpPr>
+          <p:cNvPr id="2" name="Slide Image Placeholder 1"/>
+          <p:cNvSpPr>
+            <a:spLocks noGrp="1" noRot="1" noChangeAspect="1"/>
+          </p:cNvSpPr>
+          <p:nvPr>
+            <p:ph type="sldImg"/>
+          </p:nvPr>
+        </p:nvSpPr>
+        <p:spPr/>
+      </p:sp>
+      <p:sp>
+        <p:nvSpPr>
+          <p:cNvPr id="3" name="Notes Placeholder 2"/>
+          <p:cNvSpPr>
+            <a:spLocks noGrp="1"/>
+          </p:cNvSpPr>
+          <p:nvPr>
+            <p:ph type="body" idx="1"/>
+          </p:nvPr>
+        </p:nvSpPr>
+        <p:spPr/>
+        <p:txBody>
+          <a:bodyPr/>
+          <a:lstStyle/>
+          <a:p>
+            <a:r>
+              <a:rPr lang="en-CA" dirty="0"/>
+              <a:t>Source </a:t>
+            </a:r>
           </a:p>
         </p:txBody>
       </p:sp>
@@ -1476,7 +2064,94 @@
     </p:spTree>
     <p:extLst>
       <p:ext uri="{BB962C8B-B14F-4D97-AF65-F5344CB8AC3E}">
-        <p14:creationId xmlns:p14="http://schemas.microsoft.com/office/powerpoint/2010/main" val="827134312"/>
+        <p14:creationId xmlns:p14="http://schemas.microsoft.com/office/powerpoint/2010/main" val="3447965625"/>
+      </p:ext>
+    </p:extLst>
+  </p:cSld>
+  <p:clrMapOvr>
+    <a:masterClrMapping/>
+  </p:clrMapOvr>
+</p:notes>
+</file>
+
+<file path=ppt/notesSlides/notesSlide9.xml><?xml version="1.0" encoding="utf-8"?>
+<p:notes xmlns:a="http://schemas.openxmlformats.org/drawingml/2006/main" xmlns:r="http://schemas.openxmlformats.org/officeDocument/2006/relationships" xmlns:p="http://schemas.openxmlformats.org/presentationml/2006/main">
+  <p:cSld>
+    <p:spTree>
+      <p:nvGrpSpPr>
+        <p:cNvPr id="1" name=""/>
+        <p:cNvGrpSpPr/>
+        <p:nvPr/>
+      </p:nvGrpSpPr>
+      <p:grpSpPr>
+        <a:xfrm>
+          <a:off x="0" y="0"/>
+          <a:ext cx="0" cy="0"/>
+          <a:chOff x="0" y="0"/>
+          <a:chExt cx="0" cy="0"/>
+        </a:xfrm>
+      </p:grpSpPr>
+      <p:sp>
+        <p:nvSpPr>
+          <p:cNvPr id="2" name="Slide Image Placeholder 1"/>
+          <p:cNvSpPr>
+            <a:spLocks noGrp="1" noRot="1" noChangeAspect="1"/>
+          </p:cNvSpPr>
+          <p:nvPr>
+            <p:ph type="sldImg"/>
+          </p:nvPr>
+        </p:nvSpPr>
+        <p:spPr/>
+      </p:sp>
+      <p:sp>
+        <p:nvSpPr>
+          <p:cNvPr id="3" name="Notes Placeholder 2"/>
+          <p:cNvSpPr>
+            <a:spLocks noGrp="1"/>
+          </p:cNvSpPr>
+          <p:nvPr>
+            <p:ph type="body" idx="1"/>
+          </p:nvPr>
+        </p:nvSpPr>
+        <p:spPr/>
+        <p:txBody>
+          <a:bodyPr/>
+          <a:lstStyle/>
+          <a:p>
+            <a:r>
+              <a:rPr lang="en-CA" dirty="0"/>
+              <a:t>Source </a:t>
+            </a:r>
+          </a:p>
+        </p:txBody>
+      </p:sp>
+      <p:sp>
+        <p:nvSpPr>
+          <p:cNvPr id="4" name="Slide Number Placeholder 3"/>
+          <p:cNvSpPr>
+            <a:spLocks noGrp="1"/>
+          </p:cNvSpPr>
+          <p:nvPr>
+            <p:ph type="sldNum" sz="quarter" idx="5"/>
+          </p:nvPr>
+        </p:nvSpPr>
+        <p:spPr/>
+        <p:txBody>
+          <a:bodyPr/>
+          <a:lstStyle/>
+          <a:p>
+            <a:fld id="{50A02E5A-F865-48ED-9E9D-E266E7C2AE07}" type="slidenum">
+              <a:rPr lang="en-CA" smtClean="0"/>
+              <a:t>14</a:t>
+            </a:fld>
+            <a:endParaRPr lang="en-CA"/>
+          </a:p>
+        </p:txBody>
+      </p:sp>
+    </p:spTree>
+    <p:extLst>
+      <p:ext uri="{BB962C8B-B14F-4D97-AF65-F5344CB8AC3E}">
+        <p14:creationId xmlns:p14="http://schemas.microsoft.com/office/powerpoint/2010/main" val="2902706002"/>
       </p:ext>
     </p:extLst>
   </p:cSld>
@@ -1635,7 +2310,7 @@
           <a:p>
             <a:fld id="{1FFAEC48-F960-465E-8D0E-05714480939D}" type="datetimeFigureOut">
               <a:rPr lang="en-CA" smtClean="0"/>
-              <a:t>2024-09-11</a:t>
+              <a:t>2024-09-17</a:t>
             </a:fld>
             <a:endParaRPr lang="en-CA"/>
           </a:p>
@@ -1835,7 +2510,7 @@
           <a:p>
             <a:fld id="{1FFAEC48-F960-465E-8D0E-05714480939D}" type="datetimeFigureOut">
               <a:rPr lang="en-CA" smtClean="0"/>
-              <a:t>2024-09-11</a:t>
+              <a:t>2024-09-17</a:t>
             </a:fld>
             <a:endParaRPr lang="en-CA"/>
           </a:p>
@@ -2045,7 +2720,7 @@
           <a:p>
             <a:fld id="{1FFAEC48-F960-465E-8D0E-05714480939D}" type="datetimeFigureOut">
               <a:rPr lang="en-CA" smtClean="0"/>
-              <a:t>2024-09-11</a:t>
+              <a:t>2024-09-17</a:t>
             </a:fld>
             <a:endParaRPr lang="en-CA"/>
           </a:p>
@@ -2245,7 +2920,7 @@
           <a:p>
             <a:fld id="{1FFAEC48-F960-465E-8D0E-05714480939D}" type="datetimeFigureOut">
               <a:rPr lang="en-CA" smtClean="0"/>
-              <a:t>2024-09-11</a:t>
+              <a:t>2024-09-17</a:t>
             </a:fld>
             <a:endParaRPr lang="en-CA"/>
           </a:p>
@@ -2521,7 +3196,7 @@
           <a:p>
             <a:fld id="{1FFAEC48-F960-465E-8D0E-05714480939D}" type="datetimeFigureOut">
               <a:rPr lang="en-CA" smtClean="0"/>
-              <a:t>2024-09-11</a:t>
+              <a:t>2024-09-17</a:t>
             </a:fld>
             <a:endParaRPr lang="en-CA"/>
           </a:p>
@@ -2789,7 +3464,7 @@
           <a:p>
             <a:fld id="{1FFAEC48-F960-465E-8D0E-05714480939D}" type="datetimeFigureOut">
               <a:rPr lang="en-CA" smtClean="0"/>
-              <a:t>2024-09-11</a:t>
+              <a:t>2024-09-17</a:t>
             </a:fld>
             <a:endParaRPr lang="en-CA"/>
           </a:p>
@@ -3204,7 +3879,7 @@
           <a:p>
             <a:fld id="{1FFAEC48-F960-465E-8D0E-05714480939D}" type="datetimeFigureOut">
               <a:rPr lang="en-CA" smtClean="0"/>
-              <a:t>2024-09-11</a:t>
+              <a:t>2024-09-17</a:t>
             </a:fld>
             <a:endParaRPr lang="en-CA"/>
           </a:p>
@@ -3346,7 +4021,7 @@
           <a:p>
             <a:fld id="{1FFAEC48-F960-465E-8D0E-05714480939D}" type="datetimeFigureOut">
               <a:rPr lang="en-CA" smtClean="0"/>
-              <a:t>2024-09-11</a:t>
+              <a:t>2024-09-17</a:t>
             </a:fld>
             <a:endParaRPr lang="en-CA"/>
           </a:p>
@@ -3459,7 +4134,7 @@
           <a:p>
             <a:fld id="{1FFAEC48-F960-465E-8D0E-05714480939D}" type="datetimeFigureOut">
               <a:rPr lang="en-CA" smtClean="0"/>
-              <a:t>2024-09-11</a:t>
+              <a:t>2024-09-17</a:t>
             </a:fld>
             <a:endParaRPr lang="en-CA"/>
           </a:p>
@@ -3772,7 +4447,7 @@
           <a:p>
             <a:fld id="{1FFAEC48-F960-465E-8D0E-05714480939D}" type="datetimeFigureOut">
               <a:rPr lang="en-CA" smtClean="0"/>
-              <a:t>2024-09-11</a:t>
+              <a:t>2024-09-17</a:t>
             </a:fld>
             <a:endParaRPr lang="en-CA"/>
           </a:p>
@@ -4061,7 +4736,7 @@
           <a:p>
             <a:fld id="{1FFAEC48-F960-465E-8D0E-05714480939D}" type="datetimeFigureOut">
               <a:rPr lang="en-CA" smtClean="0"/>
-              <a:t>2024-09-11</a:t>
+              <a:t>2024-09-17</a:t>
             </a:fld>
             <a:endParaRPr lang="en-CA"/>
           </a:p>
@@ -4304,7 +4979,7 @@
           <a:p>
             <a:fld id="{1FFAEC48-F960-465E-8D0E-05714480939D}" type="datetimeFigureOut">
               <a:rPr lang="en-CA" smtClean="0"/>
-              <a:t>2024-09-11</a:t>
+              <a:t>2024-09-17</a:t>
             </a:fld>
             <a:endParaRPr lang="en-CA"/>
           </a:p>
@@ -4824,7 +5499,7 @@
           <p:cNvPr id="2" name="Title 1">
             <a:extLst>
               <a:ext uri="{FF2B5EF4-FFF2-40B4-BE49-F238E27FC236}">
-                <a16:creationId xmlns:a16="http://schemas.microsoft.com/office/drawing/2014/main" id="{6D632F22-1599-815C-9A57-4008B1991C68}"/>
+                <a16:creationId xmlns:a16="http://schemas.microsoft.com/office/drawing/2014/main" id="{528FE5FE-B27A-E7EF-50F8-BB02CA706F28}"/>
               </a:ext>
             </a:extLst>
           </p:cNvPr>
@@ -4842,7 +5517,7 @@
           <a:p>
             <a:r>
               <a:rPr lang="en-CA" dirty="0"/>
-              <a:t>Current Status – Beam Modelling</a:t>
+              <a:t>Current Status – Blood Flow Modelling</a:t>
             </a:r>
           </a:p>
         </p:txBody>
@@ -4852,7 +5527,7 @@
           <p:cNvPr id="3" name="Content Placeholder 2">
             <a:extLst>
               <a:ext uri="{FF2B5EF4-FFF2-40B4-BE49-F238E27FC236}">
-                <a16:creationId xmlns:a16="http://schemas.microsoft.com/office/drawing/2014/main" id="{27F9D53C-CDEC-46D6-B91B-B41EE488CF17}"/>
+                <a16:creationId xmlns:a16="http://schemas.microsoft.com/office/drawing/2014/main" id="{3875EA02-4D13-7B13-636C-61E9D53EC7DE}"/>
               </a:ext>
             </a:extLst>
           </p:cNvPr>
@@ -4870,36 +5545,106 @@
           <a:p>
             <a:r>
               <a:rPr lang="en-CA" dirty="0"/>
-              <a:t>With my work with Dr. </a:t>
-            </a:r>
+              <a:t>Attempted to us established geometries for a limited number of systemic arteries. [1] Reached to 6%. Time to </a:t>
+            </a:r>
+            <a:r>
+              <a:rPr lang="en-CA" u="sng" dirty="0"/>
+              <a:t>pivot again</a:t>
+            </a:r>
+            <a:r>
+              <a:rPr lang="en-CA" dirty="0"/>
+              <a:t>. </a:t>
+            </a:r>
+          </a:p>
+          <a:p>
             <a:r>
               <a:rPr lang="en-CA" dirty="0" err="1"/>
-              <a:t>Popsecu</a:t>
+              <a:t>Nektar</a:t>
             </a:r>
             <a:r>
               <a:rPr lang="en-CA" dirty="0"/>
-              <a:t> preparing data for the CARO 2024 poster I’ve begun the process of modelling our sweeping Co-60. </a:t>
-            </a:r>
-          </a:p>
-          <a:p>
-            <a:r>
-              <a:rPr lang="en-CA" dirty="0"/>
-              <a:t>Combining the dose data from this simulation with the blood flow model (normalized for time tracked within the simulation) will make up Paper #2.</a:t>
-            </a:r>
-          </a:p>
-          <a:p>
-            <a:pPr lvl="1"/>
-            <a:r>
-              <a:rPr lang="en-CA" dirty="0"/>
-              <a:t>Ideally: verification on the treatment unit, (requires access to developer mode/ 4D couch motion)</a:t>
-            </a:r>
-          </a:p>
-        </p:txBody>
-      </p:sp>
+              <a:t> 1D [2] is a Linux based </a:t>
+            </a:r>
+            <a:r>
+              <a:rPr lang="en-US" dirty="0"/>
+              <a:t>or solving the nonlinear, one-dimensional (1-D) equations of blood flow in a network of compliant vessels subject to boundary and initial conditions.</a:t>
+            </a:r>
+          </a:p>
+          <a:p>
+            <a:r>
+              <a:rPr lang="en-US" dirty="0"/>
+              <a:t>We will use the existing 55-vessel model</a:t>
+            </a:r>
+          </a:p>
+          <a:p>
+            <a:r>
+              <a:rPr lang="en-US" dirty="0"/>
+              <a:t>Both </a:t>
+            </a:r>
+            <a:r>
+              <a:rPr lang="en-US" dirty="0" err="1"/>
+              <a:t>Nektar</a:t>
+            </a:r>
+            <a:r>
+              <a:rPr lang="en-US" dirty="0"/>
+              <a:t> use a “healthy young person” as the baseline and 4d </a:t>
+            </a:r>
+            <a:r>
+              <a:rPr lang="en-US" dirty="0" err="1"/>
+              <a:t>xcat</a:t>
+            </a:r>
+            <a:r>
+              <a:rPr lang="en-US" dirty="0"/>
+              <a:t> uses a 50</a:t>
+            </a:r>
+            <a:r>
+              <a:rPr lang="en-US" baseline="30000" dirty="0"/>
+              <a:t>th</a:t>
+            </a:r>
+            <a:r>
+              <a:rPr lang="en-US" dirty="0"/>
+              <a:t> percentile adult.</a:t>
+            </a:r>
+          </a:p>
+          <a:p>
+            <a:endParaRPr lang="en-CA" dirty="0"/>
+          </a:p>
+        </p:txBody>
+      </p:sp>
+      <p:pic>
+        <p:nvPicPr>
+          <p:cNvPr id="5" name="Picture 4">
+            <a:extLst>
+              <a:ext uri="{FF2B5EF4-FFF2-40B4-BE49-F238E27FC236}">
+                <a16:creationId xmlns:a16="http://schemas.microsoft.com/office/drawing/2014/main" id="{D474FFA6-688E-9B99-481B-E75595DF56C8}"/>
+              </a:ext>
+            </a:extLst>
+          </p:cNvPr>
+          <p:cNvPicPr>
+            <a:picLocks noChangeAspect="1"/>
+          </p:cNvPicPr>
+          <p:nvPr/>
+        </p:nvPicPr>
+        <p:blipFill>
+          <a:blip r:embed="rId3"/>
+          <a:stretch>
+            <a:fillRect/>
+          </a:stretch>
+        </p:blipFill>
+        <p:spPr>
+          <a:xfrm>
+            <a:off x="10339578" y="3624174"/>
+            <a:ext cx="1594299" cy="3233826"/>
+          </a:xfrm>
+          <a:prstGeom prst="rect">
+            <a:avLst/>
+          </a:prstGeom>
+        </p:spPr>
+      </p:pic>
     </p:spTree>
     <p:extLst>
       <p:ext uri="{BB962C8B-B14F-4D97-AF65-F5344CB8AC3E}">
-        <p14:creationId xmlns:p14="http://schemas.microsoft.com/office/powerpoint/2010/main" val="3726361935"/>
+        <p14:creationId xmlns:p14="http://schemas.microsoft.com/office/powerpoint/2010/main" val="465128090"/>
       </p:ext>
     </p:extLst>
   </p:cSld>
@@ -4931,7 +5676,7 @@
           <p:cNvPr id="2" name="Title 1">
             <a:extLst>
               <a:ext uri="{FF2B5EF4-FFF2-40B4-BE49-F238E27FC236}">
-                <a16:creationId xmlns:a16="http://schemas.microsoft.com/office/drawing/2014/main" id="{27333CB3-3BEB-E5C5-04C6-50DC80C64041}"/>
+                <a16:creationId xmlns:a16="http://schemas.microsoft.com/office/drawing/2014/main" id="{4F71E9B8-199A-54A7-B9E4-4FC74A69088B}"/>
               </a:ext>
             </a:extLst>
           </p:cNvPr>
@@ -4949,40 +5694,15 @@
           <a:p>
             <a:r>
               <a:rPr lang="en-CA" dirty="0"/>
-              <a:t>Questions?</a:t>
-            </a:r>
-          </a:p>
-        </p:txBody>
-      </p:sp>
-      <p:sp>
-        <p:nvSpPr>
-          <p:cNvPr id="3" name="Content Placeholder 2">
-            <a:extLst>
-              <a:ext uri="{FF2B5EF4-FFF2-40B4-BE49-F238E27FC236}">
-                <a16:creationId xmlns:a16="http://schemas.microsoft.com/office/drawing/2014/main" id="{4EAFCC85-588E-89F6-8747-D804D154A5C9}"/>
-              </a:ext>
-            </a:extLst>
-          </p:cNvPr>
-          <p:cNvSpPr>
-            <a:spLocks noGrp="1"/>
-          </p:cNvSpPr>
-          <p:nvPr>
-            <p:ph idx="1"/>
-          </p:nvPr>
-        </p:nvSpPr>
-        <p:spPr/>
-        <p:txBody>
-          <a:bodyPr/>
-          <a:lstStyle/>
-          <a:p>
-            <a:endParaRPr lang="en-CA" dirty="0"/>
+              <a:t>How do we address a one-way street? </a:t>
+            </a:r>
           </a:p>
         </p:txBody>
       </p:sp>
     </p:spTree>
     <p:extLst>
       <p:ext uri="{BB962C8B-B14F-4D97-AF65-F5344CB8AC3E}">
-        <p14:creationId xmlns:p14="http://schemas.microsoft.com/office/powerpoint/2010/main" val="2623151968"/>
+        <p14:creationId xmlns:p14="http://schemas.microsoft.com/office/powerpoint/2010/main" val="1632279933"/>
       </p:ext>
     </p:extLst>
   </p:cSld>
@@ -5011,377 +5731,130 @@
       </p:grpSpPr>
       <p:sp>
         <p:nvSpPr>
-          <p:cNvPr id="11" name="Oval 10">
-            <a:extLst>
-              <a:ext uri="{FF2B5EF4-FFF2-40B4-BE49-F238E27FC236}">
-                <a16:creationId xmlns:a16="http://schemas.microsoft.com/office/drawing/2014/main" id="{BE441CB7-9B1A-CC68-F1B0-C3C580BCBA33}"/>
-              </a:ext>
-            </a:extLst>
-          </p:cNvPr>
-          <p:cNvSpPr/>
-          <p:nvPr/>
+          <p:cNvPr id="3" name="Content Placeholder 2">
+            <a:extLst>
+              <a:ext uri="{FF2B5EF4-FFF2-40B4-BE49-F238E27FC236}">
+                <a16:creationId xmlns:a16="http://schemas.microsoft.com/office/drawing/2014/main" id="{45AF15DC-9DB4-DD5A-BCBE-42F02227020B}"/>
+              </a:ext>
+            </a:extLst>
+          </p:cNvPr>
+          <p:cNvSpPr>
+            <a:spLocks noGrp="1"/>
+          </p:cNvSpPr>
+          <p:nvPr>
+            <p:ph idx="1"/>
+          </p:nvPr>
         </p:nvSpPr>
         <p:spPr>
           <a:xfrm>
-            <a:off x="6326124" y="2442531"/>
-            <a:ext cx="5453064" cy="2694550"/>
+            <a:off x="838200" y="685800"/>
+            <a:ext cx="10515600" cy="5491163"/>
           </a:xfrm>
-          <a:prstGeom prst="ellipse">
-            <a:avLst/>
-          </a:prstGeom>
         </p:spPr>
-        <p:style>
-          <a:lnRef idx="2">
-            <a:schemeClr val="accent5">
-              <a:shade val="15000"/>
-            </a:schemeClr>
-          </a:lnRef>
-          <a:fillRef idx="1">
-            <a:schemeClr val="accent5"/>
-          </a:fillRef>
-          <a:effectRef idx="0">
-            <a:schemeClr val="accent5"/>
-          </a:effectRef>
-          <a:fontRef idx="minor">
-            <a:schemeClr val="lt1"/>
-          </a:fontRef>
-        </p:style>
-        <p:txBody>
-          <a:bodyPr rtlCol="0" anchor="ctr"/>
-          <a:lstStyle/>
-          <a:p>
-            <a:pPr algn="ctr"/>
+        <p:txBody>
+          <a:bodyPr>
+            <a:normAutofit/>
+          </a:bodyPr>
+          <a:lstStyle/>
+          <a:p>
             <a:r>
               <a:rPr lang="en-CA" dirty="0"/>
-              <a:t>CTV = Body Contour</a:t>
-            </a:r>
-          </a:p>
-        </p:txBody>
-      </p:sp>
-      <p:sp>
-        <p:nvSpPr>
-          <p:cNvPr id="7" name="Oval 6">
-            <a:extLst>
-              <a:ext uri="{FF2B5EF4-FFF2-40B4-BE49-F238E27FC236}">
-                <a16:creationId xmlns:a16="http://schemas.microsoft.com/office/drawing/2014/main" id="{06295F49-5717-F121-FAA2-F863A480310B}"/>
-              </a:ext>
-            </a:extLst>
-          </p:cNvPr>
-          <p:cNvSpPr/>
-          <p:nvPr/>
-        </p:nvSpPr>
-        <p:spPr>
-          <a:xfrm>
-            <a:off x="0" y="2630043"/>
-            <a:ext cx="5069015" cy="2319528"/>
-          </a:xfrm>
-          <a:prstGeom prst="ellipse">
-            <a:avLst/>
-          </a:prstGeom>
-        </p:spPr>
-        <p:style>
-          <a:lnRef idx="2">
-            <a:schemeClr val="accent3">
-              <a:shade val="15000"/>
-            </a:schemeClr>
-          </a:lnRef>
-          <a:fillRef idx="1">
-            <a:schemeClr val="accent3"/>
-          </a:fillRef>
-          <a:effectRef idx="0">
-            <a:schemeClr val="accent3"/>
-          </a:effectRef>
-          <a:fontRef idx="minor">
-            <a:schemeClr val="lt1"/>
-          </a:fontRef>
-        </p:style>
-        <p:txBody>
-          <a:bodyPr rtlCol="0" anchor="ctr"/>
-          <a:lstStyle/>
-          <a:p>
-            <a:pPr algn="ctr"/>
-            <a:endParaRPr lang="en-CA"/>
-          </a:p>
-        </p:txBody>
-      </p:sp>
-      <p:sp>
-        <p:nvSpPr>
-          <p:cNvPr id="2" name="Title 1">
-            <a:extLst>
-              <a:ext uri="{FF2B5EF4-FFF2-40B4-BE49-F238E27FC236}">
-                <a16:creationId xmlns:a16="http://schemas.microsoft.com/office/drawing/2014/main" id="{AD5586C8-ABB9-6862-C514-CD082D5096A1}"/>
-              </a:ext>
-            </a:extLst>
-          </p:cNvPr>
-          <p:cNvSpPr>
-            <a:spLocks noGrp="1"/>
-          </p:cNvSpPr>
-          <p:nvPr>
-            <p:ph type="title"/>
-          </p:nvPr>
-        </p:nvSpPr>
-        <p:spPr/>
-        <p:txBody>
-          <a:bodyPr/>
-          <a:lstStyle/>
-          <a:p>
+              <a:t>Blood volumes will have the following properties within the simulation:</a:t>
+            </a:r>
+          </a:p>
+          <a:p>
+            <a:pPr lvl="1"/>
             <a:r>
               <a:rPr lang="en-CA" dirty="0"/>
-              <a:t>Importance of Margin Size in TBI </a:t>
-            </a:r>
-          </a:p>
-        </p:txBody>
-      </p:sp>
-      <p:sp>
-        <p:nvSpPr>
-          <p:cNvPr id="6" name="Oval 5">
-            <a:extLst>
-              <a:ext uri="{FF2B5EF4-FFF2-40B4-BE49-F238E27FC236}">
-                <a16:creationId xmlns:a16="http://schemas.microsoft.com/office/drawing/2014/main" id="{BF943310-C5BB-5A6F-DCD8-4A6629632915}"/>
-              </a:ext>
-            </a:extLst>
-          </p:cNvPr>
-          <p:cNvSpPr/>
-          <p:nvPr/>
-        </p:nvSpPr>
-        <p:spPr>
-          <a:xfrm>
-            <a:off x="1633873" y="2847976"/>
-            <a:ext cx="1747502" cy="1601152"/>
-          </a:xfrm>
-          <a:prstGeom prst="ellipse">
-            <a:avLst/>
-          </a:prstGeom>
-        </p:spPr>
-        <p:style>
-          <a:lnRef idx="2">
-            <a:schemeClr val="accent5">
-              <a:shade val="15000"/>
-            </a:schemeClr>
-          </a:lnRef>
-          <a:fillRef idx="1">
-            <a:schemeClr val="accent5"/>
-          </a:fillRef>
-          <a:effectRef idx="0">
-            <a:schemeClr val="accent5"/>
-          </a:effectRef>
-          <a:fontRef idx="minor">
-            <a:schemeClr val="lt1"/>
-          </a:fontRef>
-        </p:style>
-        <p:txBody>
-          <a:bodyPr tIns="0" rtlCol="0" anchor="t" anchorCtr="0"/>
-          <a:lstStyle/>
-          <a:p>
-            <a:pPr algn="ctr"/>
+              <a:t>Location</a:t>
+            </a:r>
+          </a:p>
+          <a:p>
+            <a:pPr lvl="1"/>
             <a:r>
               <a:rPr lang="en-CA" dirty="0"/>
-              <a:t>PTV</a:t>
-            </a:r>
-          </a:p>
-        </p:txBody>
-      </p:sp>
-      <p:sp>
-        <p:nvSpPr>
-          <p:cNvPr id="5" name="Oval 4">
-            <a:extLst>
-              <a:ext uri="{FF2B5EF4-FFF2-40B4-BE49-F238E27FC236}">
-                <a16:creationId xmlns:a16="http://schemas.microsoft.com/office/drawing/2014/main" id="{2FF6F36E-59D6-4EBE-7385-9405CBD94F61}"/>
-              </a:ext>
-            </a:extLst>
-          </p:cNvPr>
-          <p:cNvSpPr/>
-          <p:nvPr/>
-        </p:nvSpPr>
-        <p:spPr>
-          <a:xfrm>
-            <a:off x="2087143" y="3380042"/>
-            <a:ext cx="840961" cy="819530"/>
-          </a:xfrm>
-          <a:prstGeom prst="ellipse">
-            <a:avLst/>
-          </a:prstGeom>
-        </p:spPr>
-        <p:style>
-          <a:lnRef idx="2">
-            <a:schemeClr val="accent2">
-              <a:shade val="15000"/>
-            </a:schemeClr>
-          </a:lnRef>
-          <a:fillRef idx="1">
-            <a:schemeClr val="accent2"/>
-          </a:fillRef>
-          <a:effectRef idx="0">
-            <a:schemeClr val="accent2"/>
-          </a:effectRef>
-          <a:fontRef idx="minor">
-            <a:schemeClr val="lt1"/>
-          </a:fontRef>
-        </p:style>
-        <p:txBody>
-          <a:bodyPr rtlCol="0" anchor="ctr"/>
-          <a:lstStyle/>
-          <a:p>
-            <a:pPr algn="ctr"/>
+              <a:t>Energy deposited (dose)</a:t>
+            </a:r>
+          </a:p>
+          <a:p>
+            <a:pPr lvl="1"/>
             <a:r>
               <a:rPr lang="en-CA" dirty="0"/>
-              <a:t>CTV</a:t>
-            </a:r>
-          </a:p>
-        </p:txBody>
-      </p:sp>
-      <p:sp>
-        <p:nvSpPr>
-          <p:cNvPr id="8" name="Oval 7">
-            <a:extLst>
-              <a:ext uri="{FF2B5EF4-FFF2-40B4-BE49-F238E27FC236}">
-                <a16:creationId xmlns:a16="http://schemas.microsoft.com/office/drawing/2014/main" id="{31E3F2BF-BFBD-0E54-4B62-F403A926CE75}"/>
-              </a:ext>
-            </a:extLst>
-          </p:cNvPr>
-          <p:cNvSpPr/>
-          <p:nvPr/>
-        </p:nvSpPr>
-        <p:spPr>
-          <a:xfrm>
-            <a:off x="6518149" y="2630043"/>
-            <a:ext cx="5069015" cy="2319527"/>
-          </a:xfrm>
-          <a:prstGeom prst="ellipse">
-            <a:avLst/>
-          </a:prstGeom>
-        </p:spPr>
-        <p:style>
-          <a:lnRef idx="2">
-            <a:schemeClr val="accent2">
-              <a:shade val="15000"/>
-            </a:schemeClr>
-          </a:lnRef>
-          <a:fillRef idx="1">
-            <a:schemeClr val="accent2"/>
-          </a:fillRef>
-          <a:effectRef idx="0">
-            <a:schemeClr val="accent2"/>
-          </a:effectRef>
-          <a:fontRef idx="minor">
-            <a:schemeClr val="lt1"/>
-          </a:fontRef>
-        </p:style>
-        <p:txBody>
-          <a:bodyPr rtlCol="0" anchor="ctr"/>
-          <a:lstStyle/>
-          <a:p>
-            <a:pPr algn="ctr"/>
-            <a:r>
-              <a:rPr lang="en-CA" dirty="0"/>
-              <a:t>CTV = Body Contour</a:t>
-            </a:r>
-          </a:p>
-        </p:txBody>
-      </p:sp>
-      <p:sp>
-        <p:nvSpPr>
-          <p:cNvPr id="9" name="TextBox 8">
-            <a:extLst>
-              <a:ext uri="{FF2B5EF4-FFF2-40B4-BE49-F238E27FC236}">
-                <a16:creationId xmlns:a16="http://schemas.microsoft.com/office/drawing/2014/main" id="{5D1C0414-FF09-72D3-2C2C-DB88A6794554}"/>
-              </a:ext>
-            </a:extLst>
-          </p:cNvPr>
-          <p:cNvSpPr txBox="1"/>
-          <p:nvPr/>
-        </p:nvSpPr>
-        <p:spPr>
-          <a:xfrm>
-            <a:off x="401765" y="2038088"/>
-            <a:ext cx="4667250" cy="369332"/>
-          </a:xfrm>
-          <a:prstGeom prst="rect">
-            <a:avLst/>
-          </a:prstGeom>
-          <a:noFill/>
-        </p:spPr>
-        <p:txBody>
-          <a:bodyPr wrap="square" rtlCol="0">
-            <a:spAutoFit/>
-          </a:bodyPr>
-          <a:lstStyle/>
-          <a:p>
-            <a:pPr algn="ctr"/>
-            <a:r>
-              <a:rPr lang="en-CA" dirty="0"/>
-              <a:t>Solid Tumour Treatment Planning </a:t>
-            </a:r>
-          </a:p>
-        </p:txBody>
-      </p:sp>
-      <p:sp>
-        <p:nvSpPr>
-          <p:cNvPr id="10" name="TextBox 9">
-            <a:extLst>
-              <a:ext uri="{FF2B5EF4-FFF2-40B4-BE49-F238E27FC236}">
-                <a16:creationId xmlns:a16="http://schemas.microsoft.com/office/drawing/2014/main" id="{8608BF73-96D7-9741-D6DA-4613D54C02D7}"/>
-              </a:ext>
-            </a:extLst>
-          </p:cNvPr>
-          <p:cNvSpPr txBox="1"/>
-          <p:nvPr/>
-        </p:nvSpPr>
-        <p:spPr>
-          <a:xfrm>
-            <a:off x="6719031" y="2056876"/>
-            <a:ext cx="4667250" cy="369332"/>
-          </a:xfrm>
-          <a:prstGeom prst="rect">
-            <a:avLst/>
-          </a:prstGeom>
-          <a:noFill/>
-        </p:spPr>
-        <p:txBody>
-          <a:bodyPr wrap="square" rtlCol="0">
-            <a:spAutoFit/>
-          </a:bodyPr>
-          <a:lstStyle/>
-          <a:p>
-            <a:pPr algn="ctr"/>
-            <a:r>
-              <a:rPr lang="en-CA" dirty="0"/>
-              <a:t>Total Body Irradiation Treatment Planning </a:t>
-            </a:r>
-          </a:p>
-        </p:txBody>
-      </p:sp>
-      <p:sp>
-        <p:nvSpPr>
-          <p:cNvPr id="12" name="TextBox 11">
-            <a:extLst>
-              <a:ext uri="{FF2B5EF4-FFF2-40B4-BE49-F238E27FC236}">
-                <a16:creationId xmlns:a16="http://schemas.microsoft.com/office/drawing/2014/main" id="{CC102AEB-615D-8A30-51AC-D65FE25C0DC2}"/>
-              </a:ext>
-            </a:extLst>
-          </p:cNvPr>
-          <p:cNvSpPr txBox="1"/>
-          <p:nvPr/>
-        </p:nvSpPr>
-        <p:spPr>
-          <a:xfrm>
-            <a:off x="6614255" y="5324593"/>
-            <a:ext cx="5263419" cy="923330"/>
-          </a:xfrm>
-          <a:prstGeom prst="rect">
-            <a:avLst/>
-          </a:prstGeom>
-          <a:noFill/>
-        </p:spPr>
-        <p:txBody>
-          <a:bodyPr wrap="square" rtlCol="0">
-            <a:spAutoFit/>
-          </a:bodyPr>
-          <a:lstStyle/>
-          <a:p>
-            <a:r>
-              <a:rPr lang="en-CA" dirty="0"/>
-              <a:t>The PTV extends outside of the patient’s body. Thus, we are planning to achieve the Rx in the air -&gt; higher fluence. </a:t>
+              <a:t>Time spent within the modelled arteries </a:t>
+            </a:r>
+          </a:p>
+          <a:p>
+            <a:r>
+              <a:rPr lang="en-CA" dirty="0">
+                <a:solidFill>
+                  <a:schemeClr val="bg1"/>
+                </a:solidFill>
+              </a:rPr>
+              <a:t>At t &lt; 0 </a:t>
+            </a:r>
+          </a:p>
+          <a:p>
+            <a:pPr lvl="1"/>
+            <a:r>
+              <a:rPr lang="en-CA" dirty="0">
+                <a:solidFill>
+                  <a:schemeClr val="bg1"/>
+                </a:solidFill>
+              </a:rPr>
+              <a:t>Seed blood volumes, all starting at the aortic root</a:t>
+            </a:r>
+          </a:p>
+          <a:p>
+            <a:pPr lvl="1"/>
+            <a:r>
+              <a:rPr lang="en-CA" dirty="0">
+                <a:solidFill>
+                  <a:schemeClr val="bg1"/>
+                </a:solidFill>
+              </a:rPr>
+              <a:t>Random start times to prevent clustering</a:t>
+            </a:r>
+          </a:p>
+          <a:p>
+            <a:r>
+              <a:rPr lang="en-CA" dirty="0">
+                <a:solidFill>
+                  <a:schemeClr val="bg1"/>
+                </a:solidFill>
+              </a:rPr>
+              <a:t>t &gt;= 0 sec</a:t>
+            </a:r>
+          </a:p>
+          <a:p>
+            <a:pPr lvl="1"/>
+            <a:r>
+              <a:rPr lang="en-CA" dirty="0">
+                <a:solidFill>
+                  <a:schemeClr val="bg1"/>
+                </a:solidFill>
+              </a:rPr>
+              <a:t>Track the volumes through the known arteries</a:t>
+            </a:r>
+          </a:p>
+          <a:p>
+            <a:pPr lvl="1"/>
+            <a:r>
+              <a:rPr lang="en-CA" dirty="0">
+                <a:solidFill>
+                  <a:schemeClr val="bg1"/>
+                </a:solidFill>
+              </a:rPr>
+              <a:t>Assume 60 secs from aortic root to aortic root, “Round trip”. ~5 L blood volume and ~ 4-8 L/min cardiac output. TBD</a:t>
+            </a:r>
+          </a:p>
+          <a:p>
+            <a:r>
+              <a:rPr lang="en-CA" dirty="0">
+                <a:solidFill>
+                  <a:schemeClr val="bg1"/>
+                </a:solidFill>
+              </a:rPr>
+              <a:t>Calculated dose / total time of exposure will be compared</a:t>
             </a:r>
           </a:p>
         </p:txBody>
@@ -5389,7 +5862,7 @@
     </p:spTree>
     <p:extLst>
       <p:ext uri="{BB962C8B-B14F-4D97-AF65-F5344CB8AC3E}">
-        <p14:creationId xmlns:p14="http://schemas.microsoft.com/office/powerpoint/2010/main" val="2628769127"/>
+        <p14:creationId xmlns:p14="http://schemas.microsoft.com/office/powerpoint/2010/main" val="715431123"/>
       </p:ext>
     </p:extLst>
   </p:cSld>
@@ -5418,38 +5891,10 @@
       </p:grpSpPr>
       <p:sp>
         <p:nvSpPr>
-          <p:cNvPr id="2" name="Title 1">
-            <a:extLst>
-              <a:ext uri="{FF2B5EF4-FFF2-40B4-BE49-F238E27FC236}">
-                <a16:creationId xmlns:a16="http://schemas.microsoft.com/office/drawing/2014/main" id="{159C92A7-67D4-8BC1-D8A6-3CF356D70517}"/>
-              </a:ext>
-            </a:extLst>
-          </p:cNvPr>
-          <p:cNvSpPr>
-            <a:spLocks noGrp="1"/>
-          </p:cNvSpPr>
-          <p:nvPr>
-            <p:ph type="title"/>
-          </p:nvPr>
-        </p:nvSpPr>
-        <p:spPr/>
-        <p:txBody>
-          <a:bodyPr/>
-          <a:lstStyle/>
-          <a:p>
-            <a:r>
-              <a:rPr lang="en-CA" dirty="0"/>
-              <a:t>New Project – TBI Treatment Margins</a:t>
-            </a:r>
-          </a:p>
-        </p:txBody>
-      </p:sp>
-      <p:sp>
-        <p:nvSpPr>
           <p:cNvPr id="3" name="Content Placeholder 2">
             <a:extLst>
               <a:ext uri="{FF2B5EF4-FFF2-40B4-BE49-F238E27FC236}">
-                <a16:creationId xmlns:a16="http://schemas.microsoft.com/office/drawing/2014/main" id="{42D89693-0262-7CC8-55AC-AD1F2B9A26C4}"/>
+                <a16:creationId xmlns:a16="http://schemas.microsoft.com/office/drawing/2014/main" id="{45AF15DC-9DB4-DD5A-BCBE-42F02227020B}"/>
               </a:ext>
             </a:extLst>
           </p:cNvPr>
@@ -5460,7 +5905,12 @@
             <p:ph idx="1"/>
           </p:nvPr>
         </p:nvSpPr>
-        <p:spPr/>
+        <p:spPr>
+          <a:xfrm>
+            <a:off x="838200" y="685800"/>
+            <a:ext cx="10515600" cy="5491163"/>
+          </a:xfrm>
+        </p:spPr>
         <p:txBody>
           <a:bodyPr>
             <a:normAutofit/>
@@ -5469,6 +5919,1019 @@
           <a:p>
             <a:r>
               <a:rPr lang="en-CA" dirty="0"/>
+              <a:t>Blood volumes will have the following properties within the simulation:</a:t>
+            </a:r>
+          </a:p>
+          <a:p>
+            <a:pPr lvl="1"/>
+            <a:r>
+              <a:rPr lang="en-CA" dirty="0"/>
+              <a:t>Location</a:t>
+            </a:r>
+          </a:p>
+          <a:p>
+            <a:pPr lvl="1"/>
+            <a:r>
+              <a:rPr lang="en-CA" dirty="0"/>
+              <a:t>Energy deposited (dose)</a:t>
+            </a:r>
+          </a:p>
+          <a:p>
+            <a:pPr lvl="1"/>
+            <a:r>
+              <a:rPr lang="en-CA" dirty="0"/>
+              <a:t>Time spent within the modelled arteries </a:t>
+            </a:r>
+          </a:p>
+          <a:p>
+            <a:r>
+              <a:rPr lang="en-CA" dirty="0"/>
+              <a:t>At t &lt; 0 </a:t>
+            </a:r>
+          </a:p>
+          <a:p>
+            <a:pPr lvl="1"/>
+            <a:r>
+              <a:rPr lang="en-CA" dirty="0"/>
+              <a:t>Seed blood volumes, all starting at the aortic root</a:t>
+            </a:r>
+          </a:p>
+          <a:p>
+            <a:pPr lvl="1"/>
+            <a:r>
+              <a:rPr lang="en-CA" dirty="0"/>
+              <a:t>Random start times to prevent clustering</a:t>
+            </a:r>
+          </a:p>
+          <a:p>
+            <a:r>
+              <a:rPr lang="en-CA" dirty="0">
+                <a:solidFill>
+                  <a:schemeClr val="bg1"/>
+                </a:solidFill>
+              </a:rPr>
+              <a:t>t &gt;= 0 sec</a:t>
+            </a:r>
+          </a:p>
+          <a:p>
+            <a:pPr lvl="1"/>
+            <a:r>
+              <a:rPr lang="en-CA" dirty="0">
+                <a:solidFill>
+                  <a:schemeClr val="bg1"/>
+                </a:solidFill>
+              </a:rPr>
+              <a:t>Track the volumes through the known arteries</a:t>
+            </a:r>
+          </a:p>
+          <a:p>
+            <a:pPr lvl="1"/>
+            <a:r>
+              <a:rPr lang="en-CA" dirty="0">
+                <a:solidFill>
+                  <a:schemeClr val="bg1"/>
+                </a:solidFill>
+              </a:rPr>
+              <a:t>Assume 60 secs from aortic root to aortic root, “Round trip”. ~5 L blood volume and ~ 4-8 L/min cardiac output. TBD</a:t>
+            </a:r>
+          </a:p>
+          <a:p>
+            <a:r>
+              <a:rPr lang="en-CA" dirty="0">
+                <a:solidFill>
+                  <a:schemeClr val="bg1"/>
+                </a:solidFill>
+              </a:rPr>
+              <a:t>Calculated dose / total time of exposure will be compared</a:t>
+            </a:r>
+          </a:p>
+        </p:txBody>
+      </p:sp>
+    </p:spTree>
+    <p:extLst>
+      <p:ext uri="{BB962C8B-B14F-4D97-AF65-F5344CB8AC3E}">
+        <p14:creationId xmlns:p14="http://schemas.microsoft.com/office/powerpoint/2010/main" val="3817339566"/>
+      </p:ext>
+    </p:extLst>
+  </p:cSld>
+  <p:clrMapOvr>
+    <a:masterClrMapping/>
+  </p:clrMapOvr>
+</p:sld>
+</file>
+
+<file path=ppt/slides/slide14.xml><?xml version="1.0" encoding="utf-8"?>
+<p:sld xmlns:a="http://schemas.openxmlformats.org/drawingml/2006/main" xmlns:r="http://schemas.openxmlformats.org/officeDocument/2006/relationships" xmlns:p="http://schemas.openxmlformats.org/presentationml/2006/main">
+  <p:cSld>
+    <p:spTree>
+      <p:nvGrpSpPr>
+        <p:cNvPr id="1" name=""/>
+        <p:cNvGrpSpPr/>
+        <p:nvPr/>
+      </p:nvGrpSpPr>
+      <p:grpSpPr>
+        <a:xfrm>
+          <a:off x="0" y="0"/>
+          <a:ext cx="0" cy="0"/>
+          <a:chOff x="0" y="0"/>
+          <a:chExt cx="0" cy="0"/>
+        </a:xfrm>
+      </p:grpSpPr>
+      <p:sp>
+        <p:nvSpPr>
+          <p:cNvPr id="3" name="Content Placeholder 2">
+            <a:extLst>
+              <a:ext uri="{FF2B5EF4-FFF2-40B4-BE49-F238E27FC236}">
+                <a16:creationId xmlns:a16="http://schemas.microsoft.com/office/drawing/2014/main" id="{45AF15DC-9DB4-DD5A-BCBE-42F02227020B}"/>
+              </a:ext>
+            </a:extLst>
+          </p:cNvPr>
+          <p:cNvSpPr>
+            <a:spLocks noGrp="1"/>
+          </p:cNvSpPr>
+          <p:nvPr>
+            <p:ph idx="1"/>
+          </p:nvPr>
+        </p:nvSpPr>
+        <p:spPr>
+          <a:xfrm>
+            <a:off x="838200" y="685800"/>
+            <a:ext cx="10515600" cy="5491163"/>
+          </a:xfrm>
+        </p:spPr>
+        <p:txBody>
+          <a:bodyPr>
+            <a:normAutofit/>
+          </a:bodyPr>
+          <a:lstStyle/>
+          <a:p>
+            <a:r>
+              <a:rPr lang="en-CA" dirty="0"/>
+              <a:t>Blood volumes will have the following properties within the simulation:</a:t>
+            </a:r>
+          </a:p>
+          <a:p>
+            <a:pPr lvl="1"/>
+            <a:r>
+              <a:rPr lang="en-CA" dirty="0"/>
+              <a:t>Location</a:t>
+            </a:r>
+          </a:p>
+          <a:p>
+            <a:pPr lvl="1"/>
+            <a:r>
+              <a:rPr lang="en-CA" dirty="0"/>
+              <a:t>Energy deposited (dose)</a:t>
+            </a:r>
+          </a:p>
+          <a:p>
+            <a:pPr lvl="1"/>
+            <a:r>
+              <a:rPr lang="en-CA" dirty="0"/>
+              <a:t>Time spent within the modelled arteries </a:t>
+            </a:r>
+          </a:p>
+          <a:p>
+            <a:r>
+              <a:rPr lang="en-CA" dirty="0"/>
+              <a:t>At t &lt; 0 </a:t>
+            </a:r>
+          </a:p>
+          <a:p>
+            <a:pPr lvl="1"/>
+            <a:r>
+              <a:rPr lang="en-CA" dirty="0"/>
+              <a:t>Seed blood volumes, all starting at the aortic root</a:t>
+            </a:r>
+          </a:p>
+          <a:p>
+            <a:pPr lvl="1"/>
+            <a:r>
+              <a:rPr lang="en-CA" dirty="0"/>
+              <a:t>Random start times to prevent clustering</a:t>
+            </a:r>
+          </a:p>
+          <a:p>
+            <a:r>
+              <a:rPr lang="en-CA" dirty="0"/>
+              <a:t>t &gt;= 0 sec</a:t>
+            </a:r>
+          </a:p>
+          <a:p>
+            <a:pPr lvl="1"/>
+            <a:r>
+              <a:rPr lang="en-CA" dirty="0"/>
+              <a:t>Track the volumes through the known arteries</a:t>
+            </a:r>
+          </a:p>
+          <a:p>
+            <a:pPr lvl="1"/>
+            <a:r>
+              <a:rPr lang="en-CA" dirty="0"/>
+              <a:t>Assume 60 secs from aortic root to aortic root, “Round trip”. ~5 L blood volume and ~ 4-8 L/min cardiac output. TBD</a:t>
+            </a:r>
+          </a:p>
+          <a:p>
+            <a:r>
+              <a:rPr lang="en-CA" dirty="0"/>
+              <a:t>Calculated dose / total time of exposure will be compared</a:t>
+            </a:r>
+          </a:p>
+        </p:txBody>
+      </p:sp>
+    </p:spTree>
+    <p:extLst>
+      <p:ext uri="{BB962C8B-B14F-4D97-AF65-F5344CB8AC3E}">
+        <p14:creationId xmlns:p14="http://schemas.microsoft.com/office/powerpoint/2010/main" val="1394578095"/>
+      </p:ext>
+    </p:extLst>
+  </p:cSld>
+  <p:clrMapOvr>
+    <a:masterClrMapping/>
+  </p:clrMapOvr>
+</p:sld>
+</file>
+
+<file path=ppt/slides/slide15.xml><?xml version="1.0" encoding="utf-8"?>
+<p:sld xmlns:a="http://schemas.openxmlformats.org/drawingml/2006/main" xmlns:r="http://schemas.openxmlformats.org/officeDocument/2006/relationships" xmlns:p="http://schemas.openxmlformats.org/presentationml/2006/main">
+  <p:cSld>
+    <p:spTree>
+      <p:nvGrpSpPr>
+        <p:cNvPr id="1" name=""/>
+        <p:cNvGrpSpPr/>
+        <p:nvPr/>
+      </p:nvGrpSpPr>
+      <p:grpSpPr>
+        <a:xfrm>
+          <a:off x="0" y="0"/>
+          <a:ext cx="0" cy="0"/>
+          <a:chOff x="0" y="0"/>
+          <a:chExt cx="0" cy="0"/>
+        </a:xfrm>
+      </p:grpSpPr>
+      <p:sp>
+        <p:nvSpPr>
+          <p:cNvPr id="2" name="Title 1">
+            <a:extLst>
+              <a:ext uri="{FF2B5EF4-FFF2-40B4-BE49-F238E27FC236}">
+                <a16:creationId xmlns:a16="http://schemas.microsoft.com/office/drawing/2014/main" id="{27333CB3-3BEB-E5C5-04C6-50DC80C64041}"/>
+              </a:ext>
+            </a:extLst>
+          </p:cNvPr>
+          <p:cNvSpPr>
+            <a:spLocks noGrp="1"/>
+          </p:cNvSpPr>
+          <p:nvPr>
+            <p:ph type="title"/>
+          </p:nvPr>
+        </p:nvSpPr>
+        <p:spPr/>
+        <p:txBody>
+          <a:bodyPr/>
+          <a:lstStyle/>
+          <a:p>
+            <a:r>
+              <a:rPr lang="en-CA" dirty="0"/>
+              <a:t>Questions?</a:t>
+            </a:r>
+          </a:p>
+        </p:txBody>
+      </p:sp>
+      <p:sp>
+        <p:nvSpPr>
+          <p:cNvPr id="3" name="Content Placeholder 2">
+            <a:extLst>
+              <a:ext uri="{FF2B5EF4-FFF2-40B4-BE49-F238E27FC236}">
+                <a16:creationId xmlns:a16="http://schemas.microsoft.com/office/drawing/2014/main" id="{4EAFCC85-588E-89F6-8747-D804D154A5C9}"/>
+              </a:ext>
+            </a:extLst>
+          </p:cNvPr>
+          <p:cNvSpPr>
+            <a:spLocks noGrp="1"/>
+          </p:cNvSpPr>
+          <p:nvPr>
+            <p:ph idx="1"/>
+          </p:nvPr>
+        </p:nvSpPr>
+        <p:spPr/>
+        <p:txBody>
+          <a:bodyPr/>
+          <a:lstStyle/>
+          <a:p>
+            <a:endParaRPr lang="en-CA" dirty="0"/>
+          </a:p>
+        </p:txBody>
+      </p:sp>
+    </p:spTree>
+    <p:extLst>
+      <p:ext uri="{BB962C8B-B14F-4D97-AF65-F5344CB8AC3E}">
+        <p14:creationId xmlns:p14="http://schemas.microsoft.com/office/powerpoint/2010/main" val="663965783"/>
+      </p:ext>
+    </p:extLst>
+  </p:cSld>
+  <p:clrMapOvr>
+    <a:masterClrMapping/>
+  </p:clrMapOvr>
+</p:sld>
+</file>
+
+<file path=ppt/slides/slide16.xml><?xml version="1.0" encoding="utf-8"?>
+<p:sld xmlns:a="http://schemas.openxmlformats.org/drawingml/2006/main" xmlns:r="http://schemas.openxmlformats.org/officeDocument/2006/relationships" xmlns:p="http://schemas.openxmlformats.org/presentationml/2006/main">
+  <p:cSld>
+    <p:spTree>
+      <p:nvGrpSpPr>
+        <p:cNvPr id="1" name=""/>
+        <p:cNvGrpSpPr/>
+        <p:nvPr/>
+      </p:nvGrpSpPr>
+      <p:grpSpPr>
+        <a:xfrm>
+          <a:off x="0" y="0"/>
+          <a:ext cx="0" cy="0"/>
+          <a:chOff x="0" y="0"/>
+          <a:chExt cx="0" cy="0"/>
+        </a:xfrm>
+      </p:grpSpPr>
+      <p:sp>
+        <p:nvSpPr>
+          <p:cNvPr id="2" name="Title 1">
+            <a:extLst>
+              <a:ext uri="{FF2B5EF4-FFF2-40B4-BE49-F238E27FC236}">
+                <a16:creationId xmlns:a16="http://schemas.microsoft.com/office/drawing/2014/main" id="{6D632F22-1599-815C-9A57-4008B1991C68}"/>
+              </a:ext>
+            </a:extLst>
+          </p:cNvPr>
+          <p:cNvSpPr>
+            <a:spLocks noGrp="1"/>
+          </p:cNvSpPr>
+          <p:nvPr>
+            <p:ph type="title"/>
+          </p:nvPr>
+        </p:nvSpPr>
+        <p:spPr/>
+        <p:txBody>
+          <a:bodyPr/>
+          <a:lstStyle/>
+          <a:p>
+            <a:r>
+              <a:rPr lang="en-CA" dirty="0"/>
+              <a:t>Current Status – Beam Modelling</a:t>
+            </a:r>
+          </a:p>
+        </p:txBody>
+      </p:sp>
+      <p:sp>
+        <p:nvSpPr>
+          <p:cNvPr id="3" name="Content Placeholder 2">
+            <a:extLst>
+              <a:ext uri="{FF2B5EF4-FFF2-40B4-BE49-F238E27FC236}">
+                <a16:creationId xmlns:a16="http://schemas.microsoft.com/office/drawing/2014/main" id="{27F9D53C-CDEC-46D6-B91B-B41EE488CF17}"/>
+              </a:ext>
+            </a:extLst>
+          </p:cNvPr>
+          <p:cNvSpPr>
+            <a:spLocks noGrp="1"/>
+          </p:cNvSpPr>
+          <p:nvPr>
+            <p:ph idx="1"/>
+          </p:nvPr>
+        </p:nvSpPr>
+        <p:spPr/>
+        <p:txBody>
+          <a:bodyPr>
+            <a:normAutofit/>
+          </a:bodyPr>
+          <a:lstStyle/>
+          <a:p>
+            <a:r>
+              <a:rPr lang="en-CA" dirty="0"/>
+              <a:t>With my work with Dr. Popescu preparing data for the CARO 2024 poster I’ve looking at modelling our sweeping Co-60. </a:t>
+            </a:r>
+          </a:p>
+          <a:p>
+            <a:r>
+              <a:rPr lang="en-CA" dirty="0"/>
+              <a:t>Co-60 modelling is currently being updated from Levi Burns’ work [1].</a:t>
+            </a:r>
+          </a:p>
+          <a:p>
+            <a:pPr marL="0" indent="0">
+              <a:buNone/>
+            </a:pPr>
+            <a:endParaRPr lang="en-CA" dirty="0"/>
+          </a:p>
+          <a:p>
+            <a:pPr marL="0" indent="0">
+              <a:buNone/>
+            </a:pPr>
+            <a:r>
+              <a:rPr lang="en-CA" dirty="0"/>
+              <a:t>Novel inquiries:</a:t>
+            </a:r>
+          </a:p>
+          <a:p>
+            <a:pPr lvl="1"/>
+            <a:r>
+              <a:rPr lang="en-CA" dirty="0"/>
+              <a:t>Does the cropping of patient CTs (chin to pelvis) affect the dose calculations significantly? Using the 4D XCAT phantom we can calculate cropped and uncropped dose to compare. </a:t>
+            </a:r>
+          </a:p>
+          <a:p>
+            <a:pPr lvl="1"/>
+            <a:r>
+              <a:rPr lang="en-CA" dirty="0"/>
+              <a:t>Yet to examine dose rate during Co-60 treatment.</a:t>
+            </a:r>
+          </a:p>
+        </p:txBody>
+      </p:sp>
+    </p:spTree>
+    <p:extLst>
+      <p:ext uri="{BB962C8B-B14F-4D97-AF65-F5344CB8AC3E}">
+        <p14:creationId xmlns:p14="http://schemas.microsoft.com/office/powerpoint/2010/main" val="3726361935"/>
+      </p:ext>
+    </p:extLst>
+  </p:cSld>
+  <p:clrMapOvr>
+    <a:masterClrMapping/>
+  </p:clrMapOvr>
+</p:sld>
+</file>
+
+<file path=ppt/slides/slide17.xml><?xml version="1.0" encoding="utf-8"?>
+<p:sld xmlns:a="http://schemas.openxmlformats.org/drawingml/2006/main" xmlns:r="http://schemas.openxmlformats.org/officeDocument/2006/relationships" xmlns:p="http://schemas.openxmlformats.org/presentationml/2006/main">
+  <p:cSld>
+    <p:spTree>
+      <p:nvGrpSpPr>
+        <p:cNvPr id="1" name=""/>
+        <p:cNvGrpSpPr/>
+        <p:nvPr/>
+      </p:nvGrpSpPr>
+      <p:grpSpPr>
+        <a:xfrm>
+          <a:off x="0" y="0"/>
+          <a:ext cx="0" cy="0"/>
+          <a:chOff x="0" y="0"/>
+          <a:chExt cx="0" cy="0"/>
+        </a:xfrm>
+      </p:grpSpPr>
+      <p:sp>
+        <p:nvSpPr>
+          <p:cNvPr id="2" name="Title 1">
+            <a:extLst>
+              <a:ext uri="{FF2B5EF4-FFF2-40B4-BE49-F238E27FC236}">
+                <a16:creationId xmlns:a16="http://schemas.microsoft.com/office/drawing/2014/main" id="{27333CB3-3BEB-E5C5-04C6-50DC80C64041}"/>
+              </a:ext>
+            </a:extLst>
+          </p:cNvPr>
+          <p:cNvSpPr>
+            <a:spLocks noGrp="1"/>
+          </p:cNvSpPr>
+          <p:nvPr>
+            <p:ph type="title"/>
+          </p:nvPr>
+        </p:nvSpPr>
+        <p:spPr/>
+        <p:txBody>
+          <a:bodyPr/>
+          <a:lstStyle/>
+          <a:p>
+            <a:r>
+              <a:rPr lang="en-CA" dirty="0"/>
+              <a:t>Questions?</a:t>
+            </a:r>
+          </a:p>
+        </p:txBody>
+      </p:sp>
+      <p:sp>
+        <p:nvSpPr>
+          <p:cNvPr id="3" name="Content Placeholder 2">
+            <a:extLst>
+              <a:ext uri="{FF2B5EF4-FFF2-40B4-BE49-F238E27FC236}">
+                <a16:creationId xmlns:a16="http://schemas.microsoft.com/office/drawing/2014/main" id="{4EAFCC85-588E-89F6-8747-D804D154A5C9}"/>
+              </a:ext>
+            </a:extLst>
+          </p:cNvPr>
+          <p:cNvSpPr>
+            <a:spLocks noGrp="1"/>
+          </p:cNvSpPr>
+          <p:nvPr>
+            <p:ph idx="1"/>
+          </p:nvPr>
+        </p:nvSpPr>
+        <p:spPr/>
+        <p:txBody>
+          <a:bodyPr/>
+          <a:lstStyle/>
+          <a:p>
+            <a:endParaRPr lang="en-CA" dirty="0"/>
+          </a:p>
+        </p:txBody>
+      </p:sp>
+    </p:spTree>
+    <p:extLst>
+      <p:ext uri="{BB962C8B-B14F-4D97-AF65-F5344CB8AC3E}">
+        <p14:creationId xmlns:p14="http://schemas.microsoft.com/office/powerpoint/2010/main" val="2623151968"/>
+      </p:ext>
+    </p:extLst>
+  </p:cSld>
+  <p:clrMapOvr>
+    <a:masterClrMapping/>
+  </p:clrMapOvr>
+</p:sld>
+</file>
+
+<file path=ppt/slides/slide18.xml><?xml version="1.0" encoding="utf-8"?>
+<p:sld xmlns:a="http://schemas.openxmlformats.org/drawingml/2006/main" xmlns:r="http://schemas.openxmlformats.org/officeDocument/2006/relationships" xmlns:p="http://schemas.openxmlformats.org/presentationml/2006/main">
+  <p:cSld>
+    <p:spTree>
+      <p:nvGrpSpPr>
+        <p:cNvPr id="1" name=""/>
+        <p:cNvGrpSpPr/>
+        <p:nvPr/>
+      </p:nvGrpSpPr>
+      <p:grpSpPr>
+        <a:xfrm>
+          <a:off x="0" y="0"/>
+          <a:ext cx="0" cy="0"/>
+          <a:chOff x="0" y="0"/>
+          <a:chExt cx="0" cy="0"/>
+        </a:xfrm>
+      </p:grpSpPr>
+      <p:sp>
+        <p:nvSpPr>
+          <p:cNvPr id="11" name="Oval 10">
+            <a:extLst>
+              <a:ext uri="{FF2B5EF4-FFF2-40B4-BE49-F238E27FC236}">
+                <a16:creationId xmlns:a16="http://schemas.microsoft.com/office/drawing/2014/main" id="{BE441CB7-9B1A-CC68-F1B0-C3C580BCBA33}"/>
+              </a:ext>
+            </a:extLst>
+          </p:cNvPr>
+          <p:cNvSpPr/>
+          <p:nvPr/>
+        </p:nvSpPr>
+        <p:spPr>
+          <a:xfrm>
+            <a:off x="6326124" y="1591188"/>
+            <a:ext cx="5453064" cy="2694550"/>
+          </a:xfrm>
+          <a:prstGeom prst="ellipse">
+            <a:avLst/>
+          </a:prstGeom>
+        </p:spPr>
+        <p:style>
+          <a:lnRef idx="2">
+            <a:schemeClr val="accent5">
+              <a:shade val="15000"/>
+            </a:schemeClr>
+          </a:lnRef>
+          <a:fillRef idx="1">
+            <a:schemeClr val="accent5"/>
+          </a:fillRef>
+          <a:effectRef idx="0">
+            <a:schemeClr val="accent5"/>
+          </a:effectRef>
+          <a:fontRef idx="minor">
+            <a:schemeClr val="lt1"/>
+          </a:fontRef>
+        </p:style>
+        <p:txBody>
+          <a:bodyPr rtlCol="0" anchor="ctr"/>
+          <a:lstStyle/>
+          <a:p>
+            <a:pPr algn="ctr"/>
+            <a:r>
+              <a:rPr lang="en-CA" dirty="0"/>
+              <a:t>CTV = Body Contour</a:t>
+            </a:r>
+          </a:p>
+        </p:txBody>
+      </p:sp>
+      <p:sp>
+        <p:nvSpPr>
+          <p:cNvPr id="7" name="Oval 6">
+            <a:extLst>
+              <a:ext uri="{FF2B5EF4-FFF2-40B4-BE49-F238E27FC236}">
+                <a16:creationId xmlns:a16="http://schemas.microsoft.com/office/drawing/2014/main" id="{06295F49-5717-F121-FAA2-F863A480310B}"/>
+              </a:ext>
+            </a:extLst>
+          </p:cNvPr>
+          <p:cNvSpPr/>
+          <p:nvPr/>
+        </p:nvSpPr>
+        <p:spPr>
+          <a:xfrm>
+            <a:off x="0" y="1975104"/>
+            <a:ext cx="5069015" cy="1601153"/>
+          </a:xfrm>
+          <a:prstGeom prst="ellipse">
+            <a:avLst/>
+          </a:prstGeom>
+        </p:spPr>
+        <p:style>
+          <a:lnRef idx="2">
+            <a:schemeClr val="accent3">
+              <a:shade val="15000"/>
+            </a:schemeClr>
+          </a:lnRef>
+          <a:fillRef idx="1">
+            <a:schemeClr val="accent3"/>
+          </a:fillRef>
+          <a:effectRef idx="0">
+            <a:schemeClr val="accent3"/>
+          </a:effectRef>
+          <a:fontRef idx="minor">
+            <a:schemeClr val="lt1"/>
+          </a:fontRef>
+        </p:style>
+        <p:txBody>
+          <a:bodyPr rtlCol="0" anchor="ctr"/>
+          <a:lstStyle/>
+          <a:p>
+            <a:pPr algn="ctr"/>
+            <a:endParaRPr lang="en-CA"/>
+          </a:p>
+        </p:txBody>
+      </p:sp>
+      <p:sp>
+        <p:nvSpPr>
+          <p:cNvPr id="2" name="Title 1">
+            <a:extLst>
+              <a:ext uri="{FF2B5EF4-FFF2-40B4-BE49-F238E27FC236}">
+                <a16:creationId xmlns:a16="http://schemas.microsoft.com/office/drawing/2014/main" id="{AD5586C8-ABB9-6862-C514-CD082D5096A1}"/>
+              </a:ext>
+            </a:extLst>
+          </p:cNvPr>
+          <p:cNvSpPr>
+            <a:spLocks noGrp="1"/>
+          </p:cNvSpPr>
+          <p:nvPr>
+            <p:ph type="title"/>
+          </p:nvPr>
+        </p:nvSpPr>
+        <p:spPr>
+          <a:xfrm>
+            <a:off x="838200" y="365125"/>
+            <a:ext cx="10515600" cy="869315"/>
+          </a:xfrm>
+        </p:spPr>
+        <p:txBody>
+          <a:bodyPr/>
+          <a:lstStyle/>
+          <a:p>
+            <a:r>
+              <a:rPr lang="en-CA" dirty="0"/>
+              <a:t>Margins in TBI </a:t>
+            </a:r>
+          </a:p>
+        </p:txBody>
+      </p:sp>
+      <p:sp>
+        <p:nvSpPr>
+          <p:cNvPr id="6" name="Oval 5">
+            <a:extLst>
+              <a:ext uri="{FF2B5EF4-FFF2-40B4-BE49-F238E27FC236}">
+                <a16:creationId xmlns:a16="http://schemas.microsoft.com/office/drawing/2014/main" id="{BF943310-C5BB-5A6F-DCD8-4A6629632915}"/>
+              </a:ext>
+            </a:extLst>
+          </p:cNvPr>
+          <p:cNvSpPr/>
+          <p:nvPr/>
+        </p:nvSpPr>
+        <p:spPr>
+          <a:xfrm>
+            <a:off x="1633872" y="1997059"/>
+            <a:ext cx="1747502" cy="1601152"/>
+          </a:xfrm>
+          <a:prstGeom prst="ellipse">
+            <a:avLst/>
+          </a:prstGeom>
+        </p:spPr>
+        <p:style>
+          <a:lnRef idx="2">
+            <a:schemeClr val="accent5">
+              <a:shade val="15000"/>
+            </a:schemeClr>
+          </a:lnRef>
+          <a:fillRef idx="1">
+            <a:schemeClr val="accent5"/>
+          </a:fillRef>
+          <a:effectRef idx="0">
+            <a:schemeClr val="accent5"/>
+          </a:effectRef>
+          <a:fontRef idx="minor">
+            <a:schemeClr val="lt1"/>
+          </a:fontRef>
+        </p:style>
+        <p:txBody>
+          <a:bodyPr tIns="0" rtlCol="0" anchor="t" anchorCtr="0"/>
+          <a:lstStyle/>
+          <a:p>
+            <a:pPr algn="ctr"/>
+            <a:r>
+              <a:rPr lang="en-CA" dirty="0"/>
+              <a:t>PTV</a:t>
+            </a:r>
+          </a:p>
+        </p:txBody>
+      </p:sp>
+      <p:sp>
+        <p:nvSpPr>
+          <p:cNvPr id="5" name="Oval 4">
+            <a:extLst>
+              <a:ext uri="{FF2B5EF4-FFF2-40B4-BE49-F238E27FC236}">
+                <a16:creationId xmlns:a16="http://schemas.microsoft.com/office/drawing/2014/main" id="{2FF6F36E-59D6-4EBE-7385-9405CBD94F61}"/>
+              </a:ext>
+            </a:extLst>
+          </p:cNvPr>
+          <p:cNvSpPr/>
+          <p:nvPr/>
+        </p:nvSpPr>
+        <p:spPr>
+          <a:xfrm>
+            <a:off x="2087142" y="2497395"/>
+            <a:ext cx="840961" cy="819530"/>
+          </a:xfrm>
+          <a:prstGeom prst="ellipse">
+            <a:avLst/>
+          </a:prstGeom>
+        </p:spPr>
+        <p:style>
+          <a:lnRef idx="2">
+            <a:schemeClr val="accent2">
+              <a:shade val="15000"/>
+            </a:schemeClr>
+          </a:lnRef>
+          <a:fillRef idx="1">
+            <a:schemeClr val="accent2"/>
+          </a:fillRef>
+          <a:effectRef idx="0">
+            <a:schemeClr val="accent2"/>
+          </a:effectRef>
+          <a:fontRef idx="minor">
+            <a:schemeClr val="lt1"/>
+          </a:fontRef>
+        </p:style>
+        <p:txBody>
+          <a:bodyPr rtlCol="0" anchor="ctr"/>
+          <a:lstStyle/>
+          <a:p>
+            <a:pPr algn="ctr"/>
+            <a:r>
+              <a:rPr lang="en-CA" dirty="0"/>
+              <a:t>CTV</a:t>
+            </a:r>
+          </a:p>
+        </p:txBody>
+      </p:sp>
+      <p:sp>
+        <p:nvSpPr>
+          <p:cNvPr id="8" name="Oval 7">
+            <a:extLst>
+              <a:ext uri="{FF2B5EF4-FFF2-40B4-BE49-F238E27FC236}">
+                <a16:creationId xmlns:a16="http://schemas.microsoft.com/office/drawing/2014/main" id="{31E3F2BF-BFBD-0E54-4B62-F403A926CE75}"/>
+              </a:ext>
+            </a:extLst>
+          </p:cNvPr>
+          <p:cNvSpPr/>
+          <p:nvPr/>
+        </p:nvSpPr>
+        <p:spPr>
+          <a:xfrm>
+            <a:off x="6518148" y="1778699"/>
+            <a:ext cx="5069015" cy="2319527"/>
+          </a:xfrm>
+          <a:prstGeom prst="ellipse">
+            <a:avLst/>
+          </a:prstGeom>
+        </p:spPr>
+        <p:style>
+          <a:lnRef idx="2">
+            <a:schemeClr val="accent2">
+              <a:shade val="15000"/>
+            </a:schemeClr>
+          </a:lnRef>
+          <a:fillRef idx="1">
+            <a:schemeClr val="accent2"/>
+          </a:fillRef>
+          <a:effectRef idx="0">
+            <a:schemeClr val="accent2"/>
+          </a:effectRef>
+          <a:fontRef idx="minor">
+            <a:schemeClr val="lt1"/>
+          </a:fontRef>
+        </p:style>
+        <p:txBody>
+          <a:bodyPr rtlCol="0" anchor="ctr"/>
+          <a:lstStyle/>
+          <a:p>
+            <a:pPr algn="ctr"/>
+            <a:r>
+              <a:rPr lang="en-CA" dirty="0"/>
+              <a:t>CTV = Body Contour</a:t>
+            </a:r>
+          </a:p>
+        </p:txBody>
+      </p:sp>
+      <p:sp>
+        <p:nvSpPr>
+          <p:cNvPr id="9" name="TextBox 8">
+            <a:extLst>
+              <a:ext uri="{FF2B5EF4-FFF2-40B4-BE49-F238E27FC236}">
+                <a16:creationId xmlns:a16="http://schemas.microsoft.com/office/drawing/2014/main" id="{5D1C0414-FF09-72D3-2C2C-DB88A6794554}"/>
+              </a:ext>
+            </a:extLst>
+          </p:cNvPr>
+          <p:cNvSpPr txBox="1"/>
+          <p:nvPr/>
+        </p:nvSpPr>
+        <p:spPr>
+          <a:xfrm>
+            <a:off x="173998" y="1173528"/>
+            <a:ext cx="4667250" cy="369332"/>
+          </a:xfrm>
+          <a:prstGeom prst="rect">
+            <a:avLst/>
+          </a:prstGeom>
+          <a:noFill/>
+        </p:spPr>
+        <p:txBody>
+          <a:bodyPr wrap="square" rtlCol="0">
+            <a:spAutoFit/>
+          </a:bodyPr>
+          <a:lstStyle/>
+          <a:p>
+            <a:pPr algn="ctr"/>
+            <a:r>
+              <a:rPr lang="en-CA" dirty="0"/>
+              <a:t>Solid Tumour Treatment Planning </a:t>
+            </a:r>
+          </a:p>
+        </p:txBody>
+      </p:sp>
+      <p:sp>
+        <p:nvSpPr>
+          <p:cNvPr id="10" name="TextBox 9">
+            <a:extLst>
+              <a:ext uri="{FF2B5EF4-FFF2-40B4-BE49-F238E27FC236}">
+                <a16:creationId xmlns:a16="http://schemas.microsoft.com/office/drawing/2014/main" id="{8608BF73-96D7-9741-D6DA-4613D54C02D7}"/>
+              </a:ext>
+            </a:extLst>
+          </p:cNvPr>
+          <p:cNvSpPr txBox="1"/>
+          <p:nvPr/>
+        </p:nvSpPr>
+        <p:spPr>
+          <a:xfrm>
+            <a:off x="6828663" y="1173528"/>
+            <a:ext cx="4667250" cy="369332"/>
+          </a:xfrm>
+          <a:prstGeom prst="rect">
+            <a:avLst/>
+          </a:prstGeom>
+          <a:noFill/>
+        </p:spPr>
+        <p:txBody>
+          <a:bodyPr wrap="square" rtlCol="0">
+            <a:spAutoFit/>
+          </a:bodyPr>
+          <a:lstStyle/>
+          <a:p>
+            <a:pPr algn="ctr"/>
+            <a:r>
+              <a:rPr lang="en-CA" dirty="0"/>
+              <a:t>Total Body Irradiation Treatment Planning </a:t>
+            </a:r>
+          </a:p>
+        </p:txBody>
+      </p:sp>
+      <p:sp>
+        <p:nvSpPr>
+          <p:cNvPr id="12" name="TextBox 11">
+            <a:extLst>
+              <a:ext uri="{FF2B5EF4-FFF2-40B4-BE49-F238E27FC236}">
+                <a16:creationId xmlns:a16="http://schemas.microsoft.com/office/drawing/2014/main" id="{CC102AEB-615D-8A30-51AC-D65FE25C0DC2}"/>
+              </a:ext>
+            </a:extLst>
+          </p:cNvPr>
+          <p:cNvSpPr txBox="1"/>
+          <p:nvPr/>
+        </p:nvSpPr>
+        <p:spPr>
+          <a:xfrm>
+            <a:off x="173998" y="4598562"/>
+            <a:ext cx="11605190" cy="1477328"/>
+          </a:xfrm>
+          <a:prstGeom prst="rect">
+            <a:avLst/>
+          </a:prstGeom>
+          <a:noFill/>
+        </p:spPr>
+        <p:txBody>
+          <a:bodyPr wrap="square" rtlCol="0">
+            <a:spAutoFit/>
+          </a:bodyPr>
+          <a:lstStyle/>
+          <a:p>
+            <a:r>
+              <a:rPr lang="en-CA" dirty="0"/>
+              <a:t>TBI: The PTV extends outside of the patient’s body and we create a “flash” margin for Inverse Treatment Planning. Currently the margin is based on planner experience.  After treatment planning the flash margin is removed and the dose is recalculated.</a:t>
+            </a:r>
+          </a:p>
+          <a:p>
+            <a:endParaRPr lang="en-CA" dirty="0"/>
+          </a:p>
+          <a:p>
+            <a:r>
+              <a:rPr lang="en-CA" dirty="0"/>
+              <a:t>Flash margin: margin outside of the patient we fill with unit density material</a:t>
+            </a:r>
+          </a:p>
+        </p:txBody>
+      </p:sp>
+    </p:spTree>
+    <p:extLst>
+      <p:ext uri="{BB962C8B-B14F-4D97-AF65-F5344CB8AC3E}">
+        <p14:creationId xmlns:p14="http://schemas.microsoft.com/office/powerpoint/2010/main" val="2628769127"/>
+      </p:ext>
+    </p:extLst>
+  </p:cSld>
+  <p:clrMapOvr>
+    <a:masterClrMapping/>
+  </p:clrMapOvr>
+</p:sld>
+</file>
+
+<file path=ppt/slides/slide19.xml><?xml version="1.0" encoding="utf-8"?>
+<p:sld xmlns:a="http://schemas.openxmlformats.org/drawingml/2006/main" xmlns:r="http://schemas.openxmlformats.org/officeDocument/2006/relationships" xmlns:p="http://schemas.openxmlformats.org/presentationml/2006/main">
+  <p:cSld>
+    <p:spTree>
+      <p:nvGrpSpPr>
+        <p:cNvPr id="1" name=""/>
+        <p:cNvGrpSpPr/>
+        <p:nvPr/>
+      </p:nvGrpSpPr>
+      <p:grpSpPr>
+        <a:xfrm>
+          <a:off x="0" y="0"/>
+          <a:ext cx="0" cy="0"/>
+          <a:chOff x="0" y="0"/>
+          <a:chExt cx="0" cy="0"/>
+        </a:xfrm>
+      </p:grpSpPr>
+      <p:sp>
+        <p:nvSpPr>
+          <p:cNvPr id="2" name="Title 1">
+            <a:extLst>
+              <a:ext uri="{FF2B5EF4-FFF2-40B4-BE49-F238E27FC236}">
+                <a16:creationId xmlns:a16="http://schemas.microsoft.com/office/drawing/2014/main" id="{159C92A7-67D4-8BC1-D8A6-3CF356D70517}"/>
+              </a:ext>
+            </a:extLst>
+          </p:cNvPr>
+          <p:cNvSpPr>
+            <a:spLocks noGrp="1"/>
+          </p:cNvSpPr>
+          <p:nvPr>
+            <p:ph type="title"/>
+          </p:nvPr>
+        </p:nvSpPr>
+        <p:spPr/>
+        <p:txBody>
+          <a:bodyPr/>
+          <a:lstStyle/>
+          <a:p>
+            <a:r>
+              <a:rPr lang="en-CA" dirty="0"/>
+              <a:t>New Project – TBI Treatment Margins</a:t>
+            </a:r>
+          </a:p>
+        </p:txBody>
+      </p:sp>
+      <p:sp>
+        <p:nvSpPr>
+          <p:cNvPr id="3" name="Content Placeholder 2">
+            <a:extLst>
+              <a:ext uri="{FF2B5EF4-FFF2-40B4-BE49-F238E27FC236}">
+                <a16:creationId xmlns:a16="http://schemas.microsoft.com/office/drawing/2014/main" id="{42D89693-0262-7CC8-55AC-AD1F2B9A26C4}"/>
+              </a:ext>
+            </a:extLst>
+          </p:cNvPr>
+          <p:cNvSpPr>
+            <a:spLocks noGrp="1"/>
+          </p:cNvSpPr>
+          <p:nvPr>
+            <p:ph idx="1"/>
+          </p:nvPr>
+        </p:nvSpPr>
+        <p:spPr/>
+        <p:txBody>
+          <a:bodyPr>
+            <a:normAutofit/>
+          </a:bodyPr>
+          <a:lstStyle/>
+          <a:p>
+            <a:r>
+              <a:rPr lang="en-CA" dirty="0"/>
               <a:t>BC Cancer – Vancouver has transitioned to VMAT TBI. </a:t>
             </a:r>
           </a:p>
@@ -5482,24 +6945,6 @@
             <a:r>
               <a:rPr lang="en-CA" dirty="0"/>
               <a:t>This also provides with additional information on set-up error and patient motion during treatment at all isocenters</a:t>
-            </a:r>
-          </a:p>
-          <a:p>
-            <a:r>
-              <a:rPr lang="en-CA" dirty="0"/>
-              <a:t>Using this data we can calculate minimum treatment margins for TBI. </a:t>
-            </a:r>
-          </a:p>
-          <a:p>
-            <a:r>
-              <a:rPr lang="en-CA" dirty="0"/>
-              <a:t>Using a Robustness study we can assess how well our current margins suit our needs using treatment plans from previously treated patients.</a:t>
-            </a:r>
-          </a:p>
-          <a:p>
-            <a:r>
-              <a:rPr lang="en-CA" dirty="0"/>
-              <a:t>Goal: provide treatment centre specific margins for TBI.</a:t>
             </a:r>
           </a:p>
           <a:p>
@@ -5542,7 +6987,7 @@
         </p:blipFill>
         <p:spPr bwMode="auto">
           <a:xfrm>
-            <a:off x="5667375" y="-186532"/>
+            <a:off x="838200" y="4001294"/>
             <a:ext cx="6524625" cy="2428875"/>
           </a:xfrm>
           <a:prstGeom prst="rect">
@@ -5573,89 +7018,6 @@
 </p:sld>
 </file>
 
-<file path=ppt/slides/slide14.xml><?xml version="1.0" encoding="utf-8"?>
-<p:sld xmlns:a="http://schemas.openxmlformats.org/drawingml/2006/main" xmlns:r="http://schemas.openxmlformats.org/officeDocument/2006/relationships" xmlns:p="http://schemas.openxmlformats.org/presentationml/2006/main">
-  <p:cSld>
-    <p:spTree>
-      <p:nvGrpSpPr>
-        <p:cNvPr id="1" name=""/>
-        <p:cNvGrpSpPr/>
-        <p:nvPr/>
-      </p:nvGrpSpPr>
-      <p:grpSpPr>
-        <a:xfrm>
-          <a:off x="0" y="0"/>
-          <a:ext cx="0" cy="0"/>
-          <a:chOff x="0" y="0"/>
-          <a:chExt cx="0" cy="0"/>
-        </a:xfrm>
-      </p:grpSpPr>
-      <p:sp>
-        <p:nvSpPr>
-          <p:cNvPr id="2" name="Title 1">
-            <a:extLst>
-              <a:ext uri="{FF2B5EF4-FFF2-40B4-BE49-F238E27FC236}">
-                <a16:creationId xmlns:a16="http://schemas.microsoft.com/office/drawing/2014/main" id="{27333CB3-3BEB-E5C5-04C6-50DC80C64041}"/>
-              </a:ext>
-            </a:extLst>
-          </p:cNvPr>
-          <p:cNvSpPr>
-            <a:spLocks noGrp="1"/>
-          </p:cNvSpPr>
-          <p:nvPr>
-            <p:ph type="title"/>
-          </p:nvPr>
-        </p:nvSpPr>
-        <p:spPr/>
-        <p:txBody>
-          <a:bodyPr/>
-          <a:lstStyle/>
-          <a:p>
-            <a:r>
-              <a:rPr lang="en-CA" dirty="0"/>
-              <a:t>Questions?</a:t>
-            </a:r>
-          </a:p>
-        </p:txBody>
-      </p:sp>
-      <p:sp>
-        <p:nvSpPr>
-          <p:cNvPr id="3" name="Content Placeholder 2">
-            <a:extLst>
-              <a:ext uri="{FF2B5EF4-FFF2-40B4-BE49-F238E27FC236}">
-                <a16:creationId xmlns:a16="http://schemas.microsoft.com/office/drawing/2014/main" id="{4EAFCC85-588E-89F6-8747-D804D154A5C9}"/>
-              </a:ext>
-            </a:extLst>
-          </p:cNvPr>
-          <p:cNvSpPr>
-            <a:spLocks noGrp="1"/>
-          </p:cNvSpPr>
-          <p:nvPr>
-            <p:ph idx="1"/>
-          </p:nvPr>
-        </p:nvSpPr>
-        <p:spPr/>
-        <p:txBody>
-          <a:bodyPr/>
-          <a:lstStyle/>
-          <a:p>
-            <a:endParaRPr lang="en-CA"/>
-          </a:p>
-        </p:txBody>
-      </p:sp>
-    </p:spTree>
-    <p:extLst>
-      <p:ext uri="{BB962C8B-B14F-4D97-AF65-F5344CB8AC3E}">
-        <p14:creationId xmlns:p14="http://schemas.microsoft.com/office/powerpoint/2010/main" val="2878931481"/>
-      </p:ext>
-    </p:extLst>
-  </p:cSld>
-  <p:clrMapOvr>
-    <a:masterClrMapping/>
-  </p:clrMapOvr>
-</p:sld>
-</file>
-
 <file path=ppt/slides/slide2.xml><?xml version="1.0" encoding="utf-8"?>
 <p:sld xmlns:a="http://schemas.openxmlformats.org/drawingml/2006/main" xmlns:r="http://schemas.openxmlformats.org/officeDocument/2006/relationships" xmlns:p="http://schemas.openxmlformats.org/presentationml/2006/main">
   <p:cSld>
@@ -5724,7 +7086,7 @@
           <a:p>
             <a:r>
               <a:rPr lang="en-CA" dirty="0"/>
-              <a:t>Accomplishments</a:t>
+              <a:t>Recent Accomplishments</a:t>
             </a:r>
           </a:p>
           <a:p>
@@ -5736,13 +7098,13 @@
           <a:p>
             <a:r>
               <a:rPr lang="en-CA" dirty="0"/>
-              <a:t>Current Progress</a:t>
+              <a:t>Current Progress and Modifications to Project</a:t>
             </a:r>
           </a:p>
           <a:p>
             <a:r>
               <a:rPr lang="en-CA" dirty="0"/>
-              <a:t>New Additions</a:t>
+              <a:t>Surface Guided Radiation Therapy Project</a:t>
             </a:r>
           </a:p>
           <a:p>
@@ -5757,6 +7119,198 @@
     <p:extLst>
       <p:ext uri="{BB962C8B-B14F-4D97-AF65-F5344CB8AC3E}">
         <p14:creationId xmlns:p14="http://schemas.microsoft.com/office/powerpoint/2010/main" val="75628325"/>
+      </p:ext>
+    </p:extLst>
+  </p:cSld>
+  <p:clrMapOvr>
+    <a:masterClrMapping/>
+  </p:clrMapOvr>
+</p:sld>
+</file>
+
+<file path=ppt/slides/slide20.xml><?xml version="1.0" encoding="utf-8"?>
+<p:sld xmlns:a="http://schemas.openxmlformats.org/drawingml/2006/main" xmlns:r="http://schemas.openxmlformats.org/officeDocument/2006/relationships" xmlns:p="http://schemas.openxmlformats.org/presentationml/2006/main">
+  <p:cSld>
+    <p:spTree>
+      <p:nvGrpSpPr>
+        <p:cNvPr id="1" name=""/>
+        <p:cNvGrpSpPr/>
+        <p:nvPr/>
+      </p:nvGrpSpPr>
+      <p:grpSpPr>
+        <a:xfrm>
+          <a:off x="0" y="0"/>
+          <a:ext cx="0" cy="0"/>
+          <a:chOff x="0" y="0"/>
+          <a:chExt cx="0" cy="0"/>
+        </a:xfrm>
+      </p:grpSpPr>
+      <p:sp>
+        <p:nvSpPr>
+          <p:cNvPr id="2" name="Title 1">
+            <a:extLst>
+              <a:ext uri="{FF2B5EF4-FFF2-40B4-BE49-F238E27FC236}">
+                <a16:creationId xmlns:a16="http://schemas.microsoft.com/office/drawing/2014/main" id="{159C92A7-67D4-8BC1-D8A6-3CF356D70517}"/>
+              </a:ext>
+            </a:extLst>
+          </p:cNvPr>
+          <p:cNvSpPr>
+            <a:spLocks noGrp="1"/>
+          </p:cNvSpPr>
+          <p:nvPr>
+            <p:ph type="title"/>
+          </p:nvPr>
+        </p:nvSpPr>
+        <p:spPr/>
+        <p:txBody>
+          <a:bodyPr/>
+          <a:lstStyle/>
+          <a:p>
+            <a:r>
+              <a:rPr lang="en-CA" dirty="0"/>
+              <a:t>New Project – TBI Treatment Margins</a:t>
+            </a:r>
+          </a:p>
+        </p:txBody>
+      </p:sp>
+      <p:sp>
+        <p:nvSpPr>
+          <p:cNvPr id="3" name="Content Placeholder 2">
+            <a:extLst>
+              <a:ext uri="{FF2B5EF4-FFF2-40B4-BE49-F238E27FC236}">
+                <a16:creationId xmlns:a16="http://schemas.microsoft.com/office/drawing/2014/main" id="{42D89693-0262-7CC8-55AC-AD1F2B9A26C4}"/>
+              </a:ext>
+            </a:extLst>
+          </p:cNvPr>
+          <p:cNvSpPr>
+            <a:spLocks noGrp="1"/>
+          </p:cNvSpPr>
+          <p:nvPr>
+            <p:ph idx="1"/>
+          </p:nvPr>
+        </p:nvSpPr>
+        <p:spPr/>
+        <p:txBody>
+          <a:bodyPr>
+            <a:normAutofit/>
+          </a:bodyPr>
+          <a:lstStyle/>
+          <a:p>
+            <a:r>
+              <a:rPr lang="en-CA" dirty="0"/>
+              <a:t>Using this data we can calculate minimum treatment margins for TBI. </a:t>
+            </a:r>
+          </a:p>
+          <a:p>
+            <a:r>
+              <a:rPr lang="en-CA" dirty="0"/>
+              <a:t>Using a Robustness study we can assess how well our current margins suit our needs using treatment plans from previously treated patients. </a:t>
+            </a:r>
+          </a:p>
+          <a:p>
+            <a:r>
+              <a:rPr lang="en-CA" dirty="0"/>
+              <a:t>Goal: provide data informed TBI margins.</a:t>
+            </a:r>
+          </a:p>
+          <a:p>
+            <a:pPr marL="0" indent="0">
+              <a:buNone/>
+            </a:pPr>
+            <a:endParaRPr lang="en-CA" dirty="0"/>
+          </a:p>
+          <a:p>
+            <a:endParaRPr lang="en-CA" dirty="0"/>
+          </a:p>
+        </p:txBody>
+      </p:sp>
+    </p:spTree>
+    <p:extLst>
+      <p:ext uri="{BB962C8B-B14F-4D97-AF65-F5344CB8AC3E}">
+        <p14:creationId xmlns:p14="http://schemas.microsoft.com/office/powerpoint/2010/main" val="3582053442"/>
+      </p:ext>
+    </p:extLst>
+  </p:cSld>
+  <p:clrMapOvr>
+    <a:masterClrMapping/>
+  </p:clrMapOvr>
+</p:sld>
+</file>
+
+<file path=ppt/slides/slide21.xml><?xml version="1.0" encoding="utf-8"?>
+<p:sld xmlns:a="http://schemas.openxmlformats.org/drawingml/2006/main" xmlns:r="http://schemas.openxmlformats.org/officeDocument/2006/relationships" xmlns:p="http://schemas.openxmlformats.org/presentationml/2006/main">
+  <p:cSld>
+    <p:spTree>
+      <p:nvGrpSpPr>
+        <p:cNvPr id="1" name=""/>
+        <p:cNvGrpSpPr/>
+        <p:nvPr/>
+      </p:nvGrpSpPr>
+      <p:grpSpPr>
+        <a:xfrm>
+          <a:off x="0" y="0"/>
+          <a:ext cx="0" cy="0"/>
+          <a:chOff x="0" y="0"/>
+          <a:chExt cx="0" cy="0"/>
+        </a:xfrm>
+      </p:grpSpPr>
+      <p:sp>
+        <p:nvSpPr>
+          <p:cNvPr id="2" name="Title 1">
+            <a:extLst>
+              <a:ext uri="{FF2B5EF4-FFF2-40B4-BE49-F238E27FC236}">
+                <a16:creationId xmlns:a16="http://schemas.microsoft.com/office/drawing/2014/main" id="{27333CB3-3BEB-E5C5-04C6-50DC80C64041}"/>
+              </a:ext>
+            </a:extLst>
+          </p:cNvPr>
+          <p:cNvSpPr>
+            <a:spLocks noGrp="1"/>
+          </p:cNvSpPr>
+          <p:nvPr>
+            <p:ph type="title"/>
+          </p:nvPr>
+        </p:nvSpPr>
+        <p:spPr/>
+        <p:txBody>
+          <a:bodyPr/>
+          <a:lstStyle/>
+          <a:p>
+            <a:r>
+              <a:rPr lang="en-CA" dirty="0"/>
+              <a:t>Questions?</a:t>
+            </a:r>
+          </a:p>
+        </p:txBody>
+      </p:sp>
+      <p:sp>
+        <p:nvSpPr>
+          <p:cNvPr id="3" name="Content Placeholder 2">
+            <a:extLst>
+              <a:ext uri="{FF2B5EF4-FFF2-40B4-BE49-F238E27FC236}">
+                <a16:creationId xmlns:a16="http://schemas.microsoft.com/office/drawing/2014/main" id="{4EAFCC85-588E-89F6-8747-D804D154A5C9}"/>
+              </a:ext>
+            </a:extLst>
+          </p:cNvPr>
+          <p:cNvSpPr>
+            <a:spLocks noGrp="1"/>
+          </p:cNvSpPr>
+          <p:nvPr>
+            <p:ph idx="1"/>
+          </p:nvPr>
+        </p:nvSpPr>
+        <p:spPr/>
+        <p:txBody>
+          <a:bodyPr/>
+          <a:lstStyle/>
+          <a:p>
+            <a:endParaRPr lang="en-CA"/>
+          </a:p>
+        </p:txBody>
+      </p:sp>
+    </p:spTree>
+    <p:extLst>
+      <p:ext uri="{BB962C8B-B14F-4D97-AF65-F5344CB8AC3E}">
+        <p14:creationId xmlns:p14="http://schemas.microsoft.com/office/powerpoint/2010/main" val="2878931481"/>
       </p:ext>
     </p:extLst>
   </p:cSld>
@@ -5785,34 +7339,6 @@
       </p:grpSpPr>
       <p:sp>
         <p:nvSpPr>
-          <p:cNvPr id="2" name="Title 1">
-            <a:extLst>
-              <a:ext uri="{FF2B5EF4-FFF2-40B4-BE49-F238E27FC236}">
-                <a16:creationId xmlns:a16="http://schemas.microsoft.com/office/drawing/2014/main" id="{8091A8EC-4AA6-D792-CD47-0129337854DF}"/>
-              </a:ext>
-            </a:extLst>
-          </p:cNvPr>
-          <p:cNvSpPr>
-            <a:spLocks noGrp="1"/>
-          </p:cNvSpPr>
-          <p:nvPr>
-            <p:ph type="title"/>
-          </p:nvPr>
-        </p:nvSpPr>
-        <p:spPr/>
-        <p:txBody>
-          <a:bodyPr/>
-          <a:lstStyle/>
-          <a:p>
-            <a:r>
-              <a:rPr lang="en-CA" dirty="0"/>
-              <a:t>Accomplishments</a:t>
-            </a:r>
-          </a:p>
-        </p:txBody>
-      </p:sp>
-      <p:sp>
-        <p:nvSpPr>
           <p:cNvPr id="3" name="Content Placeholder 2">
             <a:extLst>
               <a:ext uri="{FF2B5EF4-FFF2-40B4-BE49-F238E27FC236}">
@@ -5827,10 +7353,15 @@
             <p:ph idx="1"/>
           </p:nvPr>
         </p:nvSpPr>
-        <p:spPr/>
+        <p:spPr>
+          <a:xfrm>
+            <a:off x="838200" y="310896"/>
+            <a:ext cx="10515600" cy="5866067"/>
+          </a:xfrm>
+        </p:spPr>
         <p:txBody>
           <a:bodyPr>
-            <a:normAutofit fontScale="92500" lnSpcReduction="10000"/>
+            <a:normAutofit/>
           </a:bodyPr>
           <a:lstStyle/>
           <a:p>
@@ -6002,15 +7533,7 @@
           <a:p>
             <a:r>
               <a:rPr lang="en-CA" dirty="0"/>
-              <a:t>How heterogenous is the dose delivered to the </a:t>
-            </a:r>
-            <a:r>
-              <a:rPr lang="en-CA" dirty="0" err="1"/>
-              <a:t>cirucalting</a:t>
-            </a:r>
-            <a:r>
-              <a:rPr lang="en-CA" dirty="0"/>
-              <a:t> blood volume during TBI?</a:t>
+              <a:t>How heterogenous is the dose delivered to the circulating blood volume during TBI?</a:t>
             </a:r>
           </a:p>
         </p:txBody>
@@ -6143,7 +7666,7 @@
             </a:r>
             <a:r>
               <a:rPr lang="en-US" sz="2800" dirty="0"/>
-              <a:t>model will units a</a:t>
+              <a:t>model will unite a</a:t>
             </a:r>
             <a:r>
               <a:rPr lang="en-US" dirty="0"/>
@@ -6153,6 +7676,12 @@
               <a:rPr lang="en-US" sz="2800" dirty="0"/>
               <a:t>blood flow model and Monte Carlo Simulations to determine dose.</a:t>
             </a:r>
+          </a:p>
+          <a:p>
+            <a:pPr marL="0" indent="0">
+              <a:buNone/>
+            </a:pPr>
+            <a:endParaRPr lang="en-US" sz="2800" dirty="0"/>
           </a:p>
           <a:p>
             <a:endParaRPr lang="en-CA" sz="2800" dirty="0"/>
@@ -6248,7 +7777,7 @@
           <a:p>
             <a:r>
               <a:rPr lang="en-CA" dirty="0"/>
-              <a:t>Progress to Date</a:t>
+              <a:t>Progress to Date – Blood flow </a:t>
             </a:r>
           </a:p>
         </p:txBody>
@@ -6278,7 +7807,7 @@
           <a:p>
             <a:r>
               <a:rPr lang="en-CA" dirty="0"/>
-              <a:t>Pull the geometric information from the 4D XCAT phantom</a:t>
+              <a:t>Pulled the geometric information from the 4D XCAT phantom</a:t>
             </a:r>
           </a:p>
           <a:p>
@@ -6290,7 +7819,7 @@
           <a:p>
             <a:r>
               <a:rPr lang="en-CA" dirty="0"/>
-              <a:t>Create 1D-0D blood flow modelling code base</a:t>
+              <a:t>Created 1D-0D blood flow modelling code base</a:t>
             </a:r>
           </a:p>
           <a:p>
@@ -6558,34 +8087,6 @@
       </p:grpSpPr>
       <p:sp>
         <p:nvSpPr>
-          <p:cNvPr id="2" name="Title 1">
-            <a:extLst>
-              <a:ext uri="{FF2B5EF4-FFF2-40B4-BE49-F238E27FC236}">
-                <a16:creationId xmlns:a16="http://schemas.microsoft.com/office/drawing/2014/main" id="{96CA003A-A7EB-02BB-1A1E-CF73CA077D10}"/>
-              </a:ext>
-            </a:extLst>
-          </p:cNvPr>
-          <p:cNvSpPr>
-            <a:spLocks noGrp="1"/>
-          </p:cNvSpPr>
-          <p:nvPr>
-            <p:ph type="title"/>
-          </p:nvPr>
-        </p:nvSpPr>
-        <p:spPr/>
-        <p:txBody>
-          <a:bodyPr/>
-          <a:lstStyle/>
-          <a:p>
-            <a:r>
-              <a:rPr lang="en-CA" dirty="0"/>
-              <a:t>Progress to Date</a:t>
-            </a:r>
-          </a:p>
-        </p:txBody>
-      </p:sp>
-      <p:sp>
-        <p:nvSpPr>
           <p:cNvPr id="3" name="Content Placeholder 2">
             <a:extLst>
               <a:ext uri="{FF2B5EF4-FFF2-40B4-BE49-F238E27FC236}">
@@ -6603,69 +8104,16 @@
         <p:spPr/>
         <p:txBody>
           <a:bodyPr>
-            <a:normAutofit fontScale="92500" lnSpcReduction="10000"/>
+            <a:normAutofit/>
           </a:bodyPr>
           <a:lstStyle/>
-          <a:p>
-            <a:r>
-              <a:rPr lang="en-CA" dirty="0"/>
-              <a:t>Pull the geometric information from the 4D XCAT phantom</a:t>
-            </a:r>
-          </a:p>
-          <a:p>
-            <a:r>
-              <a:rPr lang="en-CA" dirty="0"/>
-              <a:t>Mapped the network </a:t>
-            </a:r>
-          </a:p>
-          <a:p>
-            <a:r>
-              <a:rPr lang="en-CA" dirty="0"/>
-              <a:t>Create 1D-0D blood flow modelling code base</a:t>
-            </a:r>
-          </a:p>
-          <a:p>
-            <a:pPr lvl="1"/>
-            <a:r>
-              <a:rPr lang="en-CA" dirty="0"/>
-              <a:t>Used open-source </a:t>
-            </a:r>
-            <a:r>
-              <a:rPr lang="en-CA" dirty="0" err="1"/>
-              <a:t>VaMpy</a:t>
-            </a:r>
-            <a:r>
-              <a:rPr lang="en-CA" dirty="0"/>
-              <a:t> code base</a:t>
-            </a:r>
-          </a:p>
-          <a:p>
-            <a:pPr lvl="1"/>
-            <a:r>
-              <a:rPr lang="en-CA" dirty="0"/>
-              <a:t>Modified to use Structured Tree boundary conditions. </a:t>
-            </a:r>
-          </a:p>
-          <a:p>
-            <a:pPr lvl="1"/>
-            <a:r>
-              <a:rPr lang="en-CA" dirty="0"/>
-              <a:t>Confirmed methodology using a “toy example”</a:t>
-            </a:r>
-          </a:p>
-          <a:p>
-            <a:r>
-              <a:rPr lang="en-CA" dirty="0"/>
-              <a:t>Began attempting to run a simulation for systemic arteries. </a:t>
-            </a:r>
-          </a:p>
           <a:p>
             <a:pPr marL="0" indent="0">
               <a:buNone/>
             </a:pPr>
             <a:r>
               <a:rPr lang="en-US" dirty="0"/>
-              <a:t>“ One problem is however, that the rather complicated system of equations does not converge for all choices of parameters (the peripheral resistance, the top radius, and the bottom radius.” – Dr. Mette Olufsen</a:t>
+              <a:t>“ One problem is however, that the rather complicated system of equations does not converge for all choices of parameters (the peripheral resistance, the top radius, and the bottom radius.” </a:t>
             </a:r>
           </a:p>
           <a:p>
@@ -6674,89 +8122,27 @@
             </a:pPr>
             <a:r>
               <a:rPr lang="en-US" dirty="0"/>
+              <a:t>– Dr. Mette Olufsen</a:t>
+            </a:r>
+          </a:p>
+          <a:p>
+            <a:pPr marL="0" indent="0">
+              <a:buNone/>
+            </a:pPr>
+            <a:endParaRPr lang="en-US" dirty="0"/>
+          </a:p>
+          <a:p>
+            <a:pPr marL="0" indent="0">
+              <a:buNone/>
+            </a:pPr>
+            <a:r>
+              <a:rPr lang="en-US" dirty="0"/>
               <a:t>0.006% of one period after months of work. </a:t>
             </a:r>
             <a:endParaRPr lang="en-CA" dirty="0"/>
           </a:p>
         </p:txBody>
       </p:sp>
-      <p:pic>
-        <p:nvPicPr>
-          <p:cNvPr id="4" name="Picture 2" descr="VaMpy logo">
-            <a:extLst>
-              <a:ext uri="{FF2B5EF4-FFF2-40B4-BE49-F238E27FC236}">
-                <a16:creationId xmlns:a16="http://schemas.microsoft.com/office/drawing/2014/main" id="{8ECD7392-3FBE-7A31-B571-5CF42648A1A3}"/>
-              </a:ext>
-            </a:extLst>
-          </p:cNvPr>
-          <p:cNvPicPr>
-            <a:picLocks noChangeAspect="1" noChangeArrowheads="1"/>
-          </p:cNvPicPr>
-          <p:nvPr/>
-        </p:nvPicPr>
-        <p:blipFill>
-          <a:blip r:embed="rId3">
-            <a:extLst>
-              <a:ext uri="{28A0092B-C50C-407E-A947-70E740481C1C}">
-                <a14:useLocalDpi xmlns:a14="http://schemas.microsoft.com/office/drawing/2010/main" val="0"/>
-              </a:ext>
-            </a:extLst>
-          </a:blip>
-          <a:srcRect/>
-          <a:stretch>
-            <a:fillRect/>
-          </a:stretch>
-        </p:blipFill>
-        <p:spPr bwMode="auto">
-          <a:xfrm>
-            <a:off x="8599098" y="770614"/>
-            <a:ext cx="2754702" cy="789825"/>
-          </a:xfrm>
-          <a:prstGeom prst="rect">
-            <a:avLst/>
-          </a:prstGeom>
-          <a:noFill/>
-          <a:extLst>
-            <a:ext uri="{909E8E84-426E-40DD-AFC4-6F175D3DCCD1}">
-              <a14:hiddenFill xmlns:a14="http://schemas.microsoft.com/office/drawing/2010/main">
-                <a:solidFill>
-                  <a:srgbClr val="FFFFFF"/>
-                </a:solidFill>
-              </a14:hiddenFill>
-            </a:ext>
-          </a:extLst>
-        </p:spPr>
-      </p:pic>
-      <p:pic>
-        <p:nvPicPr>
-          <p:cNvPr id="5" name="Picture 4">
-            <a:extLst>
-              <a:ext uri="{FF2B5EF4-FFF2-40B4-BE49-F238E27FC236}">
-                <a16:creationId xmlns:a16="http://schemas.microsoft.com/office/drawing/2014/main" id="{0A048E49-3188-543E-D9EC-EF0DE0F439C4}"/>
-              </a:ext>
-            </a:extLst>
-          </p:cNvPr>
-          <p:cNvPicPr>
-            <a:picLocks noChangeAspect="1"/>
-          </p:cNvPicPr>
-          <p:nvPr/>
-        </p:nvPicPr>
-        <p:blipFill>
-          <a:blip r:embed="rId4"/>
-          <a:stretch>
-            <a:fillRect/>
-          </a:stretch>
-        </p:blipFill>
-        <p:spPr>
-          <a:xfrm>
-            <a:off x="8972550" y="2324100"/>
-            <a:ext cx="2852583" cy="2016048"/>
-          </a:xfrm>
-          <a:prstGeom prst="rect">
-            <a:avLst/>
-          </a:prstGeom>
-        </p:spPr>
-      </p:pic>
     </p:spTree>
     <p:extLst>
       <p:ext uri="{BB962C8B-B14F-4D97-AF65-F5344CB8AC3E}">
@@ -6838,41 +8224,26 @@
           <a:p>
             <a:r>
               <a:rPr lang="en-CA" dirty="0"/>
-              <a:t>Elected to use established geometries for a limited number of systemic arteries. [1] Already up to 4%. </a:t>
-            </a:r>
-          </a:p>
-          <a:p>
+              <a:t>Attempted to us established geometries for a limited number of systemic arteries. [1] Reached to 6%. Time to </a:t>
+            </a:r>
+            <a:r>
+              <a:rPr lang="en-CA" u="sng" dirty="0"/>
+              <a:t>pivot again</a:t>
+            </a:r>
             <a:r>
               <a:rPr lang="en-CA" dirty="0"/>
-              <a:t>It works PLZZZZ</a:t>
-            </a:r>
-          </a:p>
-          <a:p>
-            <a:r>
-              <a:rPr lang="en-CA" dirty="0"/>
-              <a:t>This work will provide the basis for Paper #1.</a:t>
-            </a:r>
-          </a:p>
-          <a:p>
-            <a:r>
-              <a:rPr lang="en-CA" dirty="0"/>
-              <a:t>I also have a plan to include pulmonary vessels (10%) and a limited systemic vein models. These are both based on successful implementation within the literature. CITE HERE [2,3]. This is </a:t>
-            </a:r>
-            <a:r>
-              <a:rPr lang="en-CA" u="sng" dirty="0"/>
-              <a:t>only</a:t>
-            </a:r>
-            <a:r>
-              <a:rPr lang="en-CA" dirty="0"/>
-              <a:t> if time allows.</a:t>
-            </a:r>
+              <a:t>. </a:t>
+            </a:r>
+          </a:p>
+          <a:p>
+            <a:endParaRPr lang="en-CA" dirty="0"/>
           </a:p>
         </p:txBody>
       </p:sp>
     </p:spTree>
     <p:extLst>
       <p:ext uri="{BB962C8B-B14F-4D97-AF65-F5344CB8AC3E}">
-        <p14:creationId xmlns:p14="http://schemas.microsoft.com/office/powerpoint/2010/main" val="465128090"/>
+        <p14:creationId xmlns:p14="http://schemas.microsoft.com/office/powerpoint/2010/main" val="487004595"/>
       </p:ext>
     </p:extLst>
   </p:cSld>
